--- a/Commandline_Workshop.pptx
+++ b/Commandline_Workshop.pptx
@@ -5,7 +5,7 @@
     <p:sldMasterId id="2147483648" r:id="rId1"/>
   </p:sldMasterIdLst>
   <p:notesMasterIdLst>
-    <p:notesMasterId r:id="rId27"/>
+    <p:notesMasterId r:id="rId25"/>
   </p:notesMasterIdLst>
   <p:sldIdLst>
     <p:sldId id="256" r:id="rId2"/>
@@ -31,8 +31,6 @@
     <p:sldId id="276" r:id="rId22"/>
     <p:sldId id="277" r:id="rId23"/>
     <p:sldId id="278" r:id="rId24"/>
-    <p:sldId id="279" r:id="rId25"/>
-    <p:sldId id="280" r:id="rId26"/>
   </p:sldIdLst>
   <p:sldSz cx="24371300" cy="13716000"/>
   <p:notesSz cx="6858000" cy="9144000"/>
@@ -334,6 +332,11 @@
       </a:defRPr>
     </a:lvl9pPr>
   </p:defaultTextStyle>
+  <p:extLst>
+    <p:ext uri="{EFAFB233-063F-42B5-8137-9DF3F51BA10A}">
+      <p15:sldGuideLst xmlns:p15="http://schemas.microsoft.com/office/powerpoint/2012/main"/>
+    </p:ext>
+  </p:extLst>
 </p:presentation>
 </file>
 
@@ -3388,7 +3391,7 @@
           </a:ln>
           <a:extLst>
             <a:ext uri="{C572A759-6A51-4108-AA02-DFA0A04FC94B}">
-              <ma14:wrappingTextBoxFlag xmlns:ma14="http://schemas.microsoft.com/office/mac/drawingml/2011/main" xmlns:a14="http://schemas.microsoft.com/office/drawing/2010/main" xmlns:m="http://schemas.openxmlformats.org/officeDocument/2006/math" xmlns="" val="1"/>
+              <ma14:wrappingTextBoxFlag xmlns="" xmlns:m="http://schemas.openxmlformats.org/officeDocument/2006/math" xmlns:a14="http://schemas.microsoft.com/office/drawing/2010/main" xmlns:ma14="http://schemas.microsoft.com/office/mac/drawingml/2011/main" val="1"/>
             </a:ext>
           </a:extLst>
         </p:spPr>
@@ -3427,7 +3430,7 @@
           </a:ln>
           <a:extLst>
             <a:ext uri="{C572A759-6A51-4108-AA02-DFA0A04FC94B}">
-              <ma14:wrappingTextBoxFlag xmlns:ma14="http://schemas.microsoft.com/office/mac/drawingml/2011/main" xmlns:a14="http://schemas.microsoft.com/office/drawing/2010/main" xmlns:m="http://schemas.openxmlformats.org/officeDocument/2006/math" xmlns="" val="1"/>
+              <ma14:wrappingTextBoxFlag xmlns="" xmlns:m="http://schemas.openxmlformats.org/officeDocument/2006/math" xmlns:a14="http://schemas.microsoft.com/office/drawing/2010/main" xmlns:ma14="http://schemas.microsoft.com/office/mac/drawingml/2011/main" val="1"/>
             </a:ext>
           </a:extLst>
         </p:spPr>
@@ -4252,7 +4255,7 @@
           </a:prstGeom>
           <a:extLst>
             <a:ext uri="{C572A759-6A51-4108-AA02-DFA0A04FC94B}">
-              <ma14:wrappingTextBoxFlag xmlns:ma14="http://schemas.microsoft.com/office/mac/drawingml/2011/main" xmlns:a14="http://schemas.microsoft.com/office/drawing/2010/main" xmlns:m="http://schemas.openxmlformats.org/officeDocument/2006/math" xmlns="" val="1"/>
+              <ma14:wrappingTextBoxFlag xmlns="" xmlns:m="http://schemas.openxmlformats.org/officeDocument/2006/math" xmlns:a14="http://schemas.microsoft.com/office/drawing/2010/main" xmlns:ma14="http://schemas.microsoft.com/office/mac/drawingml/2011/main" val="1"/>
             </a:ext>
           </a:extLst>
         </p:spPr>
@@ -4295,7 +4298,7 @@
           </a:ln>
           <a:extLst>
             <a:ext uri="{C572A759-6A51-4108-AA02-DFA0A04FC94B}">
-              <ma14:wrappingTextBoxFlag xmlns:ma14="http://schemas.microsoft.com/office/mac/drawingml/2011/main" xmlns:a14="http://schemas.microsoft.com/office/drawing/2010/main" xmlns:m="http://schemas.openxmlformats.org/officeDocument/2006/math" xmlns="" val="1"/>
+              <ma14:wrappingTextBoxFlag xmlns="" xmlns:m="http://schemas.openxmlformats.org/officeDocument/2006/math" xmlns:a14="http://schemas.microsoft.com/office/drawing/2010/main" xmlns:ma14="http://schemas.microsoft.com/office/mac/drawingml/2011/main" val="1"/>
             </a:ext>
           </a:extLst>
         </p:spPr>
@@ -5217,7 +5220,7 @@
           </a:prstGeom>
           <a:extLst>
             <a:ext uri="{C572A759-6A51-4108-AA02-DFA0A04FC94B}">
-              <ma14:wrappingTextBoxFlag xmlns:ma14="http://schemas.microsoft.com/office/mac/drawingml/2011/main" xmlns:a14="http://schemas.microsoft.com/office/drawing/2010/main" xmlns:m="http://schemas.openxmlformats.org/officeDocument/2006/math" xmlns="" val="1"/>
+              <ma14:wrappingTextBoxFlag xmlns="" xmlns:m="http://schemas.openxmlformats.org/officeDocument/2006/math" xmlns:a14="http://schemas.microsoft.com/office/drawing/2010/main" xmlns:ma14="http://schemas.microsoft.com/office/mac/drawingml/2011/main" val="1"/>
             </a:ext>
           </a:extLst>
         </p:spPr>
@@ -6111,7 +6114,7 @@
           </a:ln>
           <a:extLst>
             <a:ext uri="{C572A759-6A51-4108-AA02-DFA0A04FC94B}">
-              <ma14:wrappingTextBoxFlag xmlns:ma14="http://schemas.microsoft.com/office/mac/drawingml/2011/main" xmlns:a14="http://schemas.microsoft.com/office/drawing/2010/main" xmlns:m="http://schemas.openxmlformats.org/officeDocument/2006/math" xmlns="" val="1"/>
+              <ma14:wrappingTextBoxFlag xmlns="" xmlns:m="http://schemas.openxmlformats.org/officeDocument/2006/math" xmlns:a14="http://schemas.microsoft.com/office/drawing/2010/main" xmlns:ma14="http://schemas.microsoft.com/office/mac/drawingml/2011/main" val="1"/>
             </a:ext>
           </a:extLst>
         </p:spPr>
@@ -6198,7 +6201,7 @@
           </a:prstGeom>
           <a:extLst>
             <a:ext uri="{C572A759-6A51-4108-AA02-DFA0A04FC94B}">
-              <ma14:wrappingTextBoxFlag xmlns:ma14="http://schemas.microsoft.com/office/mac/drawingml/2011/main" xmlns:a14="http://schemas.microsoft.com/office/drawing/2010/main" xmlns:m="http://schemas.openxmlformats.org/officeDocument/2006/math" xmlns="" val="1"/>
+              <ma14:wrappingTextBoxFlag xmlns="" xmlns:m="http://schemas.openxmlformats.org/officeDocument/2006/math" xmlns:a14="http://schemas.microsoft.com/office/drawing/2010/main" xmlns:ma14="http://schemas.microsoft.com/office/mac/drawingml/2011/main" val="1"/>
             </a:ext>
           </a:extLst>
         </p:spPr>
@@ -6241,7 +6244,7 @@
           </a:ln>
           <a:extLst>
             <a:ext uri="{C572A759-6A51-4108-AA02-DFA0A04FC94B}">
-              <ma14:wrappingTextBoxFlag xmlns:ma14="http://schemas.microsoft.com/office/mac/drawingml/2011/main" xmlns:a14="http://schemas.microsoft.com/office/drawing/2010/main" xmlns:m="http://schemas.openxmlformats.org/officeDocument/2006/math" xmlns="" val="1"/>
+              <ma14:wrappingTextBoxFlag xmlns="" xmlns:m="http://schemas.openxmlformats.org/officeDocument/2006/math" xmlns:a14="http://schemas.microsoft.com/office/drawing/2010/main" xmlns:ma14="http://schemas.microsoft.com/office/mac/drawingml/2011/main" val="1"/>
             </a:ext>
           </a:extLst>
         </p:spPr>
@@ -6949,7 +6952,7 @@
           </a:ln>
           <a:extLst>
             <a:ext uri="{C572A759-6A51-4108-AA02-DFA0A04FC94B}">
-              <ma14:wrappingTextBoxFlag xmlns:ma14="http://schemas.microsoft.com/office/mac/drawingml/2011/main" xmlns:a14="http://schemas.microsoft.com/office/drawing/2010/main" xmlns:m="http://schemas.openxmlformats.org/officeDocument/2006/math" xmlns="" val="1"/>
+              <ma14:wrappingTextBoxFlag xmlns="" xmlns:m="http://schemas.openxmlformats.org/officeDocument/2006/math" xmlns:a14="http://schemas.microsoft.com/office/drawing/2010/main" xmlns:ma14="http://schemas.microsoft.com/office/mac/drawingml/2011/main" val="1"/>
             </a:ext>
           </a:extLst>
         </p:spPr>
@@ -7050,7 +7053,7 @@
           </a:prstGeom>
           <a:extLst>
             <a:ext uri="{C572A759-6A51-4108-AA02-DFA0A04FC94B}">
-              <ma14:wrappingTextBoxFlag xmlns:ma14="http://schemas.microsoft.com/office/mac/drawingml/2011/main" xmlns:a14="http://schemas.microsoft.com/office/drawing/2010/main" xmlns:m="http://schemas.openxmlformats.org/officeDocument/2006/math" xmlns="" val="1"/>
+              <ma14:wrappingTextBoxFlag xmlns="" xmlns:m="http://schemas.openxmlformats.org/officeDocument/2006/math" xmlns:a14="http://schemas.microsoft.com/office/drawing/2010/main" xmlns:ma14="http://schemas.microsoft.com/office/mac/drawingml/2011/main" val="1"/>
             </a:ext>
           </a:extLst>
         </p:spPr>
@@ -7944,7 +7947,7 @@
           </a:ln>
           <a:extLst>
             <a:ext uri="{C572A759-6A51-4108-AA02-DFA0A04FC94B}">
-              <ma14:wrappingTextBoxFlag xmlns:ma14="http://schemas.microsoft.com/office/mac/drawingml/2011/main" xmlns:a14="http://schemas.microsoft.com/office/drawing/2010/main" xmlns:m="http://schemas.openxmlformats.org/officeDocument/2006/math" xmlns="" val="1"/>
+              <ma14:wrappingTextBoxFlag xmlns="" xmlns:m="http://schemas.openxmlformats.org/officeDocument/2006/math" xmlns:a14="http://schemas.microsoft.com/office/drawing/2010/main" xmlns:ma14="http://schemas.microsoft.com/office/mac/drawingml/2011/main" val="1"/>
             </a:ext>
           </a:extLst>
         </p:spPr>
@@ -8040,7 +8043,7 @@
           </a:prstGeom>
           <a:extLst>
             <a:ext uri="{C572A759-6A51-4108-AA02-DFA0A04FC94B}">
-              <ma14:wrappingTextBoxFlag xmlns:ma14="http://schemas.microsoft.com/office/mac/drawingml/2011/main" xmlns:a14="http://schemas.microsoft.com/office/drawing/2010/main" xmlns:m="http://schemas.openxmlformats.org/officeDocument/2006/math" xmlns="" val="1"/>
+              <ma14:wrappingTextBoxFlag xmlns="" xmlns:m="http://schemas.openxmlformats.org/officeDocument/2006/math" xmlns:a14="http://schemas.microsoft.com/office/drawing/2010/main" xmlns:ma14="http://schemas.microsoft.com/office/mac/drawingml/2011/main" val="1"/>
             </a:ext>
           </a:extLst>
         </p:spPr>
@@ -8083,7 +8086,7 @@
           </a:ln>
           <a:extLst>
             <a:ext uri="{C572A759-6A51-4108-AA02-DFA0A04FC94B}">
-              <ma14:wrappingTextBoxFlag xmlns:ma14="http://schemas.microsoft.com/office/mac/drawingml/2011/main" xmlns:a14="http://schemas.microsoft.com/office/drawing/2010/main" xmlns:m="http://schemas.openxmlformats.org/officeDocument/2006/math" xmlns="" val="1"/>
+              <ma14:wrappingTextBoxFlag xmlns="" xmlns:m="http://schemas.openxmlformats.org/officeDocument/2006/math" xmlns:a14="http://schemas.microsoft.com/office/drawing/2010/main" xmlns:ma14="http://schemas.microsoft.com/office/mac/drawingml/2011/main" val="1"/>
             </a:ext>
           </a:extLst>
         </p:spPr>
@@ -8494,7 +8497,7 @@
           </a:ln>
           <a:extLst>
             <a:ext uri="{C572A759-6A51-4108-AA02-DFA0A04FC94B}">
-              <ma14:wrappingTextBoxFlag xmlns:ma14="http://schemas.microsoft.com/office/mac/drawingml/2011/main" xmlns:a14="http://schemas.microsoft.com/office/drawing/2010/main" xmlns:m="http://schemas.openxmlformats.org/officeDocument/2006/math" xmlns="" val="1"/>
+              <ma14:wrappingTextBoxFlag xmlns="" xmlns:m="http://schemas.openxmlformats.org/officeDocument/2006/math" xmlns:a14="http://schemas.microsoft.com/office/drawing/2010/main" xmlns:ma14="http://schemas.microsoft.com/office/mac/drawingml/2011/main" val="1"/>
             </a:ext>
           </a:extLst>
         </p:spPr>
@@ -8544,7 +8547,7 @@
           </a:ln>
           <a:extLst>
             <a:ext uri="{C572A759-6A51-4108-AA02-DFA0A04FC94B}">
-              <ma14:wrappingTextBoxFlag xmlns:ma14="http://schemas.microsoft.com/office/mac/drawingml/2011/main" xmlns:a14="http://schemas.microsoft.com/office/drawing/2010/main" xmlns:m="http://schemas.openxmlformats.org/officeDocument/2006/math" xmlns="" val="1"/>
+              <ma14:wrappingTextBoxFlag xmlns="" xmlns:m="http://schemas.openxmlformats.org/officeDocument/2006/math" xmlns:a14="http://schemas.microsoft.com/office/drawing/2010/main" xmlns:ma14="http://schemas.microsoft.com/office/mac/drawingml/2011/main" val="1"/>
             </a:ext>
           </a:extLst>
         </p:spPr>
@@ -8757,7 +8760,7 @@
           </a:prstGeom>
           <a:extLst>
             <a:ext uri="{C572A759-6A51-4108-AA02-DFA0A04FC94B}">
-              <ma14:wrappingTextBoxFlag xmlns:ma14="http://schemas.microsoft.com/office/mac/drawingml/2011/main" xmlns:a14="http://schemas.microsoft.com/office/drawing/2010/main" xmlns:m="http://schemas.openxmlformats.org/officeDocument/2006/math" xmlns="" val="1"/>
+              <ma14:wrappingTextBoxFlag xmlns="" xmlns:m="http://schemas.openxmlformats.org/officeDocument/2006/math" xmlns:a14="http://schemas.microsoft.com/office/drawing/2010/main" xmlns:ma14="http://schemas.microsoft.com/office/mac/drawingml/2011/main" val="1"/>
             </a:ext>
           </a:extLst>
         </p:spPr>
@@ -8775,6 +8778,7 @@
           </a:lstStyle>
           <a:p>
             <a:fld id="{86CB4B4D-7CA3-9044-876B-883B54F8677D}" type="slidenum">
+              <a:rPr/>
               <a:t>14</a:t>
             </a:fld>
             <a:endParaRPr/>
@@ -8830,7 +8834,7 @@
           </a:ln>
           <a:extLst>
             <a:ext uri="{C572A759-6A51-4108-AA02-DFA0A04FC94B}">
-              <ma14:wrappingTextBoxFlag xmlns:ma14="http://schemas.microsoft.com/office/mac/drawingml/2011/main" xmlns:a14="http://schemas.microsoft.com/office/drawing/2010/main" xmlns:m="http://schemas.openxmlformats.org/officeDocument/2006/math" xmlns="" val="1"/>
+              <ma14:wrappingTextBoxFlag xmlns="" xmlns:m="http://schemas.openxmlformats.org/officeDocument/2006/math" xmlns:a14="http://schemas.microsoft.com/office/drawing/2010/main" xmlns:ma14="http://schemas.microsoft.com/office/mac/drawingml/2011/main" val="1"/>
             </a:ext>
           </a:extLst>
         </p:spPr>
@@ -9209,7 +9213,7 @@
           </a:ln>
           <a:extLst>
             <a:ext uri="{C572A759-6A51-4108-AA02-DFA0A04FC94B}">
-              <ma14:wrappingTextBoxFlag xmlns:ma14="http://schemas.microsoft.com/office/mac/drawingml/2011/main" xmlns:a14="http://schemas.microsoft.com/office/drawing/2010/main" xmlns:m="http://schemas.openxmlformats.org/officeDocument/2006/math" xmlns="" val="1"/>
+              <ma14:wrappingTextBoxFlag xmlns="" xmlns:m="http://schemas.openxmlformats.org/officeDocument/2006/math" xmlns:a14="http://schemas.microsoft.com/office/drawing/2010/main" xmlns:ma14="http://schemas.microsoft.com/office/mac/drawingml/2011/main" val="1"/>
             </a:ext>
           </a:extLst>
         </p:spPr>
@@ -9256,7 +9260,7 @@
           </a:ln>
           <a:extLst>
             <a:ext uri="{C572A759-6A51-4108-AA02-DFA0A04FC94B}">
-              <ma14:wrappingTextBoxFlag xmlns:ma14="http://schemas.microsoft.com/office/mac/drawingml/2011/main" xmlns:a14="http://schemas.microsoft.com/office/drawing/2010/main" xmlns:m="http://schemas.openxmlformats.org/officeDocument/2006/math" xmlns="" val="1"/>
+              <ma14:wrappingTextBoxFlag xmlns="" xmlns:m="http://schemas.openxmlformats.org/officeDocument/2006/math" xmlns:a14="http://schemas.microsoft.com/office/drawing/2010/main" xmlns:ma14="http://schemas.microsoft.com/office/mac/drawingml/2011/main" val="1"/>
             </a:ext>
           </a:extLst>
         </p:spPr>
@@ -9318,7 +9322,7 @@
           </a:ln>
           <a:extLst>
             <a:ext uri="{C572A759-6A51-4108-AA02-DFA0A04FC94B}">
-              <ma14:wrappingTextBoxFlag xmlns:ma14="http://schemas.microsoft.com/office/mac/drawingml/2011/main" xmlns:a14="http://schemas.microsoft.com/office/drawing/2010/main" xmlns:m="http://schemas.openxmlformats.org/officeDocument/2006/math" xmlns="" val="1"/>
+              <ma14:wrappingTextBoxFlag xmlns="" xmlns:m="http://schemas.openxmlformats.org/officeDocument/2006/math" xmlns:a14="http://schemas.microsoft.com/office/drawing/2010/main" xmlns:ma14="http://schemas.microsoft.com/office/mac/drawingml/2011/main" val="1"/>
             </a:ext>
           </a:extLst>
         </p:spPr>
@@ -9340,6 +9344,7 @@
               </a:defRPr>
             </a:pPr>
             <a:r>
+              <a:rPr dirty="0"/>
               <a:t>Version Control System</a:t>
             </a:r>
           </a:p>
@@ -9356,7 +9361,8 @@
               </a:defRPr>
             </a:pPr>
             <a:r>
-              <a:t>git/GitHub &amp; Back-up</a:t>
+              <a:rPr dirty="0"/>
+              <a:t>git/GitHub &amp; Backup</a:t>
             </a:r>
           </a:p>
         </p:txBody>
@@ -9380,7 +9386,7 @@
           </a:ln>
           <a:extLst>
             <a:ext uri="{C572A759-6A51-4108-AA02-DFA0A04FC94B}">
-              <ma14:wrappingTextBoxFlag xmlns:ma14="http://schemas.microsoft.com/office/mac/drawingml/2011/main" xmlns:a14="http://schemas.microsoft.com/office/drawing/2010/main" xmlns:m="http://schemas.openxmlformats.org/officeDocument/2006/math" xmlns="" val="1"/>
+              <ma14:wrappingTextBoxFlag xmlns="" xmlns:m="http://schemas.openxmlformats.org/officeDocument/2006/math" xmlns:a14="http://schemas.microsoft.com/office/drawing/2010/main" xmlns:ma14="http://schemas.microsoft.com/office/mac/drawingml/2011/main" val="1"/>
             </a:ext>
           </a:extLst>
         </p:spPr>
@@ -9759,7 +9765,7 @@
           </a:ln>
           <a:extLst>
             <a:ext uri="{C572A759-6A51-4108-AA02-DFA0A04FC94B}">
-              <ma14:wrappingTextBoxFlag xmlns:ma14="http://schemas.microsoft.com/office/mac/drawingml/2011/main" xmlns:a14="http://schemas.microsoft.com/office/drawing/2010/main" xmlns:m="http://schemas.openxmlformats.org/officeDocument/2006/math" xmlns="" val="1"/>
+              <ma14:wrappingTextBoxFlag xmlns="" xmlns:m="http://schemas.openxmlformats.org/officeDocument/2006/math" xmlns:a14="http://schemas.microsoft.com/office/drawing/2010/main" xmlns:ma14="http://schemas.microsoft.com/office/mac/drawingml/2011/main" val="1"/>
             </a:ext>
           </a:extLst>
         </p:spPr>
@@ -9779,6 +9785,7 @@
           </a:lstStyle>
           <a:p>
             <a:r>
+              <a:rPr dirty="0"/>
               <a:t>Don’t Store Large Data/Files on Your Local Computer</a:t>
             </a:r>
           </a:p>
@@ -10907,7 +10914,7 @@
           </a:ln>
           <a:extLst>
             <a:ext uri="{C572A759-6A51-4108-AA02-DFA0A04FC94B}">
-              <ma14:wrappingTextBoxFlag xmlns:ma14="http://schemas.microsoft.com/office/mac/drawingml/2011/main" xmlns:a14="http://schemas.microsoft.com/office/drawing/2010/main" xmlns:m="http://schemas.openxmlformats.org/officeDocument/2006/math" xmlns="" val="1"/>
+              <ma14:wrappingTextBoxFlag xmlns="" xmlns:m="http://schemas.openxmlformats.org/officeDocument/2006/math" xmlns:a14="http://schemas.microsoft.com/office/drawing/2010/main" xmlns:ma14="http://schemas.microsoft.com/office/mac/drawingml/2011/main" val="1"/>
             </a:ext>
           </a:extLst>
         </p:spPr>
@@ -10951,7 +10958,7 @@
           </a:ln>
           <a:extLst>
             <a:ext uri="{C572A759-6A51-4108-AA02-DFA0A04FC94B}">
-              <ma14:wrappingTextBoxFlag xmlns:ma14="http://schemas.microsoft.com/office/mac/drawingml/2011/main" xmlns:a14="http://schemas.microsoft.com/office/drawing/2010/main" xmlns:m="http://schemas.openxmlformats.org/officeDocument/2006/math" xmlns="" val="1"/>
+              <ma14:wrappingTextBoxFlag xmlns="" xmlns:m="http://schemas.openxmlformats.org/officeDocument/2006/math" xmlns:a14="http://schemas.microsoft.com/office/drawing/2010/main" xmlns:ma14="http://schemas.microsoft.com/office/mac/drawingml/2011/main" val="1"/>
             </a:ext>
           </a:extLst>
         </p:spPr>
@@ -10984,8 +10991,8 @@
         </p:nvSpPr>
         <p:spPr>
           <a:xfrm>
-            <a:off x="15013260" y="7002390"/>
-            <a:ext cx="7620001" cy="523241"/>
+            <a:off x="14908730" y="6762771"/>
+            <a:ext cx="7620001" cy="954107"/>
           </a:xfrm>
           <a:prstGeom prst="rect">
             <a:avLst/>
@@ -10995,7 +11002,7 @@
           </a:ln>
           <a:extLst>
             <a:ext uri="{C572A759-6A51-4108-AA02-DFA0A04FC94B}">
-              <ma14:wrappingTextBoxFlag xmlns:ma14="http://schemas.microsoft.com/office/mac/drawingml/2011/main" xmlns:a14="http://schemas.microsoft.com/office/drawing/2010/main" xmlns:m="http://schemas.openxmlformats.org/officeDocument/2006/math" xmlns="" val="1"/>
+              <ma14:wrappingTextBoxFlag xmlns="" xmlns:m="http://schemas.openxmlformats.org/officeDocument/2006/math" xmlns:a14="http://schemas.microsoft.com/office/drawing/2010/main" xmlns:ma14="http://schemas.microsoft.com/office/mac/drawingml/2011/main" val="1"/>
             </a:ext>
           </a:extLst>
         </p:spPr>
@@ -11015,8 +11022,10 @@
           </a:lstStyle>
           <a:p>
             <a:r>
-              <a:t>XX </a:t>
+              <a:rPr lang="en-US" dirty="0"/>
+              <a:t>Don’t store multiple copies of file, instead point to it (path).</a:t>
             </a:r>
+            <a:endParaRPr dirty="0"/>
           </a:p>
         </p:txBody>
       </p:sp>
@@ -11138,7 +11147,7 @@
           </a:prstGeom>
           <a:extLst>
             <a:ext uri="{C572A759-6A51-4108-AA02-DFA0A04FC94B}">
-              <ma14:wrappingTextBoxFlag xmlns:ma14="http://schemas.microsoft.com/office/mac/drawingml/2011/main" xmlns:a14="http://schemas.microsoft.com/office/drawing/2010/main" xmlns:m="http://schemas.openxmlformats.org/officeDocument/2006/math" xmlns="" val="1"/>
+              <ma14:wrappingTextBoxFlag xmlns="" xmlns:m="http://schemas.openxmlformats.org/officeDocument/2006/math" xmlns:a14="http://schemas.microsoft.com/office/drawing/2010/main" xmlns:ma14="http://schemas.microsoft.com/office/mac/drawingml/2011/main" val="1"/>
             </a:ext>
           </a:extLst>
         </p:spPr>
@@ -11181,7 +11190,7 @@
           </a:ln>
           <a:extLst>
             <a:ext uri="{C572A759-6A51-4108-AA02-DFA0A04FC94B}">
-              <ma14:wrappingTextBoxFlag xmlns:ma14="http://schemas.microsoft.com/office/mac/drawingml/2011/main" xmlns:a14="http://schemas.microsoft.com/office/drawing/2010/main" xmlns:m="http://schemas.openxmlformats.org/officeDocument/2006/math" xmlns="" val="1"/>
+              <ma14:wrappingTextBoxFlag xmlns="" xmlns:m="http://schemas.openxmlformats.org/officeDocument/2006/math" xmlns:a14="http://schemas.microsoft.com/office/drawing/2010/main" xmlns:ma14="http://schemas.microsoft.com/office/mac/drawingml/2011/main" val="1"/>
             </a:ext>
           </a:extLst>
         </p:spPr>
@@ -11438,7 +11447,7 @@
           </a:ln>
           <a:extLst>
             <a:ext uri="{C572A759-6A51-4108-AA02-DFA0A04FC94B}">
-              <ma14:wrappingTextBoxFlag xmlns:ma14="http://schemas.microsoft.com/office/mac/drawingml/2011/main" xmlns:a14="http://schemas.microsoft.com/office/drawing/2010/main" xmlns:m="http://schemas.openxmlformats.org/officeDocument/2006/math" xmlns="" val="1"/>
+              <ma14:wrappingTextBoxFlag xmlns="" xmlns:m="http://schemas.openxmlformats.org/officeDocument/2006/math" xmlns:a14="http://schemas.microsoft.com/office/drawing/2010/main" xmlns:ma14="http://schemas.microsoft.com/office/mac/drawingml/2011/main" val="1"/>
             </a:ext>
           </a:extLst>
         </p:spPr>
@@ -11697,7 +11706,7 @@
           </a:ln>
           <a:extLst>
             <a:ext uri="{C572A759-6A51-4108-AA02-DFA0A04FC94B}">
-              <ma14:wrappingTextBoxFlag xmlns:ma14="http://schemas.microsoft.com/office/mac/drawingml/2011/main" xmlns:a14="http://schemas.microsoft.com/office/drawing/2010/main" xmlns:m="http://schemas.openxmlformats.org/officeDocument/2006/math" xmlns="" val="1"/>
+              <ma14:wrappingTextBoxFlag xmlns="" xmlns:m="http://schemas.openxmlformats.org/officeDocument/2006/math" xmlns:a14="http://schemas.microsoft.com/office/drawing/2010/main" xmlns:ma14="http://schemas.microsoft.com/office/mac/drawingml/2011/main" val="1"/>
             </a:ext>
           </a:extLst>
         </p:spPr>
@@ -11956,7 +11965,7 @@
           </a:ln>
           <a:extLst>
             <a:ext uri="{C572A759-6A51-4108-AA02-DFA0A04FC94B}">
-              <ma14:wrappingTextBoxFlag xmlns:ma14="http://schemas.microsoft.com/office/mac/drawingml/2011/main" xmlns:a14="http://schemas.microsoft.com/office/drawing/2010/main" xmlns:m="http://schemas.openxmlformats.org/officeDocument/2006/math" xmlns="" val="1"/>
+              <ma14:wrappingTextBoxFlag xmlns="" xmlns:m="http://schemas.openxmlformats.org/officeDocument/2006/math" xmlns:a14="http://schemas.microsoft.com/office/drawing/2010/main" xmlns:ma14="http://schemas.microsoft.com/office/mac/drawingml/2011/main" val="1"/>
             </a:ext>
           </a:extLst>
         </p:spPr>
@@ -12215,7 +12224,7 @@
           </a:ln>
           <a:extLst>
             <a:ext uri="{C572A759-6A51-4108-AA02-DFA0A04FC94B}">
-              <ma14:wrappingTextBoxFlag xmlns:ma14="http://schemas.microsoft.com/office/mac/drawingml/2011/main" xmlns:a14="http://schemas.microsoft.com/office/drawing/2010/main" xmlns:m="http://schemas.openxmlformats.org/officeDocument/2006/math" xmlns="" val="1"/>
+              <ma14:wrappingTextBoxFlag xmlns="" xmlns:m="http://schemas.openxmlformats.org/officeDocument/2006/math" xmlns:a14="http://schemas.microsoft.com/office/drawing/2010/main" xmlns:ma14="http://schemas.microsoft.com/office/mac/drawingml/2011/main" val="1"/>
             </a:ext>
           </a:extLst>
         </p:spPr>
@@ -13734,7 +13743,7 @@
           </a:ln>
           <a:extLst>
             <a:ext uri="{C572A759-6A51-4108-AA02-DFA0A04FC94B}">
-              <ma14:wrappingTextBoxFlag xmlns:ma14="http://schemas.microsoft.com/office/mac/drawingml/2011/main" xmlns:a14="http://schemas.microsoft.com/office/drawing/2010/main" xmlns:m="http://schemas.openxmlformats.org/officeDocument/2006/math" xmlns="" val="1"/>
+              <ma14:wrappingTextBoxFlag xmlns="" xmlns:m="http://schemas.openxmlformats.org/officeDocument/2006/math" xmlns:a14="http://schemas.microsoft.com/office/drawing/2010/main" xmlns:ma14="http://schemas.microsoft.com/office/mac/drawingml/2011/main" val="1"/>
             </a:ext>
           </a:extLst>
         </p:spPr>
@@ -13779,7 +13788,7 @@
           </a:ln>
           <a:extLst>
             <a:ext uri="{C572A759-6A51-4108-AA02-DFA0A04FC94B}">
-              <ma14:wrappingTextBoxFlag xmlns:ma14="http://schemas.microsoft.com/office/mac/drawingml/2011/main" xmlns:a14="http://schemas.microsoft.com/office/drawing/2010/main" xmlns:m="http://schemas.openxmlformats.org/officeDocument/2006/math" xmlns="" val="1"/>
+              <ma14:wrappingTextBoxFlag xmlns="" xmlns:m="http://schemas.openxmlformats.org/officeDocument/2006/math" xmlns:a14="http://schemas.microsoft.com/office/drawing/2010/main" xmlns:ma14="http://schemas.microsoft.com/office/mac/drawingml/2011/main" val="1"/>
             </a:ext>
           </a:extLst>
         </p:spPr>
@@ -13824,7 +13833,7 @@
           </a:ln>
           <a:extLst>
             <a:ext uri="{C572A759-6A51-4108-AA02-DFA0A04FC94B}">
-              <ma14:wrappingTextBoxFlag xmlns:ma14="http://schemas.microsoft.com/office/mac/drawingml/2011/main" xmlns:a14="http://schemas.microsoft.com/office/drawing/2010/main" xmlns:m="http://schemas.openxmlformats.org/officeDocument/2006/math" xmlns="" val="1"/>
+              <ma14:wrappingTextBoxFlag xmlns="" xmlns:m="http://schemas.openxmlformats.org/officeDocument/2006/math" xmlns:a14="http://schemas.microsoft.com/office/drawing/2010/main" xmlns:ma14="http://schemas.microsoft.com/office/mac/drawingml/2011/main" val="1"/>
             </a:ext>
           </a:extLst>
         </p:spPr>
@@ -14082,7 +14091,7 @@
           </a:ln>
           <a:extLst>
             <a:ext uri="{C572A759-6A51-4108-AA02-DFA0A04FC94B}">
-              <ma14:wrappingTextBoxFlag xmlns:ma14="http://schemas.microsoft.com/office/mac/drawingml/2011/main" xmlns:a14="http://schemas.microsoft.com/office/drawing/2010/main" xmlns:m="http://schemas.openxmlformats.org/officeDocument/2006/math" xmlns="" val="1"/>
+              <ma14:wrappingTextBoxFlag xmlns="" xmlns:m="http://schemas.openxmlformats.org/officeDocument/2006/math" xmlns:a14="http://schemas.microsoft.com/office/drawing/2010/main" xmlns:ma14="http://schemas.microsoft.com/office/mac/drawingml/2011/main" val="1"/>
             </a:ext>
           </a:extLst>
         </p:spPr>
@@ -14314,7 +14323,7 @@
           </a:ln>
           <a:extLst>
             <a:ext uri="{C572A759-6A51-4108-AA02-DFA0A04FC94B}">
-              <ma14:wrappingTextBoxFlag xmlns:ma14="http://schemas.microsoft.com/office/mac/drawingml/2011/main" xmlns:a14="http://schemas.microsoft.com/office/drawing/2010/main" xmlns:m="http://schemas.openxmlformats.org/officeDocument/2006/math" xmlns="" val="1"/>
+              <ma14:wrappingTextBoxFlag xmlns="" xmlns:m="http://schemas.openxmlformats.org/officeDocument/2006/math" xmlns:a14="http://schemas.microsoft.com/office/drawing/2010/main" xmlns:ma14="http://schemas.microsoft.com/office/mac/drawingml/2011/main" val="1"/>
             </a:ext>
           </a:extLst>
         </p:spPr>
@@ -14359,7 +14368,7 @@
           </a:ln>
           <a:extLst>
             <a:ext uri="{C572A759-6A51-4108-AA02-DFA0A04FC94B}">
-              <ma14:wrappingTextBoxFlag xmlns:ma14="http://schemas.microsoft.com/office/mac/drawingml/2011/main" xmlns:a14="http://schemas.microsoft.com/office/drawing/2010/main" xmlns:m="http://schemas.openxmlformats.org/officeDocument/2006/math" xmlns="" val="1"/>
+              <ma14:wrappingTextBoxFlag xmlns="" xmlns:m="http://schemas.openxmlformats.org/officeDocument/2006/math" xmlns:a14="http://schemas.microsoft.com/office/drawing/2010/main" xmlns:ma14="http://schemas.microsoft.com/office/mac/drawingml/2011/main" val="1"/>
             </a:ext>
           </a:extLst>
         </p:spPr>
@@ -14830,7 +14839,7 @@
           </a:ln>
           <a:extLst>
             <a:ext uri="{C572A759-6A51-4108-AA02-DFA0A04FC94B}">
-              <ma14:wrappingTextBoxFlag xmlns:ma14="http://schemas.microsoft.com/office/mac/drawingml/2011/main" xmlns:a14="http://schemas.microsoft.com/office/drawing/2010/main" xmlns:m="http://schemas.openxmlformats.org/officeDocument/2006/math" xmlns="" val="1"/>
+              <ma14:wrappingTextBoxFlag xmlns="" xmlns:m="http://schemas.openxmlformats.org/officeDocument/2006/math" xmlns:a14="http://schemas.microsoft.com/office/drawing/2010/main" xmlns:ma14="http://schemas.microsoft.com/office/mac/drawingml/2011/main" val="1"/>
             </a:ext>
           </a:extLst>
         </p:spPr>
@@ -14875,7 +14884,7 @@
           </a:ln>
           <a:extLst>
             <a:ext uri="{C572A759-6A51-4108-AA02-DFA0A04FC94B}">
-              <ma14:wrappingTextBoxFlag xmlns:ma14="http://schemas.microsoft.com/office/mac/drawingml/2011/main" xmlns:a14="http://schemas.microsoft.com/office/drawing/2010/main" xmlns:m="http://schemas.openxmlformats.org/officeDocument/2006/math" xmlns="" val="1"/>
+              <ma14:wrappingTextBoxFlag xmlns="" xmlns:m="http://schemas.openxmlformats.org/officeDocument/2006/math" xmlns:a14="http://schemas.microsoft.com/office/drawing/2010/main" xmlns:ma14="http://schemas.microsoft.com/office/mac/drawingml/2011/main" val="1"/>
             </a:ext>
           </a:extLst>
         </p:spPr>
@@ -15084,7 +15093,7 @@
                 <a:sym typeface="Calibri"/>
               </a:defRPr>
             </a:pPr>
-            <a:endParaRPr/>
+            <a:endParaRPr dirty="0"/>
           </a:p>
         </p:txBody>
       </p:sp>
@@ -15283,8 +15292,8 @@
         </p:nvSpPr>
         <p:spPr>
           <a:xfrm>
-            <a:off x="2151195" y="12321404"/>
-            <a:ext cx="1409080" cy="572393"/>
+            <a:off x="2151195" y="12344111"/>
+            <a:ext cx="1662766" cy="524972"/>
           </a:xfrm>
           <a:prstGeom prst="rect">
             <a:avLst/>
@@ -15294,7 +15303,7 @@
           </a:ln>
           <a:extLst>
             <a:ext uri="{C572A759-6A51-4108-AA02-DFA0A04FC94B}">
-              <ma14:wrappingTextBoxFlag xmlns:ma14="http://schemas.microsoft.com/office/mac/drawingml/2011/main" xmlns:a14="http://schemas.microsoft.com/office/drawing/2010/main" xmlns:m="http://schemas.openxmlformats.org/officeDocument/2006/math" xmlns="" val="1"/>
+              <ma14:wrappingTextBoxFlag xmlns="" xmlns:m="http://schemas.openxmlformats.org/officeDocument/2006/math" xmlns:a14="http://schemas.microsoft.com/office/drawing/2010/main" xmlns:ma14="http://schemas.microsoft.com/office/mac/drawingml/2011/main" val="1"/>
             </a:ext>
           </a:extLst>
         </p:spPr>
@@ -15315,6 +15324,7 @@
           </a:lstStyle>
           <a:p>
             <a:r>
+              <a:rPr dirty="0"/>
               <a:t>TABLES</a:t>
             </a:r>
           </a:p>
@@ -15339,7 +15349,7 @@
           </a:ln>
           <a:extLst>
             <a:ext uri="{C572A759-6A51-4108-AA02-DFA0A04FC94B}">
-              <ma14:wrappingTextBoxFlag xmlns:ma14="http://schemas.microsoft.com/office/mac/drawingml/2011/main" xmlns:a14="http://schemas.microsoft.com/office/drawing/2010/main" xmlns:m="http://schemas.openxmlformats.org/officeDocument/2006/math" xmlns="" val="1"/>
+              <ma14:wrappingTextBoxFlag xmlns="" xmlns:m="http://schemas.openxmlformats.org/officeDocument/2006/math" xmlns:a14="http://schemas.microsoft.com/office/drawing/2010/main" xmlns:ma14="http://schemas.microsoft.com/office/mac/drawingml/2011/main" val="1"/>
             </a:ext>
           </a:extLst>
         </p:spPr>
@@ -15571,7 +15581,7 @@
           </a:ln>
           <a:extLst>
             <a:ext uri="{C572A759-6A51-4108-AA02-DFA0A04FC94B}">
-              <ma14:wrappingTextBoxFlag xmlns:ma14="http://schemas.microsoft.com/office/mac/drawingml/2011/main" xmlns:a14="http://schemas.microsoft.com/office/drawing/2010/main" xmlns:m="http://schemas.openxmlformats.org/officeDocument/2006/math" xmlns="" val="1"/>
+              <ma14:wrappingTextBoxFlag xmlns="" xmlns:m="http://schemas.openxmlformats.org/officeDocument/2006/math" xmlns:a14="http://schemas.microsoft.com/office/drawing/2010/main" xmlns:ma14="http://schemas.microsoft.com/office/mac/drawingml/2011/main" val="1"/>
             </a:ext>
           </a:extLst>
         </p:spPr>
@@ -16338,7 +16348,7 @@
           </a:ln>
           <a:extLst>
             <a:ext uri="{C572A759-6A51-4108-AA02-DFA0A04FC94B}">
-              <ma14:wrappingTextBoxFlag xmlns:ma14="http://schemas.microsoft.com/office/mac/drawingml/2011/main" xmlns:a14="http://schemas.microsoft.com/office/drawing/2010/main" xmlns:m="http://schemas.openxmlformats.org/officeDocument/2006/math" xmlns="" val="1"/>
+              <ma14:wrappingTextBoxFlag xmlns="" xmlns:m="http://schemas.openxmlformats.org/officeDocument/2006/math" xmlns:a14="http://schemas.microsoft.com/office/drawing/2010/main" xmlns:ma14="http://schemas.microsoft.com/office/mac/drawingml/2011/main" val="1"/>
             </a:ext>
           </a:extLst>
         </p:spPr>
@@ -16771,7 +16781,7 @@
           </a:prstGeom>
           <a:extLst>
             <a:ext uri="{C572A759-6A51-4108-AA02-DFA0A04FC94B}">
-              <ma14:wrappingTextBoxFlag xmlns:ma14="http://schemas.microsoft.com/office/mac/drawingml/2011/main" xmlns:a14="http://schemas.microsoft.com/office/drawing/2010/main" xmlns:m="http://schemas.openxmlformats.org/officeDocument/2006/math" xmlns="" val="1"/>
+              <ma14:wrappingTextBoxFlag xmlns="" xmlns:m="http://schemas.openxmlformats.org/officeDocument/2006/math" xmlns:a14="http://schemas.microsoft.com/office/drawing/2010/main" xmlns:ma14="http://schemas.microsoft.com/office/mac/drawingml/2011/main" val="1"/>
             </a:ext>
           </a:extLst>
         </p:spPr>
@@ -16814,7 +16824,7 @@
           </a:ln>
           <a:extLst>
             <a:ext uri="{C572A759-6A51-4108-AA02-DFA0A04FC94B}">
-              <ma14:wrappingTextBoxFlag xmlns:ma14="http://schemas.microsoft.com/office/mac/drawingml/2011/main" xmlns:a14="http://schemas.microsoft.com/office/drawing/2010/main" xmlns:m="http://schemas.openxmlformats.org/officeDocument/2006/math" xmlns="" val="1"/>
+              <ma14:wrappingTextBoxFlag xmlns="" xmlns:m="http://schemas.openxmlformats.org/officeDocument/2006/math" xmlns:a14="http://schemas.microsoft.com/office/drawing/2010/main" xmlns:ma14="http://schemas.microsoft.com/office/mac/drawingml/2011/main" val="1"/>
             </a:ext>
           </a:extLst>
         </p:spPr>
@@ -17089,7 +17099,7 @@
           </a:ln>
           <a:extLst>
             <a:ext uri="{C572A759-6A51-4108-AA02-DFA0A04FC94B}">
-              <ma14:wrappingTextBoxFlag xmlns:ma14="http://schemas.microsoft.com/office/mac/drawingml/2011/main" xmlns:a14="http://schemas.microsoft.com/office/drawing/2010/main" xmlns:m="http://schemas.openxmlformats.org/officeDocument/2006/math" xmlns="" val="1"/>
+              <ma14:wrappingTextBoxFlag xmlns="" xmlns:m="http://schemas.openxmlformats.org/officeDocument/2006/math" xmlns:a14="http://schemas.microsoft.com/office/drawing/2010/main" xmlns:ma14="http://schemas.microsoft.com/office/mac/drawingml/2011/main" val="1"/>
             </a:ext>
           </a:extLst>
         </p:spPr>
@@ -18356,7 +18366,7 @@
             </a:pathLst>
           </a:custGeom>
           <a:solidFill>
-            <a:srgbClr val="FFFFFF"/>
+            <a:srgbClr val="374556"/>
           </a:solidFill>
           <a:ln w="12700">
             <a:miter lim="400000"/>
@@ -18528,7 +18538,7 @@
             </a:pathLst>
           </a:custGeom>
           <a:solidFill>
-            <a:srgbClr val="FFFFFF"/>
+            <a:srgbClr val="374556"/>
           </a:solidFill>
           <a:ln w="25400">
             <a:solidFill>
@@ -19045,7 +19055,7 @@
             </a:pathLst>
           </a:custGeom>
           <a:solidFill>
-            <a:srgbClr val="FFFFFF"/>
+            <a:srgbClr val="374556"/>
           </a:solidFill>
           <a:ln w="25400">
             <a:solidFill>
@@ -19388,7 +19398,7 @@
             </a:pathLst>
           </a:custGeom>
           <a:solidFill>
-            <a:srgbClr val="FFFFFF"/>
+            <a:srgbClr val="374556"/>
           </a:solidFill>
           <a:ln w="25400">
             <a:solidFill>
@@ -19670,7 +19680,7 @@
             </a:pathLst>
           </a:custGeom>
           <a:solidFill>
-            <a:srgbClr val="FFFFFF"/>
+            <a:srgbClr val="374556"/>
           </a:solidFill>
           <a:ln w="38100">
             <a:solidFill>
@@ -19899,7 +19909,7 @@
             </a:pathLst>
           </a:custGeom>
           <a:solidFill>
-            <a:srgbClr val="FFFFFF"/>
+            <a:srgbClr val="374556"/>
           </a:solidFill>
           <a:ln w="25400">
             <a:solidFill>
@@ -20792,7 +20802,7 @@
             </a:pathLst>
           </a:custGeom>
           <a:solidFill>
-            <a:srgbClr val="FFFFFF"/>
+            <a:srgbClr val="374556"/>
           </a:solidFill>
           <a:ln w="25400">
             <a:solidFill>
@@ -20839,7 +20849,7 @@
           </a:ln>
           <a:extLst>
             <a:ext uri="{C572A759-6A51-4108-AA02-DFA0A04FC94B}">
-              <ma14:wrappingTextBoxFlag xmlns:ma14="http://schemas.microsoft.com/office/mac/drawingml/2011/main" xmlns:a14="http://schemas.microsoft.com/office/drawing/2010/main" xmlns:m="http://schemas.openxmlformats.org/officeDocument/2006/math" xmlns="" val="1"/>
+              <ma14:wrappingTextBoxFlag xmlns="" xmlns:m="http://schemas.openxmlformats.org/officeDocument/2006/math" xmlns:a14="http://schemas.microsoft.com/office/drawing/2010/main" xmlns:ma14="http://schemas.microsoft.com/office/mac/drawingml/2011/main" val="1"/>
             </a:ext>
           </a:extLst>
         </p:spPr>
@@ -20850,6 +20860,9 @@
           <a:lstStyle>
             <a:lvl1pPr algn="ctr">
               <a:defRPr sz="2800" spc="311">
+                <a:solidFill>
+                  <a:srgbClr val="374556"/>
+                </a:solidFill>
                 <a:latin typeface="Montserrat Bold"/>
                 <a:ea typeface="Montserrat Bold"/>
                 <a:cs typeface="Montserrat Bold"/>
@@ -20883,7 +20896,7 @@
           </a:ln>
           <a:extLst>
             <a:ext uri="{C572A759-6A51-4108-AA02-DFA0A04FC94B}">
-              <ma14:wrappingTextBoxFlag xmlns:ma14="http://schemas.microsoft.com/office/mac/drawingml/2011/main" xmlns:a14="http://schemas.microsoft.com/office/drawing/2010/main" xmlns:m="http://schemas.openxmlformats.org/officeDocument/2006/math" xmlns="" val="1"/>
+              <ma14:wrappingTextBoxFlag xmlns="" xmlns:m="http://schemas.openxmlformats.org/officeDocument/2006/math" xmlns:a14="http://schemas.microsoft.com/office/drawing/2010/main" xmlns:ma14="http://schemas.microsoft.com/office/mac/drawingml/2011/main" val="1"/>
             </a:ext>
           </a:extLst>
         </p:spPr>
@@ -20894,6 +20907,9 @@
           <a:lstStyle>
             <a:lvl1pPr algn="ctr">
               <a:defRPr sz="2800" spc="311">
+                <a:solidFill>
+                  <a:srgbClr val="374556"/>
+                </a:solidFill>
                 <a:latin typeface="Montserrat Bold"/>
                 <a:ea typeface="Montserrat Bold"/>
                 <a:cs typeface="Montserrat Bold"/>
@@ -20927,7 +20943,7 @@
           </a:ln>
           <a:extLst>
             <a:ext uri="{C572A759-6A51-4108-AA02-DFA0A04FC94B}">
-              <ma14:wrappingTextBoxFlag xmlns:ma14="http://schemas.microsoft.com/office/mac/drawingml/2011/main" xmlns:a14="http://schemas.microsoft.com/office/drawing/2010/main" xmlns:m="http://schemas.openxmlformats.org/officeDocument/2006/math" xmlns="" val="1"/>
+              <ma14:wrappingTextBoxFlag xmlns="" xmlns:m="http://schemas.openxmlformats.org/officeDocument/2006/math" xmlns:a14="http://schemas.microsoft.com/office/drawing/2010/main" xmlns:ma14="http://schemas.microsoft.com/office/mac/drawingml/2011/main" val="1"/>
             </a:ext>
           </a:extLst>
         </p:spPr>
@@ -20938,6 +20954,9 @@
           <a:lstStyle>
             <a:lvl1pPr algn="ctr">
               <a:defRPr sz="2800" spc="311">
+                <a:solidFill>
+                  <a:srgbClr val="374556"/>
+                </a:solidFill>
                 <a:latin typeface="Montserrat Bold"/>
                 <a:ea typeface="Montserrat Bold"/>
                 <a:cs typeface="Montserrat Bold"/>
@@ -20971,7 +20990,7 @@
           </a:ln>
           <a:extLst>
             <a:ext uri="{C572A759-6A51-4108-AA02-DFA0A04FC94B}">
-              <ma14:wrappingTextBoxFlag xmlns:ma14="http://schemas.microsoft.com/office/mac/drawingml/2011/main" xmlns:a14="http://schemas.microsoft.com/office/drawing/2010/main" xmlns:m="http://schemas.openxmlformats.org/officeDocument/2006/math" xmlns="" val="1"/>
+              <ma14:wrappingTextBoxFlag xmlns="" xmlns:m="http://schemas.openxmlformats.org/officeDocument/2006/math" xmlns:a14="http://schemas.microsoft.com/office/drawing/2010/main" xmlns:ma14="http://schemas.microsoft.com/office/mac/drawingml/2011/main" val="1"/>
             </a:ext>
           </a:extLst>
         </p:spPr>
@@ -20982,6 +21001,9 @@
           <a:lstStyle>
             <a:lvl1pPr algn="ctr">
               <a:defRPr sz="2600" spc="288">
+                <a:solidFill>
+                  <a:srgbClr val="374556"/>
+                </a:solidFill>
                 <a:latin typeface="Montserrat Bold"/>
                 <a:ea typeface="Montserrat Bold"/>
                 <a:cs typeface="Montserrat Bold"/>
@@ -21261,7 +21283,7 @@
             </a:pathLst>
           </a:custGeom>
           <a:solidFill>
-            <a:srgbClr val="FFFFFF"/>
+            <a:srgbClr val="374556"/>
           </a:solidFill>
           <a:ln w="38100">
             <a:solidFill>
@@ -21545,7 +21567,7 @@
             </a:pathLst>
           </a:custGeom>
           <a:solidFill>
-            <a:srgbClr val="FFFFFF"/>
+            <a:srgbClr val="374556"/>
           </a:solidFill>
           <a:ln w="38100">
             <a:solidFill>
@@ -21648,7 +21670,7 @@
               </a:pathLst>
             </a:custGeom>
             <a:solidFill>
-              <a:srgbClr val="FFFFFF"/>
+              <a:srgbClr val="374556"/>
             </a:solidFill>
             <a:ln w="12700" cap="flat">
               <a:noFill/>
@@ -21882,7 +21904,7 @@
               </a:pathLst>
             </a:custGeom>
             <a:solidFill>
-              <a:srgbClr val="FFFFFF"/>
+              <a:srgbClr val="374556"/>
             </a:solidFill>
             <a:ln w="38100" cap="flat">
               <a:solidFill>
@@ -21925,7 +21947,7 @@
         </p:nvSpPr>
         <p:spPr>
           <a:xfrm>
-            <a:off x="3017902" y="3786213"/>
+            <a:off x="3017902" y="3608413"/>
             <a:ext cx="1566267" cy="1682946"/>
           </a:xfrm>
           <a:custGeom>
@@ -22406,7 +22428,7 @@
             </a:pathLst>
           </a:custGeom>
           <a:solidFill>
-            <a:srgbClr val="FFFFFF"/>
+            <a:srgbClr val="374556"/>
           </a:solidFill>
           <a:ln w="25400">
             <a:solidFill>
@@ -22480,7 +22502,7 @@
           </a:prstGeom>
           <a:extLst>
             <a:ext uri="{C572A759-6A51-4108-AA02-DFA0A04FC94B}">
-              <ma14:wrappingTextBoxFlag xmlns:ma14="http://schemas.microsoft.com/office/mac/drawingml/2011/main" xmlns:a14="http://schemas.microsoft.com/office/drawing/2010/main" xmlns:m="http://schemas.openxmlformats.org/officeDocument/2006/math" xmlns="" val="1"/>
+              <ma14:wrappingTextBoxFlag xmlns="" xmlns:m="http://schemas.openxmlformats.org/officeDocument/2006/math" xmlns:a14="http://schemas.microsoft.com/office/drawing/2010/main" xmlns:ma14="http://schemas.microsoft.com/office/mac/drawingml/2011/main" val="1"/>
             </a:ext>
           </a:extLst>
         </p:spPr>
@@ -22523,7 +22545,7 @@
           </a:ln>
           <a:extLst>
             <a:ext uri="{C572A759-6A51-4108-AA02-DFA0A04FC94B}">
-              <ma14:wrappingTextBoxFlag xmlns:ma14="http://schemas.microsoft.com/office/mac/drawingml/2011/main" xmlns:a14="http://schemas.microsoft.com/office/drawing/2010/main" xmlns:m="http://schemas.openxmlformats.org/officeDocument/2006/math" xmlns="" val="1"/>
+              <ma14:wrappingTextBoxFlag xmlns="" xmlns:m="http://schemas.openxmlformats.org/officeDocument/2006/math" xmlns:a14="http://schemas.microsoft.com/office/drawing/2010/main" xmlns:ma14="http://schemas.microsoft.com/office/mac/drawingml/2011/main" val="1"/>
             </a:ext>
           </a:extLst>
         </p:spPr>
@@ -23008,7 +23030,7 @@
           </a:ln>
           <a:extLst>
             <a:ext uri="{C572A759-6A51-4108-AA02-DFA0A04FC94B}">
-              <ma14:wrappingTextBoxFlag xmlns:ma14="http://schemas.microsoft.com/office/mac/drawingml/2011/main" xmlns:a14="http://schemas.microsoft.com/office/drawing/2010/main" xmlns:m="http://schemas.openxmlformats.org/officeDocument/2006/math" xmlns="" val="1"/>
+              <ma14:wrappingTextBoxFlag xmlns="" xmlns:m="http://schemas.openxmlformats.org/officeDocument/2006/math" xmlns:a14="http://schemas.microsoft.com/office/drawing/2010/main" xmlns:ma14="http://schemas.microsoft.com/office/mac/drawingml/2011/main" val="1"/>
             </a:ext>
           </a:extLst>
         </p:spPr>
@@ -23153,7 +23175,7 @@
           </a:ln>
           <a:extLst>
             <a:ext uri="{C572A759-6A51-4108-AA02-DFA0A04FC94B}">
-              <ma14:wrappingTextBoxFlag xmlns:ma14="http://schemas.microsoft.com/office/mac/drawingml/2011/main" xmlns:a14="http://schemas.microsoft.com/office/drawing/2010/main" xmlns:m="http://schemas.openxmlformats.org/officeDocument/2006/math" xmlns="" val="1"/>
+              <ma14:wrappingTextBoxFlag xmlns="" xmlns:m="http://schemas.openxmlformats.org/officeDocument/2006/math" xmlns:a14="http://schemas.microsoft.com/office/drawing/2010/main" xmlns:ma14="http://schemas.microsoft.com/office/mac/drawingml/2011/main" val="1"/>
             </a:ext>
           </a:extLst>
         </p:spPr>
@@ -23200,7 +23222,7 @@
           </a:ln>
           <a:extLst>
             <a:ext uri="{C572A759-6A51-4108-AA02-DFA0A04FC94B}">
-              <ma14:wrappingTextBoxFlag xmlns:ma14="http://schemas.microsoft.com/office/mac/drawingml/2011/main" xmlns:a14="http://schemas.microsoft.com/office/drawing/2010/main" xmlns:m="http://schemas.openxmlformats.org/officeDocument/2006/math" xmlns="" val="1"/>
+              <ma14:wrappingTextBoxFlag xmlns="" xmlns:m="http://schemas.openxmlformats.org/officeDocument/2006/math" xmlns:a14="http://schemas.microsoft.com/office/drawing/2010/main" xmlns:ma14="http://schemas.microsoft.com/office/mac/drawingml/2011/main" val="1"/>
             </a:ext>
           </a:extLst>
         </p:spPr>
@@ -23282,8 +23304,8 @@
         </p:nvSpPr>
         <p:spPr>
           <a:xfrm>
-            <a:off x="17788473" y="5807832"/>
-            <a:ext cx="5018150" cy="7276430"/>
+            <a:off x="17536463" y="5807832"/>
+            <a:ext cx="5018149" cy="7276430"/>
           </a:xfrm>
           <a:prstGeom prst="roundRect">
             <a:avLst>
@@ -23340,7 +23362,7 @@
           </a:prstGeom>
           <a:extLst>
             <a:ext uri="{C572A759-6A51-4108-AA02-DFA0A04FC94B}">
-              <ma14:wrappingTextBoxFlag xmlns:ma14="http://schemas.microsoft.com/office/mac/drawingml/2011/main" xmlns:a14="http://schemas.microsoft.com/office/drawing/2010/main" xmlns:m="http://schemas.openxmlformats.org/officeDocument/2006/math" xmlns="" val="1"/>
+              <ma14:wrappingTextBoxFlag xmlns="" xmlns:m="http://schemas.openxmlformats.org/officeDocument/2006/math" xmlns:a14="http://schemas.microsoft.com/office/drawing/2010/main" xmlns:ma14="http://schemas.microsoft.com/office/mac/drawingml/2011/main" val="1"/>
             </a:ext>
           </a:extLst>
         </p:spPr>
@@ -23383,7 +23405,7 @@
           </a:ln>
           <a:extLst>
             <a:ext uri="{C572A759-6A51-4108-AA02-DFA0A04FC94B}">
-              <ma14:wrappingTextBoxFlag xmlns:ma14="http://schemas.microsoft.com/office/mac/drawingml/2011/main" xmlns:a14="http://schemas.microsoft.com/office/drawing/2010/main" xmlns:m="http://schemas.openxmlformats.org/officeDocument/2006/math" xmlns="" val="1"/>
+              <ma14:wrappingTextBoxFlag xmlns="" xmlns:m="http://schemas.openxmlformats.org/officeDocument/2006/math" xmlns:a14="http://schemas.microsoft.com/office/drawing/2010/main" xmlns:ma14="http://schemas.microsoft.com/office/mac/drawingml/2011/main" val="1"/>
             </a:ext>
           </a:extLst>
         </p:spPr>
@@ -23416,7 +23438,7 @@
         </p:nvSpPr>
         <p:spPr>
           <a:xfrm>
-            <a:off x="2068698" y="5807832"/>
+            <a:off x="1816688" y="5807832"/>
             <a:ext cx="5018149" cy="7276430"/>
           </a:xfrm>
           <a:prstGeom prst="roundRect">
@@ -23462,7 +23484,7 @@
         </p:nvSpPr>
         <p:spPr>
           <a:xfrm>
-            <a:off x="2380138" y="7395860"/>
+            <a:off x="2128128" y="7395860"/>
             <a:ext cx="4446069" cy="4521054"/>
           </a:xfrm>
           <a:prstGeom prst="roundRect">
@@ -23493,8 +23515,8 @@
         </p:nvSpPr>
         <p:spPr>
           <a:xfrm>
-            <a:off x="2774626" y="12143444"/>
-            <a:ext cx="3774455" cy="601044"/>
+            <a:off x="2522616" y="12143444"/>
+            <a:ext cx="3847901" cy="601044"/>
           </a:xfrm>
           <a:prstGeom prst="rect">
             <a:avLst/>
@@ -23504,212 +23526,7 @@
           </a:ln>
           <a:extLst>
             <a:ext uri="{C572A759-6A51-4108-AA02-DFA0A04FC94B}">
-              <ma14:wrappingTextBoxFlag xmlns:ma14="http://schemas.microsoft.com/office/mac/drawingml/2011/main" xmlns:a14="http://schemas.microsoft.com/office/drawing/2010/main" xmlns:m="http://schemas.openxmlformats.org/officeDocument/2006/math" xmlns="" val="1"/>
-            </a:ext>
-          </a:extLst>
-        </p:spPr>
-        <p:txBody>
-          <a:bodyPr wrap="square" lIns="45719" rIns="45719">
-            <a:spAutoFit/>
-          </a:bodyPr>
-          <a:lstStyle>
-            <a:lvl1pPr>
-              <a:lnSpc>
-                <a:spcPts val="4200"/>
-              </a:lnSpc>
-              <a:defRPr sz="2600" spc="278">
-                <a:solidFill>
-                  <a:srgbClr val="374556"/>
-                </a:solidFill>
-                <a:latin typeface="Montserrat Bold"/>
-                <a:ea typeface="Montserrat Bold"/>
-                <a:cs typeface="Montserrat Bold"/>
-                <a:sym typeface="Montserrat Bold"/>
-              </a:defRPr>
-            </a:lvl1pPr>
-          </a:lstStyle>
-          <a:p>
-            <a:pPr>
-              <a:defRPr>
-                <a:latin typeface="Montserrat Thin Regular"/>
-                <a:ea typeface="Montserrat Thin Regular"/>
-                <a:cs typeface="Montserrat Thin Regular"/>
-                <a:sym typeface="Montserrat Thin Regular"/>
-              </a:defRPr>
-            </a:pPr>
-            <a:r>
-              <a:rPr dirty="0">
-                <a:latin typeface="Montserrat Bold"/>
-                <a:ea typeface="Montserrat Bold"/>
-                <a:cs typeface="Montserrat Bold"/>
-                <a:sym typeface="Montserrat Bold"/>
-              </a:rPr>
-              <a:t>YOUR COMPUTER</a:t>
-            </a:r>
-          </a:p>
-        </p:txBody>
-      </p:sp>
-      <p:sp>
-        <p:nvSpPr>
-          <p:cNvPr id="762" name="TextBox 90"/>
-          <p:cNvSpPr txBox="1"/>
-          <p:nvPr/>
-        </p:nvSpPr>
-        <p:spPr>
-          <a:xfrm>
-            <a:off x="3494965" y="10139633"/>
-            <a:ext cx="2318015" cy="601043"/>
-          </a:xfrm>
-          <a:prstGeom prst="rect">
-            <a:avLst/>
-          </a:prstGeom>
-          <a:ln w="12700">
-            <a:miter lim="400000"/>
-          </a:ln>
-          <a:extLst>
-            <a:ext uri="{C572A759-6A51-4108-AA02-DFA0A04FC94B}">
-              <ma14:wrappingTextBoxFlag xmlns:ma14="http://schemas.microsoft.com/office/mac/drawingml/2011/main" xmlns:a14="http://schemas.microsoft.com/office/drawing/2010/main" xmlns:m="http://schemas.openxmlformats.org/officeDocument/2006/math" xmlns="" val="1"/>
-            </a:ext>
-          </a:extLst>
-        </p:spPr>
-        <p:txBody>
-          <a:bodyPr lIns="45719" rIns="45719">
-            <a:spAutoFit/>
-          </a:bodyPr>
-          <a:lstStyle>
-            <a:lvl1pPr>
-              <a:lnSpc>
-                <a:spcPts val="4200"/>
-              </a:lnSpc>
-              <a:defRPr sz="2600" spc="278">
-                <a:latin typeface="Montserrat Bold"/>
-                <a:ea typeface="Montserrat Bold"/>
-                <a:cs typeface="Montserrat Bold"/>
-                <a:sym typeface="Montserrat Bold"/>
-              </a:defRPr>
-            </a:lvl1pPr>
-          </a:lstStyle>
-          <a:p>
-            <a:r>
-              <a:t>VERSION 1</a:t>
-            </a:r>
-          </a:p>
-        </p:txBody>
-      </p:sp>
-      <p:sp>
-        <p:nvSpPr>
-          <p:cNvPr id="763" name="TextBox 90"/>
-          <p:cNvSpPr txBox="1"/>
-          <p:nvPr/>
-        </p:nvSpPr>
-        <p:spPr>
-          <a:xfrm>
-            <a:off x="3482265" y="8928489"/>
-            <a:ext cx="2432623" cy="601043"/>
-          </a:xfrm>
-          <a:prstGeom prst="rect">
-            <a:avLst/>
-          </a:prstGeom>
-          <a:ln w="12700">
-            <a:miter lim="400000"/>
-          </a:ln>
-          <a:extLst>
-            <a:ext uri="{C572A759-6A51-4108-AA02-DFA0A04FC94B}">
-              <ma14:wrappingTextBoxFlag xmlns:ma14="http://schemas.microsoft.com/office/mac/drawingml/2011/main" xmlns:a14="http://schemas.microsoft.com/office/drawing/2010/main" xmlns:m="http://schemas.openxmlformats.org/officeDocument/2006/math" xmlns="" val="1"/>
-            </a:ext>
-          </a:extLst>
-        </p:spPr>
-        <p:txBody>
-          <a:bodyPr lIns="45719" rIns="45719">
-            <a:spAutoFit/>
-          </a:bodyPr>
-          <a:lstStyle>
-            <a:lvl1pPr>
-              <a:lnSpc>
-                <a:spcPts val="4200"/>
-              </a:lnSpc>
-              <a:defRPr sz="2600" spc="278">
-                <a:latin typeface="Montserrat Bold"/>
-                <a:ea typeface="Montserrat Bold"/>
-                <a:cs typeface="Montserrat Bold"/>
-                <a:sym typeface="Montserrat Bold"/>
-              </a:defRPr>
-            </a:lvl1pPr>
-          </a:lstStyle>
-          <a:p>
-            <a:r>
-              <a:t>VERSION 2</a:t>
-            </a:r>
-          </a:p>
-        </p:txBody>
-      </p:sp>
-      <p:sp>
-        <p:nvSpPr>
-          <p:cNvPr id="764" name="TextBox 90"/>
-          <p:cNvSpPr txBox="1"/>
-          <p:nvPr/>
-        </p:nvSpPr>
-        <p:spPr>
-          <a:xfrm>
-            <a:off x="3494965" y="7719304"/>
-            <a:ext cx="2407223" cy="601044"/>
-          </a:xfrm>
-          <a:prstGeom prst="rect">
-            <a:avLst/>
-          </a:prstGeom>
-          <a:ln w="12700">
-            <a:miter lim="400000"/>
-          </a:ln>
-          <a:extLst>
-            <a:ext uri="{C572A759-6A51-4108-AA02-DFA0A04FC94B}">
-              <ma14:wrappingTextBoxFlag xmlns:ma14="http://schemas.microsoft.com/office/mac/drawingml/2011/main" xmlns:a14="http://schemas.microsoft.com/office/drawing/2010/main" xmlns:m="http://schemas.openxmlformats.org/officeDocument/2006/math" xmlns="" val="1"/>
-            </a:ext>
-          </a:extLst>
-        </p:spPr>
-        <p:txBody>
-          <a:bodyPr lIns="45719" rIns="45719">
-            <a:spAutoFit/>
-          </a:bodyPr>
-          <a:lstStyle>
-            <a:lvl1pPr>
-              <a:lnSpc>
-                <a:spcPts val="4200"/>
-              </a:lnSpc>
-              <a:defRPr sz="2600" spc="278">
-                <a:latin typeface="Montserrat Bold"/>
-                <a:ea typeface="Montserrat Bold"/>
-                <a:cs typeface="Montserrat Bold"/>
-                <a:sym typeface="Montserrat Bold"/>
-              </a:defRPr>
-            </a:lvl1pPr>
-          </a:lstStyle>
-          <a:p>
-            <a:r>
-              <a:t>VERSION 3</a:t>
-            </a:r>
-          </a:p>
-        </p:txBody>
-      </p:sp>
-      <p:sp>
-        <p:nvSpPr>
-          <p:cNvPr id="765" name="TextBox 90"/>
-          <p:cNvSpPr txBox="1"/>
-          <p:nvPr/>
-        </p:nvSpPr>
-        <p:spPr>
-          <a:xfrm>
-            <a:off x="4092561" y="6051451"/>
-            <a:ext cx="1122823" cy="601044"/>
-          </a:xfrm>
-          <a:prstGeom prst="rect">
-            <a:avLst/>
-          </a:prstGeom>
-          <a:ln w="12700">
-            <a:miter lim="400000"/>
-          </a:ln>
-          <a:extLst>
-            <a:ext uri="{C572A759-6A51-4108-AA02-DFA0A04FC94B}">
-              <ma14:wrappingTextBoxFlag xmlns:ma14="http://schemas.microsoft.com/office/mac/drawingml/2011/main" xmlns:a14="http://schemas.microsoft.com/office/drawing/2010/main" xmlns:m="http://schemas.openxmlformats.org/officeDocument/2006/math" xmlns="" val="1"/>
+              <ma14:wrappingTextBoxFlag xmlns="" xmlns:m="http://schemas.openxmlformats.org/officeDocument/2006/math" xmlns:a14="http://schemas.microsoft.com/office/drawing/2010/main" xmlns:ma14="http://schemas.microsoft.com/office/mac/drawingml/2011/main" val="1"/>
             </a:ext>
           </a:extLst>
         </p:spPr>
@@ -23749,6 +23566,211 @@
                 <a:cs typeface="Montserrat Bold"/>
                 <a:sym typeface="Montserrat Bold"/>
               </a:rPr>
+              <a:t>YOUR COMPUTER</a:t>
+            </a:r>
+          </a:p>
+        </p:txBody>
+      </p:sp>
+      <p:sp>
+        <p:nvSpPr>
+          <p:cNvPr id="762" name="TextBox 90"/>
+          <p:cNvSpPr txBox="1"/>
+          <p:nvPr/>
+        </p:nvSpPr>
+        <p:spPr>
+          <a:xfrm>
+            <a:off x="3242955" y="10139633"/>
+            <a:ext cx="2318014" cy="601043"/>
+          </a:xfrm>
+          <a:prstGeom prst="rect">
+            <a:avLst/>
+          </a:prstGeom>
+          <a:ln w="12700">
+            <a:miter lim="400000"/>
+          </a:ln>
+          <a:extLst>
+            <a:ext uri="{C572A759-6A51-4108-AA02-DFA0A04FC94B}">
+              <ma14:wrappingTextBoxFlag xmlns="" xmlns:m="http://schemas.openxmlformats.org/officeDocument/2006/math" xmlns:a14="http://schemas.microsoft.com/office/drawing/2010/main" xmlns:ma14="http://schemas.microsoft.com/office/mac/drawingml/2011/main" val="1"/>
+            </a:ext>
+          </a:extLst>
+        </p:spPr>
+        <p:txBody>
+          <a:bodyPr lIns="45719" rIns="45719">
+            <a:spAutoFit/>
+          </a:bodyPr>
+          <a:lstStyle>
+            <a:lvl1pPr>
+              <a:lnSpc>
+                <a:spcPts val="4200"/>
+              </a:lnSpc>
+              <a:defRPr sz="2600" spc="278">
+                <a:latin typeface="Montserrat Bold"/>
+                <a:ea typeface="Montserrat Bold"/>
+                <a:cs typeface="Montserrat Bold"/>
+                <a:sym typeface="Montserrat Bold"/>
+              </a:defRPr>
+            </a:lvl1pPr>
+          </a:lstStyle>
+          <a:p>
+            <a:r>
+              <a:t>VERSION 1</a:t>
+            </a:r>
+          </a:p>
+        </p:txBody>
+      </p:sp>
+      <p:sp>
+        <p:nvSpPr>
+          <p:cNvPr id="763" name="TextBox 90"/>
+          <p:cNvSpPr txBox="1"/>
+          <p:nvPr/>
+        </p:nvSpPr>
+        <p:spPr>
+          <a:xfrm>
+            <a:off x="3230255" y="8928489"/>
+            <a:ext cx="2432623" cy="601043"/>
+          </a:xfrm>
+          <a:prstGeom prst="rect">
+            <a:avLst/>
+          </a:prstGeom>
+          <a:ln w="12700">
+            <a:miter lim="400000"/>
+          </a:ln>
+          <a:extLst>
+            <a:ext uri="{C572A759-6A51-4108-AA02-DFA0A04FC94B}">
+              <ma14:wrappingTextBoxFlag xmlns="" xmlns:m="http://schemas.openxmlformats.org/officeDocument/2006/math" xmlns:a14="http://schemas.microsoft.com/office/drawing/2010/main" xmlns:ma14="http://schemas.microsoft.com/office/mac/drawingml/2011/main" val="1"/>
+            </a:ext>
+          </a:extLst>
+        </p:spPr>
+        <p:txBody>
+          <a:bodyPr lIns="45719" rIns="45719">
+            <a:spAutoFit/>
+          </a:bodyPr>
+          <a:lstStyle>
+            <a:lvl1pPr>
+              <a:lnSpc>
+                <a:spcPts val="4200"/>
+              </a:lnSpc>
+              <a:defRPr sz="2600" spc="278">
+                <a:latin typeface="Montserrat Bold"/>
+                <a:ea typeface="Montserrat Bold"/>
+                <a:cs typeface="Montserrat Bold"/>
+                <a:sym typeface="Montserrat Bold"/>
+              </a:defRPr>
+            </a:lvl1pPr>
+          </a:lstStyle>
+          <a:p>
+            <a:r>
+              <a:t>VERSION 2</a:t>
+            </a:r>
+          </a:p>
+        </p:txBody>
+      </p:sp>
+      <p:sp>
+        <p:nvSpPr>
+          <p:cNvPr id="764" name="TextBox 90"/>
+          <p:cNvSpPr txBox="1"/>
+          <p:nvPr/>
+        </p:nvSpPr>
+        <p:spPr>
+          <a:xfrm>
+            <a:off x="3242955" y="7719304"/>
+            <a:ext cx="2407223" cy="601044"/>
+          </a:xfrm>
+          <a:prstGeom prst="rect">
+            <a:avLst/>
+          </a:prstGeom>
+          <a:ln w="12700">
+            <a:miter lim="400000"/>
+          </a:ln>
+          <a:extLst>
+            <a:ext uri="{C572A759-6A51-4108-AA02-DFA0A04FC94B}">
+              <ma14:wrappingTextBoxFlag xmlns="" xmlns:m="http://schemas.openxmlformats.org/officeDocument/2006/math" xmlns:a14="http://schemas.microsoft.com/office/drawing/2010/main" xmlns:ma14="http://schemas.microsoft.com/office/mac/drawingml/2011/main" val="1"/>
+            </a:ext>
+          </a:extLst>
+        </p:spPr>
+        <p:txBody>
+          <a:bodyPr lIns="45719" rIns="45719">
+            <a:spAutoFit/>
+          </a:bodyPr>
+          <a:lstStyle>
+            <a:lvl1pPr>
+              <a:lnSpc>
+                <a:spcPts val="4200"/>
+              </a:lnSpc>
+              <a:defRPr sz="2600" spc="278">
+                <a:latin typeface="Montserrat Bold"/>
+                <a:ea typeface="Montserrat Bold"/>
+                <a:cs typeface="Montserrat Bold"/>
+                <a:sym typeface="Montserrat Bold"/>
+              </a:defRPr>
+            </a:lvl1pPr>
+          </a:lstStyle>
+          <a:p>
+            <a:r>
+              <a:t>VERSION 3</a:t>
+            </a:r>
+          </a:p>
+        </p:txBody>
+      </p:sp>
+      <p:sp>
+        <p:nvSpPr>
+          <p:cNvPr id="765" name="TextBox 90"/>
+          <p:cNvSpPr txBox="1"/>
+          <p:nvPr/>
+        </p:nvSpPr>
+        <p:spPr>
+          <a:xfrm>
+            <a:off x="3840550" y="6051451"/>
+            <a:ext cx="1122824" cy="601044"/>
+          </a:xfrm>
+          <a:prstGeom prst="rect">
+            <a:avLst/>
+          </a:prstGeom>
+          <a:ln w="12700">
+            <a:miter lim="400000"/>
+          </a:ln>
+          <a:extLst>
+            <a:ext uri="{C572A759-6A51-4108-AA02-DFA0A04FC94B}">
+              <ma14:wrappingTextBoxFlag xmlns="" xmlns:m="http://schemas.openxmlformats.org/officeDocument/2006/math" xmlns:a14="http://schemas.microsoft.com/office/drawing/2010/main" xmlns:ma14="http://schemas.microsoft.com/office/mac/drawingml/2011/main" val="1"/>
+            </a:ext>
+          </a:extLst>
+        </p:spPr>
+        <p:txBody>
+          <a:bodyPr lIns="45719" rIns="45719">
+            <a:spAutoFit/>
+          </a:bodyPr>
+          <a:lstStyle>
+            <a:lvl1pPr>
+              <a:lnSpc>
+                <a:spcPts val="4200"/>
+              </a:lnSpc>
+              <a:defRPr sz="2600" spc="278">
+                <a:solidFill>
+                  <a:srgbClr val="374556"/>
+                </a:solidFill>
+                <a:latin typeface="Montserrat Bold"/>
+                <a:ea typeface="Montserrat Bold"/>
+                <a:cs typeface="Montserrat Bold"/>
+                <a:sym typeface="Montserrat Bold"/>
+              </a:defRPr>
+            </a:lvl1pPr>
+          </a:lstStyle>
+          <a:p>
+            <a:pPr>
+              <a:defRPr>
+                <a:latin typeface="Montserrat Thin Regular"/>
+                <a:ea typeface="Montserrat Thin Regular"/>
+                <a:cs typeface="Montserrat Thin Regular"/>
+                <a:sym typeface="Montserrat Thin Regular"/>
+              </a:defRPr>
+            </a:pPr>
+            <a:r>
+              <a:rPr>
+                <a:latin typeface="Montserrat Bold"/>
+                <a:ea typeface="Montserrat Bold"/>
+                <a:cs typeface="Montserrat Bold"/>
+                <a:sym typeface="Montserrat Bold"/>
+              </a:rPr>
               <a:t>FILE</a:t>
             </a:r>
           </a:p>
@@ -23762,8 +23784,8 @@
         </p:nvSpPr>
         <p:spPr>
           <a:xfrm>
-            <a:off x="2674576" y="11074876"/>
-            <a:ext cx="4048001" cy="594668"/>
+            <a:off x="2422566" y="11074876"/>
+            <a:ext cx="4147931" cy="594668"/>
           </a:xfrm>
           <a:prstGeom prst="rect">
             <a:avLst/>
@@ -23773,7 +23795,7 @@
           </a:ln>
           <a:extLst>
             <a:ext uri="{C572A759-6A51-4108-AA02-DFA0A04FC94B}">
-              <ma14:wrappingTextBoxFlag xmlns:ma14="http://schemas.microsoft.com/office/mac/drawingml/2011/main" xmlns:a14="http://schemas.microsoft.com/office/drawing/2010/main" xmlns:m="http://schemas.openxmlformats.org/officeDocument/2006/math" xmlns="" val="1"/>
+              <ma14:wrappingTextBoxFlag xmlns="" xmlns:m="http://schemas.openxmlformats.org/officeDocument/2006/math" xmlns:a14="http://schemas.microsoft.com/office/drawing/2010/main" xmlns:ma14="http://schemas.microsoft.com/office/mac/drawingml/2011/main" val="1"/>
             </a:ext>
           </a:extLst>
         </p:spPr>
@@ -23809,8 +23831,8 @@
         </p:nvSpPr>
         <p:spPr>
           <a:xfrm>
-            <a:off x="9941286" y="3381055"/>
-            <a:ext cx="5018149" cy="6299528"/>
+            <a:off x="9689275" y="3381055"/>
+            <a:ext cx="5018150" cy="6299528"/>
           </a:xfrm>
           <a:prstGeom prst="roundRect">
             <a:avLst>
@@ -23855,7 +23877,7 @@
         </p:nvSpPr>
         <p:spPr>
           <a:xfrm>
-            <a:off x="10227326" y="4158313"/>
+            <a:off x="9975315" y="4158313"/>
             <a:ext cx="4446069" cy="4521054"/>
           </a:xfrm>
           <a:prstGeom prst="roundRect">
@@ -23886,7 +23908,7 @@
         </p:nvSpPr>
         <p:spPr>
           <a:xfrm>
-            <a:off x="11607596" y="8814567"/>
+            <a:off x="11355586" y="8814567"/>
             <a:ext cx="1685527" cy="601043"/>
           </a:xfrm>
           <a:prstGeom prst="rect">
@@ -23897,7 +23919,7 @@
           </a:ln>
           <a:extLst>
             <a:ext uri="{C572A759-6A51-4108-AA02-DFA0A04FC94B}">
-              <ma14:wrappingTextBoxFlag xmlns:ma14="http://schemas.microsoft.com/office/mac/drawingml/2011/main" xmlns:a14="http://schemas.microsoft.com/office/drawing/2010/main" xmlns:m="http://schemas.openxmlformats.org/officeDocument/2006/math" xmlns="" val="1"/>
+              <ma14:wrappingTextBoxFlag xmlns="" xmlns:m="http://schemas.openxmlformats.org/officeDocument/2006/math" xmlns:a14="http://schemas.microsoft.com/office/drawing/2010/main" xmlns:ma14="http://schemas.microsoft.com/office/mac/drawingml/2011/main" val="1"/>
             </a:ext>
           </a:extLst>
         </p:spPr>
@@ -23950,8 +23972,8 @@
         </p:nvSpPr>
         <p:spPr>
           <a:xfrm>
-            <a:off x="11342153" y="6902087"/>
-            <a:ext cx="2477055" cy="601043"/>
+            <a:off x="11090143" y="6902087"/>
+            <a:ext cx="2477054" cy="601043"/>
           </a:xfrm>
           <a:prstGeom prst="rect">
             <a:avLst/>
@@ -23961,7 +23983,7 @@
           </a:ln>
           <a:extLst>
             <a:ext uri="{C572A759-6A51-4108-AA02-DFA0A04FC94B}">
-              <ma14:wrappingTextBoxFlag xmlns:ma14="http://schemas.microsoft.com/office/mac/drawingml/2011/main" xmlns:a14="http://schemas.microsoft.com/office/drawing/2010/main" xmlns:m="http://schemas.openxmlformats.org/officeDocument/2006/math" xmlns="" val="1"/>
+              <ma14:wrappingTextBoxFlag xmlns="" xmlns:m="http://schemas.openxmlformats.org/officeDocument/2006/math" xmlns:a14="http://schemas.microsoft.com/office/drawing/2010/main" xmlns:ma14="http://schemas.microsoft.com/office/mac/drawingml/2011/main" val="1"/>
             </a:ext>
           </a:extLst>
         </p:spPr>
@@ -23997,8 +24019,8 @@
         </p:nvSpPr>
         <p:spPr>
           <a:xfrm>
-            <a:off x="11329453" y="5690942"/>
-            <a:ext cx="2502455" cy="601043"/>
+            <a:off x="11077443" y="5690942"/>
+            <a:ext cx="2502454" cy="601043"/>
           </a:xfrm>
           <a:prstGeom prst="rect">
             <a:avLst/>
@@ -24008,7 +24030,7 @@
           </a:ln>
           <a:extLst>
             <a:ext uri="{C572A759-6A51-4108-AA02-DFA0A04FC94B}">
-              <ma14:wrappingTextBoxFlag xmlns:ma14="http://schemas.microsoft.com/office/mac/drawingml/2011/main" xmlns:a14="http://schemas.microsoft.com/office/drawing/2010/main" xmlns:m="http://schemas.openxmlformats.org/officeDocument/2006/math" xmlns="" val="1"/>
+              <ma14:wrappingTextBoxFlag xmlns="" xmlns:m="http://schemas.openxmlformats.org/officeDocument/2006/math" xmlns:a14="http://schemas.microsoft.com/office/drawing/2010/main" xmlns:ma14="http://schemas.microsoft.com/office/mac/drawingml/2011/main" val="1"/>
             </a:ext>
           </a:extLst>
         </p:spPr>
@@ -24044,8 +24066,8 @@
         </p:nvSpPr>
         <p:spPr>
           <a:xfrm>
-            <a:off x="11342153" y="4481757"/>
-            <a:ext cx="2477055" cy="601044"/>
+            <a:off x="11090143" y="4481757"/>
+            <a:ext cx="2477054" cy="601044"/>
           </a:xfrm>
           <a:prstGeom prst="rect">
             <a:avLst/>
@@ -24055,7 +24077,7 @@
           </a:ln>
           <a:extLst>
             <a:ext uri="{C572A759-6A51-4108-AA02-DFA0A04FC94B}">
-              <ma14:wrappingTextBoxFlag xmlns:ma14="http://schemas.microsoft.com/office/mac/drawingml/2011/main" xmlns:a14="http://schemas.microsoft.com/office/drawing/2010/main" xmlns:m="http://schemas.openxmlformats.org/officeDocument/2006/math" xmlns="" val="1"/>
+              <ma14:wrappingTextBoxFlag xmlns="" xmlns:m="http://schemas.openxmlformats.org/officeDocument/2006/math" xmlns:a14="http://schemas.microsoft.com/office/drawing/2010/main" xmlns:ma14="http://schemas.microsoft.com/office/mac/drawingml/2011/main" val="1"/>
             </a:ext>
           </a:extLst>
         </p:spPr>
@@ -24091,7 +24113,7 @@
         </p:nvSpPr>
         <p:spPr>
           <a:xfrm>
-            <a:off x="10521764" y="7797658"/>
+            <a:off x="10269754" y="7797658"/>
             <a:ext cx="4048002" cy="594668"/>
           </a:xfrm>
           <a:prstGeom prst="rect">
@@ -24102,7 +24124,7 @@
           </a:ln>
           <a:extLst>
             <a:ext uri="{C572A759-6A51-4108-AA02-DFA0A04FC94B}">
-              <ma14:wrappingTextBoxFlag xmlns:ma14="http://schemas.microsoft.com/office/mac/drawingml/2011/main" xmlns:a14="http://schemas.microsoft.com/office/drawing/2010/main" xmlns:m="http://schemas.openxmlformats.org/officeDocument/2006/math" xmlns="" val="1"/>
+              <ma14:wrappingTextBoxFlag xmlns="" xmlns:m="http://schemas.openxmlformats.org/officeDocument/2006/math" xmlns:a14="http://schemas.microsoft.com/office/drawing/2010/main" xmlns:ma14="http://schemas.microsoft.com/office/mac/drawingml/2011/main" val="1"/>
             </a:ext>
           </a:extLst>
         </p:spPr>
@@ -24138,7 +24160,7 @@
         </p:nvSpPr>
         <p:spPr>
           <a:xfrm>
-            <a:off x="18074513" y="7395860"/>
+            <a:off x="17822503" y="7395860"/>
             <a:ext cx="4446069" cy="4521054"/>
           </a:xfrm>
           <a:prstGeom prst="roundRect">
@@ -24169,7 +24191,7 @@
         </p:nvSpPr>
         <p:spPr>
           <a:xfrm>
-            <a:off x="18570602" y="12143444"/>
+            <a:off x="18318592" y="12143444"/>
             <a:ext cx="3453893" cy="601044"/>
           </a:xfrm>
           <a:prstGeom prst="rect">
@@ -24180,7 +24202,7 @@
           </a:ln>
           <a:extLst>
             <a:ext uri="{C572A759-6A51-4108-AA02-DFA0A04FC94B}">
-              <ma14:wrappingTextBoxFlag xmlns:ma14="http://schemas.microsoft.com/office/mac/drawingml/2011/main" xmlns:a14="http://schemas.microsoft.com/office/drawing/2010/main" xmlns:m="http://schemas.openxmlformats.org/officeDocument/2006/math" xmlns="" val="1"/>
+              <ma14:wrappingTextBoxFlag xmlns="" xmlns:m="http://schemas.openxmlformats.org/officeDocument/2006/math" xmlns:a14="http://schemas.microsoft.com/office/drawing/2010/main" xmlns:ma14="http://schemas.microsoft.com/office/mac/drawingml/2011/main" val="1"/>
             </a:ext>
           </a:extLst>
         </p:spPr>
@@ -24233,7 +24255,7 @@
         </p:nvSpPr>
         <p:spPr>
           <a:xfrm>
-            <a:off x="19189341" y="10153084"/>
+            <a:off x="18937331" y="10153084"/>
             <a:ext cx="2381824" cy="601044"/>
           </a:xfrm>
           <a:prstGeom prst="rect">
@@ -24244,7 +24266,7 @@
           </a:ln>
           <a:extLst>
             <a:ext uri="{C572A759-6A51-4108-AA02-DFA0A04FC94B}">
-              <ma14:wrappingTextBoxFlag xmlns:ma14="http://schemas.microsoft.com/office/mac/drawingml/2011/main" xmlns:a14="http://schemas.microsoft.com/office/drawing/2010/main" xmlns:m="http://schemas.openxmlformats.org/officeDocument/2006/math" xmlns="" val="1"/>
+              <ma14:wrappingTextBoxFlag xmlns="" xmlns:m="http://schemas.openxmlformats.org/officeDocument/2006/math" xmlns:a14="http://schemas.microsoft.com/office/drawing/2010/main" xmlns:ma14="http://schemas.microsoft.com/office/mac/drawingml/2011/main" val="1"/>
             </a:ext>
           </a:extLst>
         </p:spPr>
@@ -24280,8 +24302,8 @@
         </p:nvSpPr>
         <p:spPr>
           <a:xfrm>
-            <a:off x="19176641" y="8941940"/>
-            <a:ext cx="2407224" cy="601043"/>
+            <a:off x="18924631" y="8941940"/>
+            <a:ext cx="2407223" cy="601043"/>
           </a:xfrm>
           <a:prstGeom prst="rect">
             <a:avLst/>
@@ -24291,7 +24313,7 @@
           </a:ln>
           <a:extLst>
             <a:ext uri="{C572A759-6A51-4108-AA02-DFA0A04FC94B}">
-              <ma14:wrappingTextBoxFlag xmlns:ma14="http://schemas.microsoft.com/office/mac/drawingml/2011/main" xmlns:a14="http://schemas.microsoft.com/office/drawing/2010/main" xmlns:m="http://schemas.openxmlformats.org/officeDocument/2006/math" xmlns="" val="1"/>
+              <ma14:wrappingTextBoxFlag xmlns="" xmlns:m="http://schemas.openxmlformats.org/officeDocument/2006/math" xmlns:a14="http://schemas.microsoft.com/office/drawing/2010/main" xmlns:ma14="http://schemas.microsoft.com/office/mac/drawingml/2011/main" val="1"/>
             </a:ext>
           </a:extLst>
         </p:spPr>
@@ -24327,8 +24349,8 @@
         </p:nvSpPr>
         <p:spPr>
           <a:xfrm>
-            <a:off x="19189341" y="7732755"/>
-            <a:ext cx="2407224" cy="601044"/>
+            <a:off x="18937331" y="7732755"/>
+            <a:ext cx="2407223" cy="601044"/>
           </a:xfrm>
           <a:prstGeom prst="rect">
             <a:avLst/>
@@ -24338,7 +24360,7 @@
           </a:ln>
           <a:extLst>
             <a:ext uri="{C572A759-6A51-4108-AA02-DFA0A04FC94B}">
-              <ma14:wrappingTextBoxFlag xmlns:ma14="http://schemas.microsoft.com/office/mac/drawingml/2011/main" xmlns:a14="http://schemas.microsoft.com/office/drawing/2010/main" xmlns:m="http://schemas.openxmlformats.org/officeDocument/2006/math" xmlns="" val="1"/>
+              <ma14:wrappingTextBoxFlag xmlns="" xmlns:m="http://schemas.openxmlformats.org/officeDocument/2006/math" xmlns:a14="http://schemas.microsoft.com/office/drawing/2010/main" xmlns:ma14="http://schemas.microsoft.com/office/mac/drawingml/2011/main" val="1"/>
             </a:ext>
           </a:extLst>
         </p:spPr>
@@ -24374,8 +24396,8 @@
         </p:nvSpPr>
         <p:spPr>
           <a:xfrm>
-            <a:off x="19761536" y="6051451"/>
-            <a:ext cx="1122824" cy="601044"/>
+            <a:off x="19509526" y="6051451"/>
+            <a:ext cx="1122823" cy="601044"/>
           </a:xfrm>
           <a:prstGeom prst="rect">
             <a:avLst/>
@@ -24385,7 +24407,7 @@
           </a:ln>
           <a:extLst>
             <a:ext uri="{C572A759-6A51-4108-AA02-DFA0A04FC94B}">
-              <ma14:wrappingTextBoxFlag xmlns:ma14="http://schemas.microsoft.com/office/mac/drawingml/2011/main" xmlns:a14="http://schemas.microsoft.com/office/drawing/2010/main" xmlns:m="http://schemas.openxmlformats.org/officeDocument/2006/math" xmlns="" val="1"/>
+              <ma14:wrappingTextBoxFlag xmlns="" xmlns:m="http://schemas.openxmlformats.org/officeDocument/2006/math" xmlns:a14="http://schemas.microsoft.com/office/drawing/2010/main" xmlns:ma14="http://schemas.microsoft.com/office/mac/drawingml/2011/main" val="1"/>
             </a:ext>
           </a:extLst>
         </p:spPr>
@@ -24438,8 +24460,8 @@
         </p:nvSpPr>
         <p:spPr>
           <a:xfrm>
-            <a:off x="18343552" y="11074876"/>
-            <a:ext cx="4177029" cy="594668"/>
+            <a:off x="18091542" y="11074876"/>
+            <a:ext cx="4073401" cy="594668"/>
           </a:xfrm>
           <a:prstGeom prst="rect">
             <a:avLst/>
@@ -24449,12 +24471,12 @@
           </a:ln>
           <a:extLst>
             <a:ext uri="{C572A759-6A51-4108-AA02-DFA0A04FC94B}">
-              <ma14:wrappingTextBoxFlag xmlns:ma14="http://schemas.microsoft.com/office/mac/drawingml/2011/main" xmlns:a14="http://schemas.microsoft.com/office/drawing/2010/main" xmlns:m="http://schemas.openxmlformats.org/officeDocument/2006/math" xmlns="" val="1"/>
+              <ma14:wrappingTextBoxFlag xmlns="" xmlns:m="http://schemas.openxmlformats.org/officeDocument/2006/math" xmlns:a14="http://schemas.microsoft.com/office/drawing/2010/main" xmlns:ma14="http://schemas.microsoft.com/office/mac/drawingml/2011/main" val="1"/>
             </a:ext>
           </a:extLst>
         </p:spPr>
         <p:txBody>
-          <a:bodyPr wrap="square" lIns="45719" rIns="45719">
+          <a:bodyPr lIns="45719" rIns="45719">
             <a:spAutoFit/>
           </a:bodyPr>
           <a:lstStyle>
@@ -24472,7 +24494,6 @@
           </a:lstStyle>
           <a:p>
             <a:r>
-              <a:rPr dirty="0"/>
               <a:t>VERSION DATABASE</a:t>
             </a:r>
           </a:p>
@@ -24486,7 +24507,7 @@
         </p:nvGrpSpPr>
         <p:grpSpPr>
           <a:xfrm>
-            <a:off x="15317821" y="7375549"/>
+            <a:off x="15065811" y="7375549"/>
             <a:ext cx="2163066" cy="1438884"/>
             <a:chOff x="0" y="0"/>
             <a:chExt cx="2163065" cy="1438882"/>
@@ -24672,8 +24693,8 @@
         </p:nvGrpSpPr>
         <p:grpSpPr>
           <a:xfrm flipH="1">
-            <a:off x="7419833" y="7375549"/>
-            <a:ext cx="2163067" cy="1438884"/>
+            <a:off x="7167823" y="7375549"/>
+            <a:ext cx="2163066" cy="1438884"/>
             <a:chOff x="0" y="0"/>
             <a:chExt cx="2163065" cy="1438882"/>
           </a:xfrm>
@@ -24858,8 +24879,8 @@
         </p:nvGrpSpPr>
         <p:grpSpPr>
           <a:xfrm>
-            <a:off x="4314514" y="6855370"/>
-            <a:ext cx="678917" cy="805606"/>
+            <a:off x="4062503" y="6855370"/>
+            <a:ext cx="678918" cy="805606"/>
             <a:chOff x="0" y="0"/>
             <a:chExt cx="678916" cy="805604"/>
           </a:xfrm>
@@ -24968,7 +24989,7 @@
         </p:nvGrpSpPr>
         <p:grpSpPr>
           <a:xfrm>
-            <a:off x="19958090" y="6855370"/>
+            <a:off x="19706080" y="6855370"/>
             <a:ext cx="678917" cy="805606"/>
             <a:chOff x="0" y="0"/>
             <a:chExt cx="678916" cy="805604"/>
@@ -25078,7 +25099,7 @@
         </p:nvSpPr>
         <p:spPr>
           <a:xfrm>
-            <a:off x="8030093" y="7167833"/>
+            <a:off x="7778083" y="7167833"/>
             <a:ext cx="942547" cy="601043"/>
           </a:xfrm>
           <a:prstGeom prst="rect">
@@ -25089,7 +25110,7 @@
           </a:ln>
           <a:extLst>
             <a:ext uri="{C572A759-6A51-4108-AA02-DFA0A04FC94B}">
-              <ma14:wrappingTextBoxFlag xmlns:ma14="http://schemas.microsoft.com/office/mac/drawingml/2011/main" xmlns:a14="http://schemas.microsoft.com/office/drawing/2010/main" xmlns:m="http://schemas.openxmlformats.org/officeDocument/2006/math" xmlns="" val="1"/>
+              <ma14:wrappingTextBoxFlag xmlns="" xmlns:m="http://schemas.openxmlformats.org/officeDocument/2006/math" xmlns:a14="http://schemas.microsoft.com/office/drawing/2010/main" xmlns:ma14="http://schemas.microsoft.com/office/mac/drawingml/2011/main" val="1"/>
             </a:ext>
           </a:extLst>
         </p:spPr>
@@ -25125,7 +25146,7 @@
         </p:nvSpPr>
         <p:spPr>
           <a:xfrm>
-            <a:off x="16338275" y="7167833"/>
+            <a:off x="16086265" y="7167833"/>
             <a:ext cx="942547" cy="601043"/>
           </a:xfrm>
           <a:prstGeom prst="rect">
@@ -25136,7 +25157,7 @@
           </a:ln>
           <a:extLst>
             <a:ext uri="{C572A759-6A51-4108-AA02-DFA0A04FC94B}">
-              <ma14:wrappingTextBoxFlag xmlns:ma14="http://schemas.microsoft.com/office/mac/drawingml/2011/main" xmlns:a14="http://schemas.microsoft.com/office/drawing/2010/main" xmlns:m="http://schemas.openxmlformats.org/officeDocument/2006/math" xmlns="" val="1"/>
+              <ma14:wrappingTextBoxFlag xmlns="" xmlns:m="http://schemas.openxmlformats.org/officeDocument/2006/math" xmlns:a14="http://schemas.microsoft.com/office/drawing/2010/main" xmlns:ma14="http://schemas.microsoft.com/office/mac/drawingml/2011/main" val="1"/>
             </a:ext>
           </a:extLst>
         </p:spPr>
@@ -25172,7 +25193,7 @@
         </p:nvSpPr>
         <p:spPr>
           <a:xfrm flipV="1">
-            <a:off x="4653972" y="9557448"/>
+            <a:off x="4401962" y="9557448"/>
             <a:ext cx="1" cy="601043"/>
           </a:xfrm>
           <a:prstGeom prst="line">
@@ -25201,7 +25222,7 @@
         </p:nvSpPr>
         <p:spPr>
           <a:xfrm flipV="1">
-            <a:off x="4653972" y="8347276"/>
+            <a:off x="4401962" y="8347276"/>
             <a:ext cx="1" cy="601044"/>
           </a:xfrm>
           <a:prstGeom prst="line">
@@ -25230,7 +25251,36 @@
         </p:nvSpPr>
         <p:spPr>
           <a:xfrm flipV="1">
-            <a:off x="12501160" y="5123743"/>
+            <a:off x="12249150" y="5123742"/>
+            <a:ext cx="1" cy="601044"/>
+          </a:xfrm>
+          <a:prstGeom prst="line">
+            <a:avLst/>
+          </a:prstGeom>
+          <a:ln w="38100">
+            <a:solidFill>
+              <a:srgbClr val="FFFFFF"/>
+            </a:solidFill>
+            <a:miter/>
+          </a:ln>
+        </p:spPr>
+        <p:txBody>
+          <a:bodyPr lIns="45719" rIns="45719"/>
+          <a:lstStyle/>
+          <a:p>
+            <a:endParaRPr/>
+          </a:p>
+        </p:txBody>
+      </p:sp>
+      <p:sp>
+        <p:nvSpPr>
+          <p:cNvPr id="802" name="Line"/>
+          <p:cNvSpPr/>
+          <p:nvPr/>
+        </p:nvSpPr>
+        <p:spPr>
+          <a:xfrm flipV="1">
+            <a:off x="12249150" y="6339111"/>
             <a:ext cx="1" cy="601043"/>
           </a:xfrm>
           <a:prstGeom prst="line">
@@ -25253,13 +25303,13 @@
       </p:sp>
       <p:sp>
         <p:nvSpPr>
-          <p:cNvPr id="802" name="Line"/>
+          <p:cNvPr id="803" name="Line"/>
           <p:cNvSpPr/>
           <p:nvPr/>
         </p:nvSpPr>
         <p:spPr>
           <a:xfrm flipV="1">
-            <a:off x="12501160" y="6339111"/>
+            <a:off x="20090143" y="8390089"/>
             <a:ext cx="1" cy="601043"/>
           </a:xfrm>
           <a:prstGeom prst="line">
@@ -25282,43 +25332,14 @@
       </p:sp>
       <p:sp>
         <p:nvSpPr>
-          <p:cNvPr id="803" name="Line"/>
-          <p:cNvSpPr/>
-          <p:nvPr/>
-        </p:nvSpPr>
-        <p:spPr>
-          <a:xfrm flipV="1">
-            <a:off x="20342153" y="8390089"/>
-            <a:ext cx="1" cy="601044"/>
-          </a:xfrm>
-          <a:prstGeom prst="line">
-            <a:avLst/>
-          </a:prstGeom>
-          <a:ln w="38100">
-            <a:solidFill>
-              <a:srgbClr val="FFFFFF"/>
-            </a:solidFill>
-            <a:miter/>
-          </a:ln>
-        </p:spPr>
-        <p:txBody>
-          <a:bodyPr lIns="45719" rIns="45719"/>
-          <a:lstStyle/>
-          <a:p>
-            <a:endParaRPr/>
-          </a:p>
-        </p:txBody>
-      </p:sp>
-      <p:sp>
-        <p:nvSpPr>
           <p:cNvPr id="804" name="Line"/>
           <p:cNvSpPr/>
           <p:nvPr/>
         </p:nvSpPr>
         <p:spPr>
           <a:xfrm flipV="1">
-            <a:off x="20322947" y="9601688"/>
-            <a:ext cx="1" cy="601044"/>
+            <a:off x="20070936" y="9601689"/>
+            <a:ext cx="1" cy="601043"/>
           </a:xfrm>
           <a:prstGeom prst="line">
             <a:avLst/>
@@ -25384,7 +25405,7 @@
           </a:prstGeom>
           <a:extLst>
             <a:ext uri="{C572A759-6A51-4108-AA02-DFA0A04FC94B}">
-              <ma14:wrappingTextBoxFlag xmlns:ma14="http://schemas.microsoft.com/office/mac/drawingml/2011/main" xmlns:a14="http://schemas.microsoft.com/office/drawing/2010/main" xmlns:m="http://schemas.openxmlformats.org/officeDocument/2006/math" xmlns="" val="1"/>
+              <ma14:wrappingTextBoxFlag xmlns="" xmlns:m="http://schemas.openxmlformats.org/officeDocument/2006/math" xmlns:a14="http://schemas.microsoft.com/office/drawing/2010/main" xmlns:ma14="http://schemas.microsoft.com/office/mac/drawingml/2011/main" val="1"/>
             </a:ext>
           </a:extLst>
         </p:spPr>
@@ -25402,6 +25423,7 @@
           </a:lstStyle>
           <a:p>
             <a:fld id="{86CB4B4D-7CA3-9044-876B-883B54F8677D}" type="slidenum">
+              <a:rPr/>
               <a:t>19</a:t>
             </a:fld>
             <a:endParaRPr/>
@@ -25416,8 +25438,8 @@
         </p:nvSpPr>
         <p:spPr>
           <a:xfrm flipH="1">
-            <a:off x="15074603" y="-1"/>
-            <a:ext cx="9303046" cy="13716000"/>
+            <a:off x="13589811" y="3060559"/>
+            <a:ext cx="10791162" cy="10655441"/>
           </a:xfrm>
           <a:prstGeom prst="rect">
             <a:avLst/>
@@ -25446,8 +25468,8 @@
         </p:nvSpPr>
         <p:spPr>
           <a:xfrm>
-            <a:off x="1158002" y="1434521"/>
-            <a:ext cx="9305076" cy="1767841"/>
+            <a:off x="3775587" y="1140326"/>
+            <a:ext cx="16820126" cy="929641"/>
           </a:xfrm>
           <a:prstGeom prst="rect">
             <a:avLst/>
@@ -25457,7 +25479,7 @@
           </a:ln>
           <a:extLst>
             <a:ext uri="{C572A759-6A51-4108-AA02-DFA0A04FC94B}">
-              <ma14:wrappingTextBoxFlag xmlns:ma14="http://schemas.microsoft.com/office/mac/drawingml/2011/main" xmlns:a14="http://schemas.microsoft.com/office/drawing/2010/main" xmlns:m="http://schemas.openxmlformats.org/officeDocument/2006/math" xmlns="" val="1"/>
+              <ma14:wrappingTextBoxFlag xmlns="" xmlns:m="http://schemas.openxmlformats.org/officeDocument/2006/math" xmlns:a14="http://schemas.microsoft.com/office/drawing/2010/main" xmlns:ma14="http://schemas.microsoft.com/office/mac/drawingml/2011/main" val="1"/>
             </a:ext>
           </a:extLst>
         </p:spPr>
@@ -25482,6 +25504,769 @@
           </a:p>
         </p:txBody>
       </p:sp>
+      <p:sp>
+        <p:nvSpPr>
+          <p:cNvPr id="815" name="Rounded Rectangle"/>
+          <p:cNvSpPr/>
+          <p:nvPr/>
+        </p:nvSpPr>
+        <p:spPr>
+          <a:xfrm>
+            <a:off x="14510306" y="4076700"/>
+            <a:ext cx="8950173" cy="3119815"/>
+          </a:xfrm>
+          <a:prstGeom prst="roundRect">
+            <a:avLst>
+              <a:gd name="adj" fmla="val 17027"/>
+            </a:avLst>
+          </a:prstGeom>
+          <a:solidFill>
+            <a:srgbClr val="424242"/>
+          </a:solidFill>
+          <a:ln w="12700">
+            <a:miter lim="400000"/>
+          </a:ln>
+        </p:spPr>
+        <p:txBody>
+          <a:bodyPr lIns="0" tIns="0" rIns="0" bIns="0"/>
+          <a:lstStyle/>
+          <a:p>
+            <a:pPr defTabSz="914400">
+              <a:defRPr sz="1400">
+                <a:solidFill>
+                  <a:srgbClr val="000000"/>
+                </a:solidFill>
+                <a:latin typeface="Arial"/>
+                <a:ea typeface="Arial"/>
+                <a:cs typeface="Arial"/>
+                <a:sym typeface="Arial"/>
+              </a:defRPr>
+            </a:pPr>
+            <a:endParaRPr/>
+          </a:p>
+        </p:txBody>
+      </p:sp>
+      <p:sp>
+        <p:nvSpPr>
+          <p:cNvPr id="816" name="git clone [your repository]…"/>
+          <p:cNvSpPr txBox="1"/>
+          <p:nvPr/>
+        </p:nvSpPr>
+        <p:spPr>
+          <a:xfrm>
+            <a:off x="15027519" y="4440704"/>
+            <a:ext cx="7458547" cy="2391806"/>
+          </a:xfrm>
+          <a:prstGeom prst="rect">
+            <a:avLst/>
+          </a:prstGeom>
+          <a:ln w="12700">
+            <a:miter lim="400000"/>
+          </a:ln>
+          <a:extLst>
+            <a:ext uri="{C572A759-6A51-4108-AA02-DFA0A04FC94B}">
+              <ma14:wrappingTextBoxFlag xmlns="" xmlns:m="http://schemas.openxmlformats.org/officeDocument/2006/math" xmlns:a14="http://schemas.microsoft.com/office/drawing/2010/main" xmlns:ma14="http://schemas.microsoft.com/office/mac/drawingml/2011/main" val="1"/>
+            </a:ext>
+          </a:extLst>
+        </p:spPr>
+        <p:txBody>
+          <a:bodyPr lIns="0" tIns="0" rIns="0" bIns="0"/>
+          <a:lstStyle/>
+          <a:p>
+            <a:pPr defTabSz="914400">
+              <a:lnSpc>
+                <a:spcPct val="150000"/>
+              </a:lnSpc>
+              <a:defRPr sz="2800">
+                <a:latin typeface="Courier New"/>
+                <a:ea typeface="Courier New"/>
+                <a:cs typeface="Courier New"/>
+                <a:sym typeface="Courier New"/>
+              </a:defRPr>
+            </a:pPr>
+            <a:r>
+              <a:t>git clone [your repository]</a:t>
+            </a:r>
+          </a:p>
+          <a:p>
+            <a:pPr defTabSz="914400">
+              <a:lnSpc>
+                <a:spcPct val="150000"/>
+              </a:lnSpc>
+              <a:defRPr sz="2800">
+                <a:latin typeface="Courier New"/>
+                <a:ea typeface="Courier New"/>
+                <a:cs typeface="Courier New"/>
+                <a:sym typeface="Courier New"/>
+              </a:defRPr>
+            </a:pPr>
+            <a:endParaRPr/>
+          </a:p>
+          <a:p>
+            <a:pPr defTabSz="914400">
+              <a:lnSpc>
+                <a:spcPct val="150000"/>
+              </a:lnSpc>
+              <a:defRPr sz="2800" i="1">
+                <a:latin typeface="Courier New"/>
+                <a:ea typeface="Courier New"/>
+                <a:cs typeface="Courier New"/>
+                <a:sym typeface="Courier New"/>
+              </a:defRPr>
+            </a:pPr>
+            <a:r>
+              <a:t>Username: [your user]</a:t>
+            </a:r>
+          </a:p>
+          <a:p>
+            <a:pPr defTabSz="914400">
+              <a:lnSpc>
+                <a:spcPct val="150000"/>
+              </a:lnSpc>
+              <a:defRPr sz="2800" i="1">
+                <a:latin typeface="Courier New"/>
+                <a:ea typeface="Courier New"/>
+                <a:cs typeface="Courier New"/>
+                <a:sym typeface="Courier New"/>
+              </a:defRPr>
+            </a:pPr>
+            <a:r>
+              <a:t>Password: [your password]</a:t>
+            </a:r>
+          </a:p>
+        </p:txBody>
+      </p:sp>
+      <p:sp>
+        <p:nvSpPr>
+          <p:cNvPr id="817" name="Rounded Rectangle"/>
+          <p:cNvSpPr/>
+          <p:nvPr/>
+        </p:nvSpPr>
+        <p:spPr>
+          <a:xfrm>
+            <a:off x="14510306" y="7799449"/>
+            <a:ext cx="8950173" cy="4985928"/>
+          </a:xfrm>
+          <a:prstGeom prst="roundRect">
+            <a:avLst>
+              <a:gd name="adj" fmla="val 10654"/>
+            </a:avLst>
+          </a:prstGeom>
+          <a:solidFill>
+            <a:srgbClr val="424242"/>
+          </a:solidFill>
+          <a:ln w="12700">
+            <a:miter lim="400000"/>
+          </a:ln>
+        </p:spPr>
+        <p:txBody>
+          <a:bodyPr lIns="0" tIns="0" rIns="0" bIns="0"/>
+          <a:lstStyle/>
+          <a:p>
+            <a:pPr defTabSz="914400">
+              <a:defRPr sz="1400">
+                <a:solidFill>
+                  <a:srgbClr val="000000"/>
+                </a:solidFill>
+                <a:latin typeface="Arial"/>
+                <a:ea typeface="Arial"/>
+                <a:cs typeface="Arial"/>
+                <a:sym typeface="Arial"/>
+              </a:defRPr>
+            </a:pPr>
+            <a:endParaRPr/>
+          </a:p>
+        </p:txBody>
+      </p:sp>
+      <p:sp>
+        <p:nvSpPr>
+          <p:cNvPr id="818" name="git status (status of the repo)…"/>
+          <p:cNvSpPr txBox="1"/>
+          <p:nvPr/>
+        </p:nvSpPr>
+        <p:spPr>
+          <a:xfrm>
+            <a:off x="15117069" y="8029082"/>
+            <a:ext cx="7921625" cy="4546592"/>
+          </a:xfrm>
+          <a:prstGeom prst="rect">
+            <a:avLst/>
+          </a:prstGeom>
+          <a:ln w="12700">
+            <a:miter lim="400000"/>
+          </a:ln>
+          <a:extLst>
+            <a:ext uri="{C572A759-6A51-4108-AA02-DFA0A04FC94B}">
+              <ma14:wrappingTextBoxFlag xmlns="" xmlns:m="http://schemas.openxmlformats.org/officeDocument/2006/math" xmlns:a14="http://schemas.microsoft.com/office/drawing/2010/main" xmlns:ma14="http://schemas.microsoft.com/office/mac/drawingml/2011/main" val="1"/>
+            </a:ext>
+          </a:extLst>
+        </p:spPr>
+        <p:txBody>
+          <a:bodyPr lIns="0" tIns="0" rIns="0" bIns="0"/>
+          <a:lstStyle/>
+          <a:p>
+            <a:pPr defTabSz="914400">
+              <a:lnSpc>
+                <a:spcPct val="150000"/>
+              </a:lnSpc>
+              <a:defRPr sz="2800">
+                <a:latin typeface="Courier New"/>
+                <a:ea typeface="Courier New"/>
+                <a:cs typeface="Courier New"/>
+                <a:sym typeface="Courier New"/>
+              </a:defRPr>
+            </a:pPr>
+            <a:r>
+              <a:rPr dirty="0"/>
+              <a:t>git status (status of the repo)</a:t>
+            </a:r>
+          </a:p>
+          <a:p>
+            <a:pPr defTabSz="914400">
+              <a:lnSpc>
+                <a:spcPct val="150000"/>
+              </a:lnSpc>
+              <a:defRPr sz="2800">
+                <a:latin typeface="Courier New"/>
+                <a:ea typeface="Courier New"/>
+                <a:cs typeface="Courier New"/>
+                <a:sym typeface="Courier New"/>
+              </a:defRPr>
+            </a:pPr>
+            <a:endParaRPr dirty="0"/>
+          </a:p>
+          <a:p>
+            <a:pPr defTabSz="914400">
+              <a:lnSpc>
+                <a:spcPct val="150000"/>
+              </a:lnSpc>
+              <a:defRPr sz="2800">
+                <a:latin typeface="Courier New"/>
+                <a:ea typeface="Courier New"/>
+                <a:cs typeface="Courier New"/>
+                <a:sym typeface="Courier New"/>
+              </a:defRPr>
+            </a:pPr>
+            <a:r>
+              <a:rPr dirty="0"/>
+              <a:t>git add (add new files or changes)</a:t>
+            </a:r>
+          </a:p>
+          <a:p>
+            <a:pPr defTabSz="914400">
+              <a:lnSpc>
+                <a:spcPct val="150000"/>
+              </a:lnSpc>
+              <a:defRPr sz="2800">
+                <a:latin typeface="Courier New"/>
+                <a:ea typeface="Courier New"/>
+                <a:cs typeface="Courier New"/>
+                <a:sym typeface="Courier New"/>
+              </a:defRPr>
+            </a:pPr>
+            <a:endParaRPr dirty="0"/>
+          </a:p>
+          <a:p>
+            <a:pPr defTabSz="914400">
+              <a:lnSpc>
+                <a:spcPct val="150000"/>
+              </a:lnSpc>
+              <a:defRPr sz="2800">
+                <a:latin typeface="Courier New"/>
+                <a:ea typeface="Courier New"/>
+                <a:cs typeface="Courier New"/>
+                <a:sym typeface="Courier New"/>
+              </a:defRPr>
+            </a:pPr>
+            <a:r>
+              <a:rPr dirty="0"/>
+              <a:t>git commit -m (commit the changes)</a:t>
+            </a:r>
+          </a:p>
+          <a:p>
+            <a:pPr defTabSz="914400">
+              <a:lnSpc>
+                <a:spcPct val="150000"/>
+              </a:lnSpc>
+              <a:defRPr sz="2800">
+                <a:latin typeface="Courier New"/>
+                <a:ea typeface="Courier New"/>
+                <a:cs typeface="Courier New"/>
+                <a:sym typeface="Courier New"/>
+              </a:defRPr>
+            </a:pPr>
+            <a:endParaRPr dirty="0"/>
+          </a:p>
+          <a:p>
+            <a:pPr defTabSz="914400">
+              <a:lnSpc>
+                <a:spcPct val="150000"/>
+              </a:lnSpc>
+              <a:defRPr sz="2800">
+                <a:latin typeface="Courier New"/>
+                <a:ea typeface="Courier New"/>
+                <a:cs typeface="Courier New"/>
+                <a:sym typeface="Courier New"/>
+              </a:defRPr>
+            </a:pPr>
+            <a:r>
+              <a:rPr dirty="0"/>
+              <a:t>git push (push the changes to GitHub)</a:t>
+            </a:r>
+            <a:endParaRPr lang="en-US" dirty="0"/>
+          </a:p>
+          <a:p>
+            <a:pPr defTabSz="914400">
+              <a:lnSpc>
+                <a:spcPct val="150000"/>
+              </a:lnSpc>
+              <a:defRPr sz="2800">
+                <a:latin typeface="Courier New"/>
+                <a:ea typeface="Courier New"/>
+                <a:cs typeface="Courier New"/>
+                <a:sym typeface="Courier New"/>
+              </a:defRPr>
+            </a:pPr>
+            <a:endParaRPr dirty="0"/>
+          </a:p>
+        </p:txBody>
+      </p:sp>
+      <p:sp>
+        <p:nvSpPr>
+          <p:cNvPr id="819" name="Rounded Rectangle"/>
+          <p:cNvSpPr/>
+          <p:nvPr/>
+        </p:nvSpPr>
+        <p:spPr>
+          <a:xfrm>
+            <a:off x="1014314" y="4432446"/>
+            <a:ext cx="11609261" cy="1669049"/>
+          </a:xfrm>
+          <a:prstGeom prst="roundRect">
+            <a:avLst>
+              <a:gd name="adj" fmla="val 31826"/>
+            </a:avLst>
+          </a:prstGeom>
+          <a:solidFill>
+            <a:srgbClr val="D4A5FF"/>
+          </a:solidFill>
+          <a:ln w="12700">
+            <a:miter lim="400000"/>
+          </a:ln>
+        </p:spPr>
+        <p:txBody>
+          <a:bodyPr lIns="0" tIns="0" rIns="0" bIns="0"/>
+          <a:lstStyle/>
+          <a:p>
+            <a:pPr defTabSz="914400">
+              <a:defRPr sz="1400">
+                <a:solidFill>
+                  <a:srgbClr val="000000"/>
+                </a:solidFill>
+                <a:latin typeface="Arial"/>
+                <a:ea typeface="Arial"/>
+                <a:cs typeface="Arial"/>
+                <a:sym typeface="Arial"/>
+              </a:defRPr>
+            </a:pPr>
+            <a:endParaRPr/>
+          </a:p>
+        </p:txBody>
+      </p:sp>
+      <p:sp>
+        <p:nvSpPr>
+          <p:cNvPr id="820" name="Rounded Rectangle"/>
+          <p:cNvSpPr/>
+          <p:nvPr/>
+        </p:nvSpPr>
+        <p:spPr>
+          <a:xfrm>
+            <a:off x="1014314" y="6549085"/>
+            <a:ext cx="11609261" cy="1229275"/>
+          </a:xfrm>
+          <a:prstGeom prst="roundRect">
+            <a:avLst>
+              <a:gd name="adj" fmla="val 43212"/>
+            </a:avLst>
+          </a:prstGeom>
+          <a:solidFill>
+            <a:srgbClr val="D8C1FF"/>
+          </a:solidFill>
+          <a:ln w="12700">
+            <a:miter lim="400000"/>
+          </a:ln>
+        </p:spPr>
+        <p:txBody>
+          <a:bodyPr lIns="0" tIns="0" rIns="0" bIns="0"/>
+          <a:lstStyle/>
+          <a:p>
+            <a:pPr defTabSz="914400">
+              <a:defRPr sz="1400">
+                <a:solidFill>
+                  <a:srgbClr val="000000"/>
+                </a:solidFill>
+                <a:latin typeface="Arial"/>
+                <a:ea typeface="Arial"/>
+                <a:cs typeface="Arial"/>
+                <a:sym typeface="Arial"/>
+              </a:defRPr>
+            </a:pPr>
+            <a:endParaRPr/>
+          </a:p>
+        </p:txBody>
+      </p:sp>
+      <p:sp>
+        <p:nvSpPr>
+          <p:cNvPr id="821" name="Rounded Rectangle"/>
+          <p:cNvSpPr/>
+          <p:nvPr/>
+        </p:nvSpPr>
+        <p:spPr>
+          <a:xfrm>
+            <a:off x="1014314" y="8225950"/>
+            <a:ext cx="11609261" cy="1618249"/>
+          </a:xfrm>
+          <a:prstGeom prst="roundRect">
+            <a:avLst>
+              <a:gd name="adj" fmla="val 32826"/>
+            </a:avLst>
+          </a:prstGeom>
+          <a:solidFill>
+            <a:srgbClr val="ADABFF"/>
+          </a:solidFill>
+          <a:ln w="12700">
+            <a:miter lim="400000"/>
+          </a:ln>
+        </p:spPr>
+        <p:txBody>
+          <a:bodyPr lIns="0" tIns="0" rIns="0" bIns="0"/>
+          <a:lstStyle/>
+          <a:p>
+            <a:pPr defTabSz="914400">
+              <a:defRPr sz="1400">
+                <a:solidFill>
+                  <a:srgbClr val="000000"/>
+                </a:solidFill>
+                <a:latin typeface="Arial"/>
+                <a:ea typeface="Arial"/>
+                <a:cs typeface="Arial"/>
+                <a:sym typeface="Arial"/>
+              </a:defRPr>
+            </a:pPr>
+            <a:endParaRPr/>
+          </a:p>
+        </p:txBody>
+      </p:sp>
+      <p:sp>
+        <p:nvSpPr>
+          <p:cNvPr id="822" name="TextBox 34"/>
+          <p:cNvSpPr txBox="1"/>
+          <p:nvPr/>
+        </p:nvSpPr>
+        <p:spPr>
+          <a:xfrm>
+            <a:off x="1421444" y="4782331"/>
+            <a:ext cx="10795001" cy="955041"/>
+          </a:xfrm>
+          <a:prstGeom prst="rect">
+            <a:avLst/>
+          </a:prstGeom>
+          <a:ln w="12700">
+            <a:miter lim="400000"/>
+          </a:ln>
+          <a:extLst>
+            <a:ext uri="{C572A759-6A51-4108-AA02-DFA0A04FC94B}">
+              <ma14:wrappingTextBoxFlag xmlns="" xmlns:m="http://schemas.openxmlformats.org/officeDocument/2006/math" xmlns:a14="http://schemas.microsoft.com/office/drawing/2010/main" xmlns:ma14="http://schemas.microsoft.com/office/mac/drawingml/2011/main" val="1"/>
+            </a:ext>
+          </a:extLst>
+        </p:spPr>
+        <p:txBody>
+          <a:bodyPr lIns="45719" rIns="45719">
+            <a:spAutoFit/>
+          </a:bodyPr>
+          <a:lstStyle>
+            <a:lvl1pPr algn="ctr">
+              <a:defRPr sz="2800" spc="311">
+                <a:solidFill>
+                  <a:srgbClr val="363D48"/>
+                </a:solidFill>
+                <a:latin typeface="Montserrat Bold"/>
+                <a:ea typeface="Montserrat Bold"/>
+                <a:cs typeface="Montserrat Bold"/>
+                <a:sym typeface="Montserrat Bold"/>
+              </a:defRPr>
+            </a:lvl1pPr>
+          </a:lstStyle>
+          <a:p>
+            <a:r>
+              <a:t>Git is used from the command line to edit directories &amp; files in a version controlled way</a:t>
+            </a:r>
+          </a:p>
+        </p:txBody>
+      </p:sp>
+      <p:sp>
+        <p:nvSpPr>
+          <p:cNvPr id="823" name="TextBox 34"/>
+          <p:cNvSpPr txBox="1"/>
+          <p:nvPr/>
+        </p:nvSpPr>
+        <p:spPr>
+          <a:xfrm>
+            <a:off x="1292390" y="6893339"/>
+            <a:ext cx="10795001" cy="540767"/>
+          </a:xfrm>
+          <a:prstGeom prst="rect">
+            <a:avLst/>
+          </a:prstGeom>
+          <a:ln w="12700">
+            <a:miter lim="400000"/>
+          </a:ln>
+          <a:extLst>
+            <a:ext uri="{C572A759-6A51-4108-AA02-DFA0A04FC94B}">
+              <ma14:wrappingTextBoxFlag xmlns="" xmlns:m="http://schemas.openxmlformats.org/officeDocument/2006/math" xmlns:a14="http://schemas.microsoft.com/office/drawing/2010/main" xmlns:ma14="http://schemas.microsoft.com/office/mac/drawingml/2011/main" val="1"/>
+            </a:ext>
+          </a:extLst>
+        </p:spPr>
+        <p:txBody>
+          <a:bodyPr lIns="45719" rIns="45719">
+            <a:spAutoFit/>
+          </a:bodyPr>
+          <a:lstStyle/>
+          <a:p>
+            <a:pPr algn="ctr">
+              <a:defRPr sz="2800" spc="311">
+                <a:solidFill>
+                  <a:srgbClr val="363D48"/>
+                </a:solidFill>
+                <a:latin typeface="Montserrat Bold"/>
+                <a:ea typeface="Montserrat Bold"/>
+                <a:cs typeface="Montserrat Bold"/>
+                <a:sym typeface="Montserrat Bold"/>
+              </a:defRPr>
+            </a:pPr>
+            <a:r>
+              <a:t>A git command always begins with </a:t>
+            </a:r>
+            <a:r>
+              <a:rPr b="1">
+                <a:latin typeface="Courier New"/>
+                <a:ea typeface="Courier New"/>
+                <a:cs typeface="Courier New"/>
+                <a:sym typeface="Courier New"/>
+              </a:rPr>
+              <a:t>git</a:t>
+            </a:r>
+          </a:p>
+        </p:txBody>
+      </p:sp>
+      <p:sp>
+        <p:nvSpPr>
+          <p:cNvPr id="824" name="TextBox 34"/>
+          <p:cNvSpPr txBox="1"/>
+          <p:nvPr/>
+        </p:nvSpPr>
+        <p:spPr>
+          <a:xfrm>
+            <a:off x="1294310" y="8557554"/>
+            <a:ext cx="10791162" cy="955041"/>
+          </a:xfrm>
+          <a:prstGeom prst="rect">
+            <a:avLst/>
+          </a:prstGeom>
+          <a:ln w="12700">
+            <a:miter lim="400000"/>
+          </a:ln>
+          <a:extLst>
+            <a:ext uri="{C572A759-6A51-4108-AA02-DFA0A04FC94B}">
+              <ma14:wrappingTextBoxFlag xmlns="" xmlns:m="http://schemas.openxmlformats.org/officeDocument/2006/math" xmlns:a14="http://schemas.microsoft.com/office/drawing/2010/main" xmlns:ma14="http://schemas.microsoft.com/office/mac/drawingml/2011/main" val="1"/>
+            </a:ext>
+          </a:extLst>
+        </p:spPr>
+        <p:txBody>
+          <a:bodyPr lIns="45719" rIns="45719">
+            <a:spAutoFit/>
+          </a:bodyPr>
+          <a:lstStyle>
+            <a:lvl1pPr algn="ctr">
+              <a:defRPr sz="2800" spc="311">
+                <a:solidFill>
+                  <a:srgbClr val="363D48"/>
+                </a:solidFill>
+                <a:latin typeface="Montserrat Bold"/>
+                <a:ea typeface="Montserrat Bold"/>
+                <a:cs typeface="Montserrat Bold"/>
+                <a:sym typeface="Montserrat Bold"/>
+              </a:defRPr>
+            </a:lvl1pPr>
+          </a:lstStyle>
+          <a:p>
+            <a:r>
+              <a:t>Git enables a local computer to interact with a cloud service (GitHub) to back up your work</a:t>
+            </a:r>
+          </a:p>
+        </p:txBody>
+      </p:sp>
+      <p:sp>
+        <p:nvSpPr>
+          <p:cNvPr id="825" name="Line"/>
+          <p:cNvSpPr/>
+          <p:nvPr/>
+        </p:nvSpPr>
+        <p:spPr>
+          <a:xfrm>
+            <a:off x="44339" y="3073259"/>
+            <a:ext cx="24282621" cy="1"/>
+          </a:xfrm>
+          <a:prstGeom prst="line">
+            <a:avLst/>
+          </a:prstGeom>
+          <a:ln w="25400">
+            <a:solidFill>
+              <a:srgbClr val="FFFFFF"/>
+            </a:solidFill>
+            <a:miter/>
+          </a:ln>
+        </p:spPr>
+        <p:txBody>
+          <a:bodyPr lIns="45719" rIns="45719"/>
+          <a:lstStyle/>
+          <a:p>
+            <a:endParaRPr/>
+          </a:p>
+        </p:txBody>
+      </p:sp>
+      <p:sp>
+        <p:nvSpPr>
+          <p:cNvPr id="826" name="Rounded Rectangle"/>
+          <p:cNvSpPr/>
+          <p:nvPr/>
+        </p:nvSpPr>
+        <p:spPr>
+          <a:xfrm>
+            <a:off x="1014314" y="10910690"/>
+            <a:ext cx="11609261" cy="1946830"/>
+          </a:xfrm>
+          <a:prstGeom prst="roundRect">
+            <a:avLst>
+              <a:gd name="adj" fmla="val 27285"/>
+            </a:avLst>
+          </a:prstGeom>
+          <a:solidFill>
+            <a:srgbClr val="FFFFFF"/>
+          </a:solidFill>
+          <a:ln w="12700">
+            <a:miter lim="400000"/>
+          </a:ln>
+        </p:spPr>
+        <p:txBody>
+          <a:bodyPr lIns="0" tIns="0" rIns="0" bIns="0"/>
+          <a:lstStyle/>
+          <a:p>
+            <a:pPr defTabSz="914400">
+              <a:defRPr sz="1400">
+                <a:solidFill>
+                  <a:srgbClr val="000000"/>
+                </a:solidFill>
+                <a:latin typeface="Arial"/>
+                <a:ea typeface="Arial"/>
+                <a:cs typeface="Arial"/>
+                <a:sym typeface="Arial"/>
+              </a:defRPr>
+            </a:pPr>
+            <a:endParaRPr/>
+          </a:p>
+        </p:txBody>
+      </p:sp>
+      <p:sp>
+        <p:nvSpPr>
+          <p:cNvPr id="827" name="TextBox 34"/>
+          <p:cNvSpPr txBox="1"/>
+          <p:nvPr/>
+        </p:nvSpPr>
+        <p:spPr>
+          <a:xfrm>
+            <a:off x="2464764" y="11162824"/>
+            <a:ext cx="9350874" cy="1386841"/>
+          </a:xfrm>
+          <a:prstGeom prst="rect">
+            <a:avLst/>
+          </a:prstGeom>
+          <a:ln w="12700">
+            <a:miter lim="400000"/>
+          </a:ln>
+          <a:extLst>
+            <a:ext uri="{C572A759-6A51-4108-AA02-DFA0A04FC94B}">
+              <ma14:wrappingTextBoxFlag xmlns="" xmlns:m="http://schemas.openxmlformats.org/officeDocument/2006/math" xmlns:a14="http://schemas.microsoft.com/office/drawing/2010/main" xmlns:ma14="http://schemas.microsoft.com/office/mac/drawingml/2011/main" val="1"/>
+            </a:ext>
+          </a:extLst>
+        </p:spPr>
+        <p:txBody>
+          <a:bodyPr lIns="45719" rIns="45719">
+            <a:spAutoFit/>
+          </a:bodyPr>
+          <a:lstStyle/>
+          <a:p>
+            <a:pPr algn="ctr">
+              <a:defRPr sz="2800" spc="311">
+                <a:solidFill>
+                  <a:srgbClr val="363D48"/>
+                </a:solidFill>
+                <a:latin typeface="Montserrat Bold"/>
+                <a:ea typeface="Montserrat Bold"/>
+                <a:cs typeface="Montserrat Bold"/>
+                <a:sym typeface="Montserrat Bold"/>
+              </a:defRPr>
+            </a:pPr>
+            <a:r>
+              <a:t>Sounds cool, yes! </a:t>
+            </a:r>
+          </a:p>
+          <a:p>
+            <a:pPr algn="ctr">
+              <a:defRPr sz="2800" spc="311">
+                <a:solidFill>
+                  <a:srgbClr val="363D48"/>
+                </a:solidFill>
+                <a:latin typeface="Montserrat Bold"/>
+                <a:ea typeface="Montserrat Bold"/>
+                <a:cs typeface="Montserrat Bold"/>
+                <a:sym typeface="Montserrat Bold"/>
+              </a:defRPr>
+            </a:pPr>
+            <a:r>
+              <a:t>Take our ‘Introduction to git &amp; GitHub’ Workshop and learn how to git</a:t>
+            </a:r>
+          </a:p>
+        </p:txBody>
+      </p:sp>
+      <p:pic>
+        <p:nvPicPr>
+          <p:cNvPr id="828" name="GitHub-Logo.png" descr="GitHub-Logo.png"/>
+          <p:cNvPicPr>
+            <a:picLocks noChangeAspect="1"/>
+          </p:cNvPicPr>
+          <p:nvPr/>
+        </p:nvPicPr>
+        <p:blipFill>
+          <a:blip r:embed="rId2"/>
+          <a:srcRect l="29749" t="829" r="29749" b="31116"/>
+          <a:stretch>
+            <a:fillRect/>
+          </a:stretch>
+        </p:blipFill>
+        <p:spPr>
+          <a:xfrm>
+            <a:off x="1275105" y="11254185"/>
+            <a:ext cx="1300790" cy="1229465"/>
+          </a:xfrm>
+          <a:prstGeom prst="rect">
+            <a:avLst/>
+          </a:prstGeom>
+          <a:ln w="12700">
+            <a:miter lim="400000"/>
+          </a:ln>
+        </p:spPr>
+      </p:pic>
     </p:spTree>
   </p:cSld>
   <p:clrMapOvr>
@@ -25528,7 +26313,7 @@
           </a:prstGeom>
           <a:extLst>
             <a:ext uri="{C572A759-6A51-4108-AA02-DFA0A04FC94B}">
-              <ma14:wrappingTextBoxFlag xmlns:ma14="http://schemas.microsoft.com/office/mac/drawingml/2011/main" xmlns:a14="http://schemas.microsoft.com/office/drawing/2010/main" xmlns:m="http://schemas.openxmlformats.org/officeDocument/2006/math" xmlns="" val="1"/>
+              <ma14:wrappingTextBoxFlag xmlns="" xmlns:m="http://schemas.openxmlformats.org/officeDocument/2006/math" xmlns:a14="http://schemas.microsoft.com/office/drawing/2010/main" xmlns:ma14="http://schemas.microsoft.com/office/mac/drawingml/2011/main" val="1"/>
             </a:ext>
           </a:extLst>
         </p:spPr>
@@ -25659,7 +26444,7 @@
           </a:ln>
           <a:extLst>
             <a:ext uri="{C572A759-6A51-4108-AA02-DFA0A04FC94B}">
-              <ma14:wrappingTextBoxFlag xmlns:ma14="http://schemas.microsoft.com/office/mac/drawingml/2011/main" xmlns:a14="http://schemas.microsoft.com/office/drawing/2010/main" xmlns:m="http://schemas.openxmlformats.org/officeDocument/2006/math" xmlns="" val="1"/>
+              <ma14:wrappingTextBoxFlag xmlns="" xmlns:m="http://schemas.openxmlformats.org/officeDocument/2006/math" xmlns:a14="http://schemas.microsoft.com/office/drawing/2010/main" xmlns:ma14="http://schemas.microsoft.com/office/mac/drawingml/2011/main" val="1"/>
             </a:ext>
           </a:extLst>
         </p:spPr>
@@ -25781,7 +26566,7 @@
           </a:ln>
           <a:extLst>
             <a:ext uri="{C572A759-6A51-4108-AA02-DFA0A04FC94B}">
-              <ma14:wrappingTextBoxFlag xmlns:ma14="http://schemas.microsoft.com/office/mac/drawingml/2011/main" xmlns:a14="http://schemas.microsoft.com/office/drawing/2010/main" xmlns:m="http://schemas.openxmlformats.org/officeDocument/2006/math" xmlns="" val="1"/>
+              <ma14:wrappingTextBoxFlag xmlns="" xmlns:m="http://schemas.openxmlformats.org/officeDocument/2006/math" xmlns:a14="http://schemas.microsoft.com/office/drawing/2010/main" xmlns:ma14="http://schemas.microsoft.com/office/mac/drawingml/2011/main" val="1"/>
             </a:ext>
           </a:extLst>
         </p:spPr>
@@ -25825,7 +26610,7 @@
           </a:ln>
           <a:extLst>
             <a:ext uri="{C572A759-6A51-4108-AA02-DFA0A04FC94B}">
-              <ma14:wrappingTextBoxFlag xmlns:ma14="http://schemas.microsoft.com/office/mac/drawingml/2011/main" xmlns:a14="http://schemas.microsoft.com/office/drawing/2010/main" xmlns:m="http://schemas.openxmlformats.org/officeDocument/2006/math" xmlns="" val="1"/>
+              <ma14:wrappingTextBoxFlag xmlns="" xmlns:m="http://schemas.openxmlformats.org/officeDocument/2006/math" xmlns:a14="http://schemas.microsoft.com/office/drawing/2010/main" xmlns:ma14="http://schemas.microsoft.com/office/mac/drawingml/2011/main" val="1"/>
             </a:ext>
           </a:extLst>
         </p:spPr>
@@ -26332,7 +27117,7 @@
           </a:ln>
           <a:extLst>
             <a:ext uri="{C572A759-6A51-4108-AA02-DFA0A04FC94B}">
-              <ma14:wrappingTextBoxFlag xmlns:ma14="http://schemas.microsoft.com/office/mac/drawingml/2011/main" xmlns:a14="http://schemas.microsoft.com/office/drawing/2010/main" xmlns:m="http://schemas.openxmlformats.org/officeDocument/2006/math" xmlns="" val="1"/>
+              <ma14:wrappingTextBoxFlag xmlns="" xmlns:m="http://schemas.openxmlformats.org/officeDocument/2006/math" xmlns:a14="http://schemas.microsoft.com/office/drawing/2010/main" xmlns:ma14="http://schemas.microsoft.com/office/mac/drawingml/2011/main" val="1"/>
             </a:ext>
           </a:extLst>
         </p:spPr>
@@ -26376,7 +27161,7 @@
           </a:ln>
           <a:extLst>
             <a:ext uri="{C572A759-6A51-4108-AA02-DFA0A04FC94B}">
-              <ma14:wrappingTextBoxFlag xmlns:ma14="http://schemas.microsoft.com/office/mac/drawingml/2011/main" xmlns:a14="http://schemas.microsoft.com/office/drawing/2010/main" xmlns:m="http://schemas.openxmlformats.org/officeDocument/2006/math" xmlns="" val="1"/>
+              <ma14:wrappingTextBoxFlag xmlns="" xmlns:m="http://schemas.openxmlformats.org/officeDocument/2006/math" xmlns:a14="http://schemas.microsoft.com/office/drawing/2010/main" xmlns:ma14="http://schemas.microsoft.com/office/mac/drawingml/2011/main" val="1"/>
             </a:ext>
           </a:extLst>
         </p:spPr>
@@ -26420,7 +27205,7 @@
           </a:ln>
           <a:extLst>
             <a:ext uri="{C572A759-6A51-4108-AA02-DFA0A04FC94B}">
-              <ma14:wrappingTextBoxFlag xmlns:ma14="http://schemas.microsoft.com/office/mac/drawingml/2011/main" xmlns:a14="http://schemas.microsoft.com/office/drawing/2010/main" xmlns:m="http://schemas.openxmlformats.org/officeDocument/2006/math" xmlns="" val="1"/>
+              <ma14:wrappingTextBoxFlag xmlns="" xmlns:m="http://schemas.openxmlformats.org/officeDocument/2006/math" xmlns:a14="http://schemas.microsoft.com/office/drawing/2010/main" xmlns:ma14="http://schemas.microsoft.com/office/mac/drawingml/2011/main" val="1"/>
             </a:ext>
           </a:extLst>
         </p:spPr>
@@ -26464,7 +27249,7 @@
           </a:ln>
           <a:extLst>
             <a:ext uri="{C572A759-6A51-4108-AA02-DFA0A04FC94B}">
-              <ma14:wrappingTextBoxFlag xmlns:ma14="http://schemas.microsoft.com/office/mac/drawingml/2011/main" xmlns:a14="http://schemas.microsoft.com/office/drawing/2010/main" xmlns:m="http://schemas.openxmlformats.org/officeDocument/2006/math" xmlns="" val="1"/>
+              <ma14:wrappingTextBoxFlag xmlns="" xmlns:m="http://schemas.openxmlformats.org/officeDocument/2006/math" xmlns:a14="http://schemas.microsoft.com/office/drawing/2010/main" xmlns:ma14="http://schemas.microsoft.com/office/mac/drawingml/2011/main" val="1"/>
             </a:ext>
           </a:extLst>
         </p:spPr>
@@ -26605,7 +27390,7 @@
           </a:ln>
           <a:extLst>
             <a:ext uri="{C572A759-6A51-4108-AA02-DFA0A04FC94B}">
-              <ma14:wrappingTextBoxFlag xmlns:ma14="http://schemas.microsoft.com/office/mac/drawingml/2011/main" xmlns:a14="http://schemas.microsoft.com/office/drawing/2010/main" xmlns:m="http://schemas.openxmlformats.org/officeDocument/2006/math" xmlns="" val="1"/>
+              <ma14:wrappingTextBoxFlag xmlns="" xmlns:m="http://schemas.openxmlformats.org/officeDocument/2006/math" xmlns:a14="http://schemas.microsoft.com/office/drawing/2010/main" xmlns:ma14="http://schemas.microsoft.com/office/mac/drawingml/2011/main" val="1"/>
             </a:ext>
           </a:extLst>
         </p:spPr>
@@ -26652,7 +27437,7 @@
           </a:ln>
           <a:extLst>
             <a:ext uri="{C572A759-6A51-4108-AA02-DFA0A04FC94B}">
-              <ma14:wrappingTextBoxFlag xmlns:ma14="http://schemas.microsoft.com/office/mac/drawingml/2011/main" xmlns:a14="http://schemas.microsoft.com/office/drawing/2010/main" xmlns:m="http://schemas.openxmlformats.org/officeDocument/2006/math" xmlns="" val="1"/>
+              <ma14:wrappingTextBoxFlag xmlns="" xmlns:m="http://schemas.openxmlformats.org/officeDocument/2006/math" xmlns:a14="http://schemas.microsoft.com/office/drawing/2010/main" xmlns:ma14="http://schemas.microsoft.com/office/mac/drawingml/2011/main" val="1"/>
             </a:ext>
           </a:extLst>
         </p:spPr>
@@ -26960,14 +27745,14 @@
       </p:grpSpPr>
       <p:sp>
         <p:nvSpPr>
-          <p:cNvPr id="816" name="Rectangle"/>
+          <p:cNvPr id="830" name="Rectangle"/>
           <p:cNvSpPr/>
           <p:nvPr/>
         </p:nvSpPr>
         <p:spPr>
           <a:xfrm>
-            <a:off x="0" y="8429422"/>
-            <a:ext cx="24371301" cy="5278810"/>
+            <a:off x="0" y="8550801"/>
+            <a:ext cx="24371301" cy="5157431"/>
           </a:xfrm>
           <a:prstGeom prst="rect">
             <a:avLst/>
@@ -26996,14 +27781,14 @@
       </p:sp>
       <p:sp>
         <p:nvSpPr>
-          <p:cNvPr id="817" name="Rectangle"/>
+          <p:cNvPr id="831" name="Rectangle"/>
           <p:cNvSpPr/>
           <p:nvPr/>
         </p:nvSpPr>
         <p:spPr>
           <a:xfrm>
             <a:off x="3030" y="-36898"/>
-            <a:ext cx="24365240" cy="2711965"/>
+            <a:ext cx="24365240" cy="2344297"/>
           </a:xfrm>
           <a:prstGeom prst="rect">
             <a:avLst/>
@@ -27032,7 +27817,7 @@
       </p:sp>
       <p:sp>
         <p:nvSpPr>
-          <p:cNvPr id="818" name="TextBox 6"/>
+          <p:cNvPr id="832" name="TextBox 6"/>
           <p:cNvSpPr txBox="1">
             <a:spLocks noGrp="1"/>
           </p:cNvSpPr>
@@ -27050,7 +27835,7 @@
           </a:prstGeom>
           <a:extLst>
             <a:ext uri="{C572A759-6A51-4108-AA02-DFA0A04FC94B}">
-              <ma14:wrappingTextBoxFlag xmlns:ma14="http://schemas.microsoft.com/office/mac/drawingml/2011/main" xmlns:a14="http://schemas.microsoft.com/office/drawing/2010/main" xmlns:m="http://schemas.openxmlformats.org/officeDocument/2006/math" xmlns="" val="1"/>
+              <ma14:wrappingTextBoxFlag xmlns="" xmlns:m="http://schemas.openxmlformats.org/officeDocument/2006/math" xmlns:a14="http://schemas.microsoft.com/office/drawing/2010/main" xmlns:ma14="http://schemas.microsoft.com/office/mac/drawingml/2011/main" val="1"/>
             </a:ext>
           </a:extLst>
         </p:spPr>
@@ -27076,7 +27861,7 @@
       </p:sp>
       <p:sp>
         <p:nvSpPr>
-          <p:cNvPr id="819" name="Group 3"/>
+          <p:cNvPr id="833" name="Group 3"/>
           <p:cNvSpPr/>
           <p:nvPr/>
         </p:nvSpPr>
@@ -27093,7 +27878,7 @@
           </a:ln>
           <a:extLst>
             <a:ext uri="{C572A759-6A51-4108-AA02-DFA0A04FC94B}">
-              <ma14:wrappingTextBoxFlag xmlns:ma14="http://schemas.microsoft.com/office/mac/drawingml/2011/main" xmlns:a14="http://schemas.microsoft.com/office/drawing/2010/main" xmlns:m="http://schemas.openxmlformats.org/officeDocument/2006/math" xmlns="" val="1"/>
+              <ma14:wrappingTextBoxFlag xmlns="" xmlns:m="http://schemas.openxmlformats.org/officeDocument/2006/math" xmlns:a14="http://schemas.microsoft.com/office/drawing/2010/main" xmlns:ma14="http://schemas.microsoft.com/office/mac/drawingml/2011/main" val="1"/>
             </a:ext>
           </a:extLst>
         </p:spPr>
@@ -27123,7 +27908,7 @@
       </p:sp>
       <p:grpSp>
         <p:nvGrpSpPr>
-          <p:cNvPr id="822" name="Group"/>
+          <p:cNvPr id="836" name="Group"/>
           <p:cNvGrpSpPr/>
           <p:nvPr/>
         </p:nvGrpSpPr>
@@ -27137,7 +27922,7 @@
         </p:grpSpPr>
         <p:sp>
           <p:nvSpPr>
-            <p:cNvPr id="820" name="Freeform 15"/>
+            <p:cNvPr id="834" name="Freeform 15"/>
             <p:cNvSpPr/>
             <p:nvPr/>
           </p:nvSpPr>
@@ -27235,7 +28020,7 @@
         </p:sp>
         <p:sp>
           <p:nvSpPr>
-            <p:cNvPr id="821" name="Freeform 25"/>
+            <p:cNvPr id="835" name="Freeform 25"/>
             <p:cNvSpPr/>
             <p:nvPr/>
           </p:nvSpPr>
@@ -27333,7 +28118,7 @@
       </p:grpSp>
       <p:sp>
         <p:nvSpPr>
-          <p:cNvPr id="823" name="SCRATCH"/>
+          <p:cNvPr id="837" name="SCRATCH"/>
           <p:cNvSpPr txBox="1"/>
           <p:nvPr/>
         </p:nvSpPr>
@@ -27350,7 +28135,7 @@
           </a:ln>
           <a:extLst>
             <a:ext uri="{C572A759-6A51-4108-AA02-DFA0A04FC94B}">
-              <ma14:wrappingTextBoxFlag xmlns:ma14="http://schemas.microsoft.com/office/mac/drawingml/2011/main" xmlns:a14="http://schemas.microsoft.com/office/drawing/2010/main" xmlns:m="http://schemas.openxmlformats.org/officeDocument/2006/math" xmlns="" val="1"/>
+              <ma14:wrappingTextBoxFlag xmlns="" xmlns:m="http://schemas.openxmlformats.org/officeDocument/2006/math" xmlns:a14="http://schemas.microsoft.com/office/drawing/2010/main" xmlns:ma14="http://schemas.microsoft.com/office/mac/drawingml/2011/main" val="1"/>
             </a:ext>
           </a:extLst>
         </p:spPr>
@@ -27382,7 +28167,7 @@
       </p:sp>
       <p:grpSp>
         <p:nvGrpSpPr>
-          <p:cNvPr id="826" name="Group"/>
+          <p:cNvPr id="840" name="Group"/>
           <p:cNvGrpSpPr/>
           <p:nvPr/>
         </p:nvGrpSpPr>
@@ -27396,7 +28181,7 @@
         </p:grpSpPr>
         <p:sp>
           <p:nvSpPr>
-            <p:cNvPr id="824" name="Freeform 15"/>
+            <p:cNvPr id="838" name="Freeform 15"/>
             <p:cNvSpPr/>
             <p:nvPr/>
           </p:nvSpPr>
@@ -27494,7 +28279,7 @@
         </p:sp>
         <p:sp>
           <p:nvSpPr>
-            <p:cNvPr id="825" name="Freeform 25"/>
+            <p:cNvPr id="839" name="Freeform 25"/>
             <p:cNvSpPr/>
             <p:nvPr/>
           </p:nvSpPr>
@@ -27592,7 +28377,7 @@
       </p:grpSp>
       <p:sp>
         <p:nvSpPr>
-          <p:cNvPr id="827" name="SCRATCH"/>
+          <p:cNvPr id="841" name="SCRATCH"/>
           <p:cNvSpPr txBox="1"/>
           <p:nvPr/>
         </p:nvSpPr>
@@ -27609,7 +28394,7 @@
           </a:ln>
           <a:extLst>
             <a:ext uri="{C572A759-6A51-4108-AA02-DFA0A04FC94B}">
-              <ma14:wrappingTextBoxFlag xmlns:ma14="http://schemas.microsoft.com/office/mac/drawingml/2011/main" xmlns:a14="http://schemas.microsoft.com/office/drawing/2010/main" xmlns:m="http://schemas.openxmlformats.org/officeDocument/2006/math" xmlns="" val="1"/>
+              <ma14:wrappingTextBoxFlag xmlns="" xmlns:m="http://schemas.openxmlformats.org/officeDocument/2006/math" xmlns:a14="http://schemas.microsoft.com/office/drawing/2010/main" xmlns:ma14="http://schemas.microsoft.com/office/mac/drawingml/2011/main" val="1"/>
             </a:ext>
           </a:extLst>
         </p:spPr>
@@ -27641,7 +28426,7 @@
       </p:sp>
       <p:grpSp>
         <p:nvGrpSpPr>
-          <p:cNvPr id="830" name="Group"/>
+          <p:cNvPr id="844" name="Group"/>
           <p:cNvGrpSpPr/>
           <p:nvPr/>
         </p:nvGrpSpPr>
@@ -27655,7 +28440,7 @@
         </p:grpSpPr>
         <p:sp>
           <p:nvSpPr>
-            <p:cNvPr id="828" name="Freeform 15"/>
+            <p:cNvPr id="842" name="Freeform 15"/>
             <p:cNvSpPr/>
             <p:nvPr/>
           </p:nvSpPr>
@@ -27753,7 +28538,7 @@
         </p:sp>
         <p:sp>
           <p:nvSpPr>
-            <p:cNvPr id="829" name="Freeform 25"/>
+            <p:cNvPr id="843" name="Freeform 25"/>
             <p:cNvSpPr/>
             <p:nvPr/>
           </p:nvSpPr>
@@ -27851,7 +28636,7 @@
       </p:grpSp>
       <p:sp>
         <p:nvSpPr>
-          <p:cNvPr id="831" name="SCRATCH"/>
+          <p:cNvPr id="845" name="SCRATCH"/>
           <p:cNvSpPr txBox="1"/>
           <p:nvPr/>
         </p:nvSpPr>
@@ -27868,7 +28653,7 @@
           </a:ln>
           <a:extLst>
             <a:ext uri="{C572A759-6A51-4108-AA02-DFA0A04FC94B}">
-              <ma14:wrappingTextBoxFlag xmlns:ma14="http://schemas.microsoft.com/office/mac/drawingml/2011/main" xmlns:a14="http://schemas.microsoft.com/office/drawing/2010/main" xmlns:m="http://schemas.openxmlformats.org/officeDocument/2006/math" xmlns="" val="1"/>
+              <ma14:wrappingTextBoxFlag xmlns="" xmlns:m="http://schemas.openxmlformats.org/officeDocument/2006/math" xmlns:a14="http://schemas.microsoft.com/office/drawing/2010/main" xmlns:ma14="http://schemas.microsoft.com/office/mac/drawingml/2011/main" val="1"/>
             </a:ext>
           </a:extLst>
         </p:spPr>
@@ -27900,7 +28685,7 @@
       </p:sp>
       <p:grpSp>
         <p:nvGrpSpPr>
-          <p:cNvPr id="834" name="Group"/>
+          <p:cNvPr id="848" name="Group"/>
           <p:cNvGrpSpPr/>
           <p:nvPr/>
         </p:nvGrpSpPr>
@@ -27914,7 +28699,7 @@
         </p:grpSpPr>
         <p:sp>
           <p:nvSpPr>
-            <p:cNvPr id="832" name="Freeform 15"/>
+            <p:cNvPr id="846" name="Freeform 15"/>
             <p:cNvSpPr/>
             <p:nvPr/>
           </p:nvSpPr>
@@ -28012,7 +28797,7 @@
         </p:sp>
         <p:sp>
           <p:nvSpPr>
-            <p:cNvPr id="833" name="Freeform 25"/>
+            <p:cNvPr id="847" name="Freeform 25"/>
             <p:cNvSpPr/>
             <p:nvPr/>
           </p:nvSpPr>
@@ -28110,7 +28895,7 @@
       </p:grpSp>
       <p:sp>
         <p:nvSpPr>
-          <p:cNvPr id="835" name="SCRATCH"/>
+          <p:cNvPr id="849" name="SCRATCH"/>
           <p:cNvSpPr txBox="1"/>
           <p:nvPr/>
         </p:nvSpPr>
@@ -28127,7 +28912,7 @@
           </a:ln>
           <a:extLst>
             <a:ext uri="{C572A759-6A51-4108-AA02-DFA0A04FC94B}">
-              <ma14:wrappingTextBoxFlag xmlns:ma14="http://schemas.microsoft.com/office/mac/drawingml/2011/main" xmlns:a14="http://schemas.microsoft.com/office/drawing/2010/main" xmlns:m="http://schemas.openxmlformats.org/officeDocument/2006/math" xmlns="" val="1"/>
+              <ma14:wrappingTextBoxFlag xmlns="" xmlns:m="http://schemas.openxmlformats.org/officeDocument/2006/math" xmlns:a14="http://schemas.microsoft.com/office/drawing/2010/main" xmlns:ma14="http://schemas.microsoft.com/office/mac/drawingml/2011/main" val="1"/>
             </a:ext>
           </a:extLst>
         </p:spPr>
@@ -28159,7 +28944,7 @@
       </p:sp>
       <p:sp>
         <p:nvSpPr>
-          <p:cNvPr id="836" name="Line"/>
+          <p:cNvPr id="850" name="Line"/>
           <p:cNvSpPr/>
           <p:nvPr/>
         </p:nvSpPr>
@@ -28188,7 +28973,7 @@
       </p:sp>
       <p:sp>
         <p:nvSpPr>
-          <p:cNvPr id="837" name="Line"/>
+          <p:cNvPr id="851" name="Line"/>
           <p:cNvSpPr/>
           <p:nvPr/>
         </p:nvSpPr>
@@ -28217,7 +29002,7 @@
       </p:sp>
       <p:sp>
         <p:nvSpPr>
-          <p:cNvPr id="918" name="Connection Line"/>
+          <p:cNvPr id="940" name="Connection Line"/>
           <p:cNvSpPr/>
           <p:nvPr/>
         </p:nvSpPr>
@@ -28275,7 +29060,7 @@
       </p:sp>
       <p:sp>
         <p:nvSpPr>
-          <p:cNvPr id="919" name="Connection Line"/>
+          <p:cNvPr id="941" name="Connection Line"/>
           <p:cNvSpPr/>
           <p:nvPr/>
         </p:nvSpPr>
@@ -28333,7 +29118,7 @@
       </p:sp>
       <p:sp>
         <p:nvSpPr>
-          <p:cNvPr id="920" name="Connection Line"/>
+          <p:cNvPr id="942" name="Connection Line"/>
           <p:cNvSpPr/>
           <p:nvPr/>
         </p:nvSpPr>
@@ -28391,7 +29176,7 @@
       </p:sp>
       <p:sp>
         <p:nvSpPr>
-          <p:cNvPr id="921" name="Connection Line"/>
+          <p:cNvPr id="943" name="Connection Line"/>
           <p:cNvSpPr/>
           <p:nvPr/>
         </p:nvSpPr>
@@ -28449,7 +29234,7 @@
       </p:sp>
       <p:sp>
         <p:nvSpPr>
-          <p:cNvPr id="922" name="Connection Line"/>
+          <p:cNvPr id="944" name="Connection Line"/>
           <p:cNvSpPr/>
           <p:nvPr/>
         </p:nvSpPr>
@@ -28507,7 +29292,7 @@
       </p:sp>
       <p:sp>
         <p:nvSpPr>
-          <p:cNvPr id="923" name="Connection Line"/>
+          <p:cNvPr id="945" name="Connection Line"/>
           <p:cNvSpPr/>
           <p:nvPr/>
         </p:nvSpPr>
@@ -28565,7 +29350,7 @@
       </p:sp>
       <p:sp>
         <p:nvSpPr>
-          <p:cNvPr id="924" name="Connection Line"/>
+          <p:cNvPr id="946" name="Connection Line"/>
           <p:cNvSpPr/>
           <p:nvPr/>
         </p:nvSpPr>
@@ -28623,7 +29408,7 @@
       </p:sp>
       <p:sp>
         <p:nvSpPr>
-          <p:cNvPr id="925" name="Connection Line"/>
+          <p:cNvPr id="947" name="Connection Line"/>
           <p:cNvSpPr/>
           <p:nvPr/>
         </p:nvSpPr>
@@ -28681,7 +29466,7 @@
       </p:sp>
       <p:sp>
         <p:nvSpPr>
-          <p:cNvPr id="926" name="Connection Line"/>
+          <p:cNvPr id="948" name="Connection Line"/>
           <p:cNvSpPr/>
           <p:nvPr/>
         </p:nvSpPr>
@@ -28739,7 +29524,7 @@
       </p:sp>
       <p:sp>
         <p:nvSpPr>
-          <p:cNvPr id="927" name="Connection Line"/>
+          <p:cNvPr id="949" name="Connection Line"/>
           <p:cNvSpPr/>
           <p:nvPr/>
         </p:nvSpPr>
@@ -28797,7 +29582,7 @@
       </p:sp>
       <p:sp>
         <p:nvSpPr>
-          <p:cNvPr id="928" name="Connection Line"/>
+          <p:cNvPr id="950" name="Connection Line"/>
           <p:cNvSpPr/>
           <p:nvPr/>
         </p:nvSpPr>
@@ -28855,7 +29640,7 @@
       </p:sp>
       <p:grpSp>
         <p:nvGrpSpPr>
-          <p:cNvPr id="851" name="Group"/>
+          <p:cNvPr id="865" name="Group"/>
           <p:cNvGrpSpPr/>
           <p:nvPr/>
         </p:nvGrpSpPr>
@@ -28869,7 +29654,7 @@
         </p:grpSpPr>
         <p:sp>
           <p:nvSpPr>
-            <p:cNvPr id="849" name="Freeform 15"/>
+            <p:cNvPr id="863" name="Freeform 15"/>
             <p:cNvSpPr/>
             <p:nvPr/>
           </p:nvSpPr>
@@ -28967,7 +29752,7 @@
         </p:sp>
         <p:sp>
           <p:nvSpPr>
-            <p:cNvPr id="850" name="Freeform 25"/>
+            <p:cNvPr id="864" name="Freeform 25"/>
             <p:cNvSpPr/>
             <p:nvPr/>
           </p:nvSpPr>
@@ -29068,7 +29853,7 @@
       </p:grpSp>
       <p:sp>
         <p:nvSpPr>
-          <p:cNvPr id="852" name="Freeform 15"/>
+          <p:cNvPr id="866" name="Freeform 15"/>
           <p:cNvSpPr/>
           <p:nvPr/>
         </p:nvSpPr>
@@ -29160,7 +29945,7 @@
       </p:sp>
       <p:sp>
         <p:nvSpPr>
-          <p:cNvPr id="853" name="Freeform 25"/>
+          <p:cNvPr id="867" name="Freeform 25"/>
           <p:cNvSpPr/>
           <p:nvPr/>
         </p:nvSpPr>
@@ -29255,7 +30040,7 @@
       </p:sp>
       <p:sp>
         <p:nvSpPr>
-          <p:cNvPr id="854" name="Freeform 15"/>
+          <p:cNvPr id="868" name="Freeform 15"/>
           <p:cNvSpPr/>
           <p:nvPr/>
         </p:nvSpPr>
@@ -29347,7 +30132,7 @@
       </p:sp>
       <p:sp>
         <p:nvSpPr>
-          <p:cNvPr id="855" name="Freeform 25"/>
+          <p:cNvPr id="869" name="Freeform 25"/>
           <p:cNvSpPr/>
           <p:nvPr/>
         </p:nvSpPr>
@@ -29442,7 +30227,7 @@
       </p:sp>
       <p:sp>
         <p:nvSpPr>
-          <p:cNvPr id="856" name="Freeform 15"/>
+          <p:cNvPr id="870" name="Freeform 15"/>
           <p:cNvSpPr/>
           <p:nvPr/>
         </p:nvSpPr>
@@ -29534,7 +30319,7 @@
       </p:sp>
       <p:sp>
         <p:nvSpPr>
-          <p:cNvPr id="857" name="Freeform 25"/>
+          <p:cNvPr id="871" name="Freeform 25"/>
           <p:cNvSpPr/>
           <p:nvPr/>
         </p:nvSpPr>
@@ -29629,7 +30414,7 @@
       </p:sp>
       <p:sp>
         <p:nvSpPr>
-          <p:cNvPr id="858" name="ARCHIVE"/>
+          <p:cNvPr id="872" name="ARCHIVE"/>
           <p:cNvSpPr txBox="1"/>
           <p:nvPr/>
         </p:nvSpPr>
@@ -29646,7 +30431,7 @@
           </a:ln>
           <a:extLst>
             <a:ext uri="{C572A759-6A51-4108-AA02-DFA0A04FC94B}">
-              <ma14:wrappingTextBoxFlag xmlns:ma14="http://schemas.microsoft.com/office/mac/drawingml/2011/main" xmlns:a14="http://schemas.microsoft.com/office/drawing/2010/main" xmlns:m="http://schemas.openxmlformats.org/officeDocument/2006/math" xmlns="" val="1"/>
+              <ma14:wrappingTextBoxFlag xmlns="" xmlns:m="http://schemas.openxmlformats.org/officeDocument/2006/math" xmlns:a14="http://schemas.microsoft.com/office/drawing/2010/main" xmlns:ma14="http://schemas.microsoft.com/office/mac/drawingml/2011/main" val="1"/>
             </a:ext>
           </a:extLst>
         </p:spPr>
@@ -29674,7 +30459,7 @@
       </p:sp>
       <p:sp>
         <p:nvSpPr>
-          <p:cNvPr id="859" name="DATA"/>
+          <p:cNvPr id="873" name="DATA"/>
           <p:cNvSpPr txBox="1"/>
           <p:nvPr/>
         </p:nvSpPr>
@@ -29691,7 +30476,7 @@
           </a:ln>
           <a:extLst>
             <a:ext uri="{C572A759-6A51-4108-AA02-DFA0A04FC94B}">
-              <ma14:wrappingTextBoxFlag xmlns:ma14="http://schemas.microsoft.com/office/mac/drawingml/2011/main" xmlns:a14="http://schemas.microsoft.com/office/drawing/2010/main" xmlns:m="http://schemas.openxmlformats.org/officeDocument/2006/math" xmlns="" val="1"/>
+              <ma14:wrappingTextBoxFlag xmlns="" xmlns:m="http://schemas.openxmlformats.org/officeDocument/2006/math" xmlns:a14="http://schemas.microsoft.com/office/drawing/2010/main" xmlns:ma14="http://schemas.microsoft.com/office/mac/drawingml/2011/main" val="1"/>
             </a:ext>
           </a:extLst>
         </p:spPr>
@@ -29719,7 +30504,7 @@
       </p:sp>
       <p:sp>
         <p:nvSpPr>
-          <p:cNvPr id="860" name="PEOPLE"/>
+          <p:cNvPr id="874" name="PEOPLE"/>
           <p:cNvSpPr txBox="1"/>
           <p:nvPr/>
         </p:nvSpPr>
@@ -29736,7 +30521,7 @@
           </a:ln>
           <a:extLst>
             <a:ext uri="{C572A759-6A51-4108-AA02-DFA0A04FC94B}">
-              <ma14:wrappingTextBoxFlag xmlns:ma14="http://schemas.microsoft.com/office/mac/drawingml/2011/main" xmlns:a14="http://schemas.microsoft.com/office/drawing/2010/main" xmlns:m="http://schemas.openxmlformats.org/officeDocument/2006/math" xmlns="" val="1"/>
+              <ma14:wrappingTextBoxFlag xmlns="" xmlns:m="http://schemas.openxmlformats.org/officeDocument/2006/math" xmlns:a14="http://schemas.microsoft.com/office/drawing/2010/main" xmlns:ma14="http://schemas.microsoft.com/office/mac/drawingml/2011/main" val="1"/>
             </a:ext>
           </a:extLst>
         </p:spPr>
@@ -29764,7 +30549,7 @@
       </p:sp>
       <p:grpSp>
         <p:nvGrpSpPr>
-          <p:cNvPr id="863" name="Group"/>
+          <p:cNvPr id="877" name="Group"/>
           <p:cNvGrpSpPr/>
           <p:nvPr/>
         </p:nvGrpSpPr>
@@ -29778,7 +30563,7 @@
         </p:grpSpPr>
         <p:sp>
           <p:nvSpPr>
-            <p:cNvPr id="861" name="Freeform 15"/>
+            <p:cNvPr id="875" name="Freeform 15"/>
             <p:cNvSpPr/>
             <p:nvPr/>
           </p:nvSpPr>
@@ -29876,7 +30661,7 @@
         </p:sp>
         <p:sp>
           <p:nvSpPr>
-            <p:cNvPr id="862" name="Freeform 25"/>
+            <p:cNvPr id="876" name="Freeform 25"/>
             <p:cNvSpPr/>
             <p:nvPr/>
           </p:nvSpPr>
@@ -29977,7 +30762,7 @@
       </p:grpSp>
       <p:sp>
         <p:nvSpPr>
-          <p:cNvPr id="864" name="GENERATED"/>
+          <p:cNvPr id="878" name="GENERATED"/>
           <p:cNvSpPr txBox="1"/>
           <p:nvPr/>
         </p:nvSpPr>
@@ -29994,7 +30779,7 @@
           </a:ln>
           <a:extLst>
             <a:ext uri="{C572A759-6A51-4108-AA02-DFA0A04FC94B}">
-              <ma14:wrappingTextBoxFlag xmlns:ma14="http://schemas.microsoft.com/office/mac/drawingml/2011/main" xmlns:a14="http://schemas.microsoft.com/office/drawing/2010/main" xmlns:m="http://schemas.openxmlformats.org/officeDocument/2006/math" xmlns="" val="1"/>
+              <ma14:wrappingTextBoxFlag xmlns="" xmlns:m="http://schemas.openxmlformats.org/officeDocument/2006/math" xmlns:a14="http://schemas.microsoft.com/office/drawing/2010/main" xmlns:ma14="http://schemas.microsoft.com/office/mac/drawingml/2011/main" val="1"/>
             </a:ext>
           </a:extLst>
         </p:spPr>
@@ -30022,7 +30807,7 @@
       </p:sp>
       <p:sp>
         <p:nvSpPr>
-          <p:cNvPr id="865" name="Freeform 15"/>
+          <p:cNvPr id="879" name="Freeform 15"/>
           <p:cNvSpPr/>
           <p:nvPr/>
         </p:nvSpPr>
@@ -30114,7 +30899,7 @@
       </p:sp>
       <p:sp>
         <p:nvSpPr>
-          <p:cNvPr id="866" name="Freeform 25"/>
+          <p:cNvPr id="880" name="Freeform 25"/>
           <p:cNvSpPr/>
           <p:nvPr/>
         </p:nvSpPr>
@@ -30209,7 +30994,7 @@
       </p:sp>
       <p:sp>
         <p:nvSpPr>
-          <p:cNvPr id="867" name="SCRATCH"/>
+          <p:cNvPr id="881" name="SCRATCH"/>
           <p:cNvSpPr txBox="1"/>
           <p:nvPr/>
         </p:nvSpPr>
@@ -30226,7 +31011,7 @@
           </a:ln>
           <a:extLst>
             <a:ext uri="{C572A759-6A51-4108-AA02-DFA0A04FC94B}">
-              <ma14:wrappingTextBoxFlag xmlns:ma14="http://schemas.microsoft.com/office/mac/drawingml/2011/main" xmlns:a14="http://schemas.microsoft.com/office/drawing/2010/main" xmlns:m="http://schemas.openxmlformats.org/officeDocument/2006/math" xmlns="" val="1"/>
+              <ma14:wrappingTextBoxFlag xmlns="" xmlns:m="http://schemas.openxmlformats.org/officeDocument/2006/math" xmlns:a14="http://schemas.microsoft.com/office/drawing/2010/main" xmlns:ma14="http://schemas.microsoft.com/office/mac/drawingml/2011/main" val="1"/>
             </a:ext>
           </a:extLst>
         </p:spPr>
@@ -30254,7 +31039,7 @@
       </p:sp>
       <p:sp>
         <p:nvSpPr>
-          <p:cNvPr id="868" name="GENERATED"/>
+          <p:cNvPr id="882" name="GENERATED"/>
           <p:cNvSpPr txBox="1"/>
           <p:nvPr/>
         </p:nvSpPr>
@@ -30271,7 +31056,7 @@
           </a:ln>
           <a:extLst>
             <a:ext uri="{C572A759-6A51-4108-AA02-DFA0A04FC94B}">
-              <ma14:wrappingTextBoxFlag xmlns:ma14="http://schemas.microsoft.com/office/mac/drawingml/2011/main" xmlns:a14="http://schemas.microsoft.com/office/drawing/2010/main" xmlns:m="http://schemas.openxmlformats.org/officeDocument/2006/math" xmlns="" val="1"/>
+              <ma14:wrappingTextBoxFlag xmlns="" xmlns:m="http://schemas.openxmlformats.org/officeDocument/2006/math" xmlns:a14="http://schemas.microsoft.com/office/drawing/2010/main" xmlns:ma14="http://schemas.microsoft.com/office/mac/drawingml/2011/main" val="1"/>
             </a:ext>
           </a:extLst>
         </p:spPr>
@@ -30299,7 +31084,7 @@
       </p:sp>
       <p:grpSp>
         <p:nvGrpSpPr>
-          <p:cNvPr id="871" name="Group"/>
+          <p:cNvPr id="885" name="Group"/>
           <p:cNvGrpSpPr/>
           <p:nvPr/>
         </p:nvGrpSpPr>
@@ -30313,7 +31098,7 @@
         </p:grpSpPr>
         <p:sp>
           <p:nvSpPr>
-            <p:cNvPr id="869" name="Freeform 15"/>
+            <p:cNvPr id="883" name="Freeform 15"/>
             <p:cNvSpPr/>
             <p:nvPr/>
           </p:nvSpPr>
@@ -30411,7 +31196,7 @@
         </p:sp>
         <p:sp>
           <p:nvSpPr>
-            <p:cNvPr id="870" name="Freeform 25"/>
+            <p:cNvPr id="884" name="Freeform 25"/>
             <p:cNvSpPr/>
             <p:nvPr/>
           </p:nvSpPr>
@@ -30512,7 +31297,7 @@
       </p:grpSp>
       <p:grpSp>
         <p:nvGrpSpPr>
-          <p:cNvPr id="874" name="Group"/>
+          <p:cNvPr id="888" name="Group"/>
           <p:cNvGrpSpPr/>
           <p:nvPr/>
         </p:nvGrpSpPr>
@@ -30526,7 +31311,7 @@
         </p:grpSpPr>
         <p:sp>
           <p:nvSpPr>
-            <p:cNvPr id="872" name="Freeform 15"/>
+            <p:cNvPr id="886" name="Freeform 15"/>
             <p:cNvSpPr/>
             <p:nvPr/>
           </p:nvSpPr>
@@ -30624,7 +31409,7 @@
         </p:sp>
         <p:sp>
           <p:nvSpPr>
-            <p:cNvPr id="873" name="Freeform 25"/>
+            <p:cNvPr id="887" name="Freeform 25"/>
             <p:cNvSpPr/>
             <p:nvPr/>
           </p:nvSpPr>
@@ -30725,7 +31510,7 @@
       </p:grpSp>
       <p:sp>
         <p:nvSpPr>
-          <p:cNvPr id="875" name="GENERATED"/>
+          <p:cNvPr id="889" name="GENERATED"/>
           <p:cNvSpPr txBox="1"/>
           <p:nvPr/>
         </p:nvSpPr>
@@ -30742,7 +31527,7 @@
           </a:ln>
           <a:extLst>
             <a:ext uri="{C572A759-6A51-4108-AA02-DFA0A04FC94B}">
-              <ma14:wrappingTextBoxFlag xmlns:ma14="http://schemas.microsoft.com/office/mac/drawingml/2011/main" xmlns:a14="http://schemas.microsoft.com/office/drawing/2010/main" xmlns:m="http://schemas.openxmlformats.org/officeDocument/2006/math" xmlns="" val="1"/>
+              <ma14:wrappingTextBoxFlag xmlns="" xmlns:m="http://schemas.openxmlformats.org/officeDocument/2006/math" xmlns:a14="http://schemas.microsoft.com/office/drawing/2010/main" xmlns:ma14="http://schemas.microsoft.com/office/mac/drawingml/2011/main" val="1"/>
             </a:ext>
           </a:extLst>
         </p:spPr>
@@ -30770,7 +31555,7 @@
       </p:sp>
       <p:sp>
         <p:nvSpPr>
-          <p:cNvPr id="876" name="GENERATED"/>
+          <p:cNvPr id="890" name="GENERATED"/>
           <p:cNvSpPr txBox="1"/>
           <p:nvPr/>
         </p:nvSpPr>
@@ -30787,7 +31572,7 @@
           </a:ln>
           <a:extLst>
             <a:ext uri="{C572A759-6A51-4108-AA02-DFA0A04FC94B}">
-              <ma14:wrappingTextBoxFlag xmlns:ma14="http://schemas.microsoft.com/office/mac/drawingml/2011/main" xmlns:a14="http://schemas.microsoft.com/office/drawing/2010/main" xmlns:m="http://schemas.openxmlformats.org/officeDocument/2006/math" xmlns="" val="1"/>
+              <ma14:wrappingTextBoxFlag xmlns="" xmlns:m="http://schemas.openxmlformats.org/officeDocument/2006/math" xmlns:a14="http://schemas.microsoft.com/office/drawing/2010/main" xmlns:ma14="http://schemas.microsoft.com/office/mac/drawingml/2011/main" val="1"/>
             </a:ext>
           </a:extLst>
         </p:spPr>
@@ -30815,7 +31600,7 @@
       </p:sp>
       <p:sp>
         <p:nvSpPr>
-          <p:cNvPr id="877" name="Freeform 15"/>
+          <p:cNvPr id="891" name="Freeform 15"/>
           <p:cNvSpPr/>
           <p:nvPr/>
         </p:nvSpPr>
@@ -30907,7 +31692,7 @@
       </p:sp>
       <p:sp>
         <p:nvSpPr>
-          <p:cNvPr id="878" name="Freeform 25"/>
+          <p:cNvPr id="892" name="Freeform 25"/>
           <p:cNvSpPr/>
           <p:nvPr/>
         </p:nvSpPr>
@@ -31002,7 +31787,7 @@
       </p:sp>
       <p:sp>
         <p:nvSpPr>
-          <p:cNvPr id="879" name="Freeform 15"/>
+          <p:cNvPr id="893" name="Freeform 15"/>
           <p:cNvSpPr/>
           <p:nvPr/>
         </p:nvSpPr>
@@ -31094,7 +31879,7 @@
       </p:sp>
       <p:sp>
         <p:nvSpPr>
-          <p:cNvPr id="880" name="Freeform 25"/>
+          <p:cNvPr id="894" name="Freeform 25"/>
           <p:cNvSpPr/>
           <p:nvPr/>
         </p:nvSpPr>
@@ -31189,14 +31974,14 @@
       </p:sp>
       <p:sp>
         <p:nvSpPr>
-          <p:cNvPr id="881" name="GENERATED"/>
+          <p:cNvPr id="895" name="GENERATED"/>
           <p:cNvSpPr txBox="1"/>
           <p:nvPr/>
         </p:nvSpPr>
         <p:spPr>
           <a:xfrm>
-            <a:off x="2151195" y="12321404"/>
-            <a:ext cx="1409080" cy="572393"/>
+            <a:off x="2151195" y="12308471"/>
+            <a:ext cx="1662766" cy="560612"/>
           </a:xfrm>
           <a:prstGeom prst="rect">
             <a:avLst/>
@@ -31206,7 +31991,7 @@
           </a:ln>
           <a:extLst>
             <a:ext uri="{C572A759-6A51-4108-AA02-DFA0A04FC94B}">
-              <ma14:wrappingTextBoxFlag xmlns:ma14="http://schemas.microsoft.com/office/mac/drawingml/2011/main" xmlns:a14="http://schemas.microsoft.com/office/drawing/2010/main" xmlns:m="http://schemas.openxmlformats.org/officeDocument/2006/math" xmlns="" val="1"/>
+              <ma14:wrappingTextBoxFlag xmlns="" xmlns:m="http://schemas.openxmlformats.org/officeDocument/2006/math" xmlns:a14="http://schemas.microsoft.com/office/drawing/2010/main" xmlns:ma14="http://schemas.microsoft.com/office/mac/drawingml/2011/main" val="1"/>
             </a:ext>
           </a:extLst>
         </p:spPr>
@@ -31227,6 +32012,7 @@
           </a:lstStyle>
           <a:p>
             <a:r>
+              <a:rPr dirty="0"/>
               <a:t>TABLES</a:t>
             </a:r>
           </a:p>
@@ -31234,7 +32020,7 @@
       </p:sp>
       <p:sp>
         <p:nvSpPr>
-          <p:cNvPr id="882" name="GENERATED"/>
+          <p:cNvPr id="896" name="GENERATED"/>
           <p:cNvSpPr txBox="1"/>
           <p:nvPr/>
         </p:nvSpPr>
@@ -31251,7 +32037,7 @@
           </a:ln>
           <a:extLst>
             <a:ext uri="{C572A759-6A51-4108-AA02-DFA0A04FC94B}">
-              <ma14:wrappingTextBoxFlag xmlns:ma14="http://schemas.microsoft.com/office/mac/drawingml/2011/main" xmlns:a14="http://schemas.microsoft.com/office/drawing/2010/main" xmlns:m="http://schemas.openxmlformats.org/officeDocument/2006/math" xmlns="" val="1"/>
+              <ma14:wrappingTextBoxFlag xmlns="" xmlns:m="http://schemas.openxmlformats.org/officeDocument/2006/math" xmlns:a14="http://schemas.microsoft.com/office/drawing/2010/main" xmlns:ma14="http://schemas.microsoft.com/office/mac/drawingml/2011/main" val="1"/>
             </a:ext>
           </a:extLst>
         </p:spPr>
@@ -31279,7 +32065,7 @@
       </p:sp>
       <p:sp>
         <p:nvSpPr>
-          <p:cNvPr id="883" name="Freeform 15"/>
+          <p:cNvPr id="897" name="Freeform 15"/>
           <p:cNvSpPr/>
           <p:nvPr/>
         </p:nvSpPr>
@@ -31371,7 +32157,7 @@
       </p:sp>
       <p:sp>
         <p:nvSpPr>
-          <p:cNvPr id="884" name="Freeform 25"/>
+          <p:cNvPr id="898" name="Freeform 25"/>
           <p:cNvSpPr/>
           <p:nvPr/>
         </p:nvSpPr>
@@ -31466,7 +32252,7 @@
       </p:sp>
       <p:sp>
         <p:nvSpPr>
-          <p:cNvPr id="885" name="PEOPLE"/>
+          <p:cNvPr id="899" name="PEOPLE"/>
           <p:cNvSpPr txBox="1"/>
           <p:nvPr/>
         </p:nvSpPr>
@@ -31483,7 +32269,7 @@
           </a:ln>
           <a:extLst>
             <a:ext uri="{C572A759-6A51-4108-AA02-DFA0A04FC94B}">
-              <ma14:wrappingTextBoxFlag xmlns:ma14="http://schemas.microsoft.com/office/mac/drawingml/2011/main" xmlns:a14="http://schemas.microsoft.com/office/drawing/2010/main" xmlns:m="http://schemas.openxmlformats.org/officeDocument/2006/math" xmlns="" val="1"/>
+              <ma14:wrappingTextBoxFlag xmlns="" xmlns:m="http://schemas.openxmlformats.org/officeDocument/2006/math" xmlns:a14="http://schemas.microsoft.com/office/drawing/2010/main" xmlns:ma14="http://schemas.microsoft.com/office/mac/drawingml/2011/main" val="1"/>
             </a:ext>
           </a:extLst>
         </p:spPr>
@@ -31511,7 +32297,7 @@
       </p:sp>
       <p:sp>
         <p:nvSpPr>
-          <p:cNvPr id="886" name="Line"/>
+          <p:cNvPr id="900" name="Line"/>
           <p:cNvSpPr/>
           <p:nvPr/>
         </p:nvSpPr>
@@ -31540,7 +32326,7 @@
       </p:sp>
       <p:sp>
         <p:nvSpPr>
-          <p:cNvPr id="929" name="Connection Line"/>
+          <p:cNvPr id="951" name="Connection Line"/>
           <p:cNvSpPr/>
           <p:nvPr/>
         </p:nvSpPr>
@@ -31598,7 +32384,7 @@
       </p:sp>
       <p:sp>
         <p:nvSpPr>
-          <p:cNvPr id="888" name="Line"/>
+          <p:cNvPr id="902" name="Line"/>
           <p:cNvSpPr/>
           <p:nvPr/>
         </p:nvSpPr>
@@ -31627,7 +32413,7 @@
       </p:sp>
       <p:sp>
         <p:nvSpPr>
-          <p:cNvPr id="930" name="Connection Line"/>
+          <p:cNvPr id="952" name="Connection Line"/>
           <p:cNvSpPr/>
           <p:nvPr/>
         </p:nvSpPr>
@@ -31685,7 +32471,7 @@
       </p:sp>
       <p:sp>
         <p:nvSpPr>
-          <p:cNvPr id="890" name="Line"/>
+          <p:cNvPr id="904" name="Line"/>
           <p:cNvSpPr/>
           <p:nvPr/>
         </p:nvSpPr>
@@ -31714,7 +32500,7 @@
       </p:sp>
       <p:sp>
         <p:nvSpPr>
-          <p:cNvPr id="931" name="Connection Line"/>
+          <p:cNvPr id="953" name="Connection Line"/>
           <p:cNvSpPr/>
           <p:nvPr/>
         </p:nvSpPr>
@@ -31772,7 +32558,7 @@
       </p:sp>
       <p:grpSp>
         <p:nvGrpSpPr>
-          <p:cNvPr id="897" name="Group"/>
+          <p:cNvPr id="911" name="Group"/>
           <p:cNvGrpSpPr/>
           <p:nvPr/>
         </p:nvGrpSpPr>
@@ -31786,7 +32572,7 @@
         </p:grpSpPr>
         <p:sp>
           <p:nvSpPr>
-            <p:cNvPr id="932" name="Connection Line"/>
+            <p:cNvPr id="954" name="Connection Line"/>
             <p:cNvSpPr/>
             <p:nvPr/>
           </p:nvSpPr>
@@ -31847,7 +32633,7 @@
         </p:sp>
         <p:sp>
           <p:nvSpPr>
-            <p:cNvPr id="933" name="Connection Line"/>
+            <p:cNvPr id="955" name="Connection Line"/>
             <p:cNvSpPr/>
             <p:nvPr/>
           </p:nvSpPr>
@@ -31908,7 +32694,7 @@
         </p:sp>
         <p:grpSp>
           <p:nvGrpSpPr>
-            <p:cNvPr id="896" name="Group"/>
+            <p:cNvPr id="910" name="Group"/>
             <p:cNvGrpSpPr/>
             <p:nvPr/>
           </p:nvGrpSpPr>
@@ -31922,7 +32708,7 @@
           </p:grpSpPr>
           <p:sp>
             <p:nvSpPr>
-              <p:cNvPr id="934" name="Connection Line"/>
+              <p:cNvPr id="956" name="Connection Line"/>
               <p:cNvSpPr/>
               <p:nvPr/>
             </p:nvSpPr>
@@ -31983,7 +32769,7 @@
           </p:sp>
           <p:sp>
             <p:nvSpPr>
-              <p:cNvPr id="935" name="Connection Line"/>
+              <p:cNvPr id="957" name="Connection Line"/>
               <p:cNvSpPr/>
               <p:nvPr/>
             </p:nvSpPr>
@@ -32046,7 +32832,7 @@
       </p:grpSp>
       <p:sp>
         <p:nvSpPr>
-          <p:cNvPr id="898" name="Freeform 15"/>
+          <p:cNvPr id="912" name="Freeform 15"/>
           <p:cNvSpPr/>
           <p:nvPr/>
         </p:nvSpPr>
@@ -32138,7 +32924,7 @@
       </p:sp>
       <p:sp>
         <p:nvSpPr>
-          <p:cNvPr id="899" name="Freeform 25"/>
+          <p:cNvPr id="913" name="Freeform 25"/>
           <p:cNvSpPr/>
           <p:nvPr/>
         </p:nvSpPr>
@@ -32233,7 +33019,7 @@
       </p:sp>
       <p:sp>
         <p:nvSpPr>
-          <p:cNvPr id="900" name="ARCHIVE"/>
+          <p:cNvPr id="914" name="ARCHIVE"/>
           <p:cNvSpPr txBox="1"/>
           <p:nvPr/>
         </p:nvSpPr>
@@ -32250,7 +33036,7 @@
           </a:ln>
           <a:extLst>
             <a:ext uri="{C572A759-6A51-4108-AA02-DFA0A04FC94B}">
-              <ma14:wrappingTextBoxFlag xmlns:ma14="http://schemas.microsoft.com/office/mac/drawingml/2011/main" xmlns:a14="http://schemas.microsoft.com/office/drawing/2010/main" xmlns:m="http://schemas.openxmlformats.org/officeDocument/2006/math" xmlns="" val="1"/>
+              <ma14:wrappingTextBoxFlag xmlns="" xmlns:m="http://schemas.openxmlformats.org/officeDocument/2006/math" xmlns:a14="http://schemas.microsoft.com/office/drawing/2010/main" xmlns:ma14="http://schemas.microsoft.com/office/mac/drawingml/2011/main" val="1"/>
             </a:ext>
           </a:extLst>
         </p:spPr>
@@ -32278,7 +33064,7 @@
       </p:sp>
       <p:sp>
         <p:nvSpPr>
-          <p:cNvPr id="901" name="Line"/>
+          <p:cNvPr id="915" name="Line"/>
           <p:cNvSpPr/>
           <p:nvPr/>
         </p:nvSpPr>
@@ -32307,7 +33093,7 @@
       </p:sp>
       <p:sp>
         <p:nvSpPr>
-          <p:cNvPr id="936" name="Connection Line"/>
+          <p:cNvPr id="958" name="Connection Line"/>
           <p:cNvSpPr/>
           <p:nvPr/>
         </p:nvSpPr>
@@ -32365,7 +33151,7 @@
       </p:sp>
       <p:grpSp>
         <p:nvGrpSpPr>
-          <p:cNvPr id="908" name="Group"/>
+          <p:cNvPr id="922" name="Group"/>
           <p:cNvGrpSpPr/>
           <p:nvPr/>
         </p:nvGrpSpPr>
@@ -32379,7 +33165,7 @@
         </p:grpSpPr>
         <p:sp>
           <p:nvSpPr>
-            <p:cNvPr id="937" name="Connection Line"/>
+            <p:cNvPr id="959" name="Connection Line"/>
             <p:cNvSpPr/>
             <p:nvPr/>
           </p:nvSpPr>
@@ -32440,7 +33226,7 @@
         </p:sp>
         <p:sp>
           <p:nvSpPr>
-            <p:cNvPr id="938" name="Connection Line"/>
+            <p:cNvPr id="960" name="Connection Line"/>
             <p:cNvSpPr/>
             <p:nvPr/>
           </p:nvSpPr>
@@ -32501,7 +33287,7 @@
         </p:sp>
         <p:grpSp>
           <p:nvGrpSpPr>
-            <p:cNvPr id="907" name="Group"/>
+            <p:cNvPr id="921" name="Group"/>
             <p:cNvGrpSpPr/>
             <p:nvPr/>
           </p:nvGrpSpPr>
@@ -32515,7 +33301,7 @@
           </p:grpSpPr>
           <p:sp>
             <p:nvSpPr>
-              <p:cNvPr id="939" name="Connection Line"/>
+              <p:cNvPr id="961" name="Connection Line"/>
               <p:cNvSpPr/>
               <p:nvPr/>
             </p:nvSpPr>
@@ -32576,7 +33362,7 @@
           </p:sp>
           <p:sp>
             <p:nvSpPr>
-              <p:cNvPr id="940" name="Connection Line"/>
+              <p:cNvPr id="962" name="Connection Line"/>
               <p:cNvSpPr/>
               <p:nvPr/>
             </p:nvSpPr>
@@ -32639,13 +33425,13 @@
       </p:grpSp>
       <p:grpSp>
         <p:nvGrpSpPr>
-          <p:cNvPr id="911" name="Group"/>
+          <p:cNvPr id="925" name="Group"/>
           <p:cNvGrpSpPr/>
           <p:nvPr/>
         </p:nvGrpSpPr>
         <p:grpSpPr>
           <a:xfrm>
-            <a:off x="18606637" y="6329386"/>
+            <a:off x="18606637" y="6799286"/>
             <a:ext cx="3033881" cy="1223884"/>
             <a:chOff x="0" y="0"/>
             <a:chExt cx="3033879" cy="1223883"/>
@@ -32653,7 +33439,7 @@
         </p:grpSpPr>
         <p:sp>
           <p:nvSpPr>
-            <p:cNvPr id="909" name="Freeform 15"/>
+            <p:cNvPr id="923" name="Freeform 15"/>
             <p:cNvSpPr/>
             <p:nvPr/>
           </p:nvSpPr>
@@ -32751,7 +33537,463 @@
         </p:sp>
         <p:sp>
           <p:nvSpPr>
-            <p:cNvPr id="910" name="Freeform 25"/>
+            <p:cNvPr id="924" name="Freeform 25"/>
+            <p:cNvSpPr/>
+            <p:nvPr/>
+          </p:nvSpPr>
+          <p:spPr>
+            <a:xfrm>
+              <a:off x="99419" y="98275"/>
+              <a:ext cx="2848477" cy="1026191"/>
+            </a:xfrm>
+            <a:custGeom>
+              <a:avLst/>
+              <a:gdLst/>
+              <a:ahLst/>
+              <a:cxnLst>
+                <a:cxn ang="0">
+                  <a:pos x="wd2" y="hd2"/>
+                </a:cxn>
+                <a:cxn ang="5400000">
+                  <a:pos x="wd2" y="hd2"/>
+                </a:cxn>
+                <a:cxn ang="10800000">
+                  <a:pos x="wd2" y="hd2"/>
+                </a:cxn>
+                <a:cxn ang="16200000">
+                  <a:pos x="wd2" y="hd2"/>
+                </a:cxn>
+              </a:cxnLst>
+              <a:rect l="0" t="0" r="r" b="b"/>
+              <a:pathLst>
+                <a:path w="21600" h="21600" extrusionOk="0">
+                  <a:moveTo>
+                    <a:pt x="4243" y="21600"/>
+                  </a:moveTo>
+                  <a:cubicBezTo>
+                    <a:pt x="1906" y="21600"/>
+                    <a:pt x="0" y="16749"/>
+                    <a:pt x="0" y="10800"/>
+                  </a:cubicBezTo>
+                  <a:cubicBezTo>
+                    <a:pt x="0" y="4851"/>
+                    <a:pt x="1906" y="0"/>
+                    <a:pt x="4243" y="0"/>
+                  </a:cubicBezTo>
+                  <a:cubicBezTo>
+                    <a:pt x="17357" y="0"/>
+                    <a:pt x="17357" y="0"/>
+                    <a:pt x="17357" y="0"/>
+                  </a:cubicBezTo>
+                  <a:cubicBezTo>
+                    <a:pt x="19694" y="0"/>
+                    <a:pt x="21600" y="4851"/>
+                    <a:pt x="21600" y="10800"/>
+                  </a:cubicBezTo>
+                  <a:cubicBezTo>
+                    <a:pt x="21600" y="16749"/>
+                    <a:pt x="19694" y="21600"/>
+                    <a:pt x="17357" y="21600"/>
+                  </a:cubicBezTo>
+                  <a:lnTo>
+                    <a:pt x="4243" y="21600"/>
+                  </a:lnTo>
+                  <a:close/>
+                </a:path>
+              </a:pathLst>
+            </a:custGeom>
+            <a:solidFill>
+              <a:srgbClr val="FFFFFF">
+                <a:alpha val="70161"/>
+              </a:srgbClr>
+            </a:solidFill>
+            <a:ln w="12700" cap="flat">
+              <a:noFill/>
+              <a:miter lim="400000"/>
+            </a:ln>
+            <a:effectLst/>
+          </p:spPr>
+          <p:txBody>
+            <a:bodyPr wrap="square" lIns="45718" tIns="45718" rIns="45718" bIns="45718" numCol="1" anchor="t">
+              <a:noAutofit/>
+            </a:bodyPr>
+            <a:lstStyle/>
+            <a:p>
+              <a:pPr defTabSz="914400">
+                <a:defRPr sz="1800">
+                  <a:solidFill>
+                    <a:srgbClr val="414042"/>
+                  </a:solidFill>
+                  <a:latin typeface="Calibri"/>
+                  <a:ea typeface="Calibri"/>
+                  <a:cs typeface="Calibri"/>
+                  <a:sym typeface="Calibri"/>
+                </a:defRPr>
+              </a:pPr>
+              <a:endParaRPr/>
+            </a:p>
+          </p:txBody>
+        </p:sp>
+      </p:grpSp>
+      <p:sp>
+        <p:nvSpPr>
+          <p:cNvPr id="926" name="SCRATCH"/>
+          <p:cNvSpPr txBox="1"/>
+          <p:nvPr/>
+        </p:nvSpPr>
+        <p:spPr>
+          <a:xfrm>
+            <a:off x="19261590" y="7153874"/>
+            <a:ext cx="1836907" cy="529412"/>
+          </a:xfrm>
+          <a:prstGeom prst="rect">
+            <a:avLst/>
+          </a:prstGeom>
+          <a:ln w="12700">
+            <a:miter lim="400000"/>
+          </a:ln>
+          <a:extLst>
+            <a:ext uri="{C572A759-6A51-4108-AA02-DFA0A04FC94B}">
+              <ma14:wrappingTextBoxFlag xmlns="" xmlns:m="http://schemas.openxmlformats.org/officeDocument/2006/math" xmlns:a14="http://schemas.microsoft.com/office/drawing/2010/main" xmlns:ma14="http://schemas.microsoft.com/office/mac/drawingml/2011/main" val="1"/>
+            </a:ext>
+          </a:extLst>
+        </p:spPr>
+        <p:txBody>
+          <a:bodyPr lIns="50800" tIns="50800" rIns="50800" bIns="50800" anchor="ctr"/>
+          <a:lstStyle>
+            <a:lvl1pPr defTabSz="1828431">
+              <a:defRPr sz="2800">
+                <a:latin typeface="Montserrat Bold"/>
+                <a:ea typeface="Montserrat Bold"/>
+                <a:cs typeface="Montserrat Bold"/>
+                <a:sym typeface="Montserrat Bold"/>
+              </a:defRPr>
+            </a:lvl1pPr>
+          </a:lstStyle>
+          <a:p>
+            <a:r>
+              <a:t>  DRIVE</a:t>
+            </a:r>
+          </a:p>
+        </p:txBody>
+      </p:sp>
+      <p:sp>
+        <p:nvSpPr>
+          <p:cNvPr id="927" name="Rounded Rectangle"/>
+          <p:cNvSpPr/>
+          <p:nvPr/>
+        </p:nvSpPr>
+        <p:spPr>
+          <a:xfrm>
+            <a:off x="17717130" y="3628628"/>
+            <a:ext cx="4812895" cy="4673721"/>
+          </a:xfrm>
+          <a:prstGeom prst="roundRect">
+            <a:avLst>
+              <a:gd name="adj" fmla="val 15186"/>
+            </a:avLst>
+          </a:prstGeom>
+          <a:ln w="38100">
+            <a:solidFill>
+              <a:srgbClr val="FFFFFF"/>
+            </a:solidFill>
+            <a:miter/>
+          </a:ln>
+        </p:spPr>
+        <p:txBody>
+          <a:bodyPr lIns="45719" rIns="45719" anchor="ctr"/>
+          <a:lstStyle/>
+          <a:p>
+            <a:endParaRPr/>
+          </a:p>
+        </p:txBody>
+      </p:sp>
+      <p:sp>
+        <p:nvSpPr>
+          <p:cNvPr id="963" name="Connection Line"/>
+          <p:cNvSpPr/>
+          <p:nvPr/>
+        </p:nvSpPr>
+        <p:spPr>
+          <a:xfrm>
+            <a:off x="17109839" y="6855531"/>
+            <a:ext cx="195027" cy="198265"/>
+          </a:xfrm>
+          <a:custGeom>
+            <a:avLst/>
+            <a:gdLst/>
+            <a:ahLst/>
+            <a:cxnLst>
+              <a:cxn ang="0">
+                <a:pos x="wd2" y="hd2"/>
+              </a:cxn>
+              <a:cxn ang="5400000">
+                <a:pos x="wd2" y="hd2"/>
+              </a:cxn>
+              <a:cxn ang="10800000">
+                <a:pos x="wd2" y="hd2"/>
+              </a:cxn>
+              <a:cxn ang="16200000">
+                <a:pos x="wd2" y="hd2"/>
+              </a:cxn>
+            </a:cxnLst>
+            <a:rect l="0" t="0" r="r" b="b"/>
+            <a:pathLst>
+              <a:path w="16222" h="21600" extrusionOk="0">
+                <a:moveTo>
+                  <a:pt x="0" y="0"/>
+                </a:moveTo>
+                <a:cubicBezTo>
+                  <a:pt x="20841" y="3876"/>
+                  <a:pt x="21600" y="11076"/>
+                  <a:pt x="2278" y="21600"/>
+                </a:cubicBezTo>
+              </a:path>
+            </a:pathLst>
+          </a:custGeom>
+          <a:ln w="38100">
+            <a:solidFill>
+              <a:srgbClr val="FFFFFF"/>
+            </a:solidFill>
+            <a:miter/>
+          </a:ln>
+        </p:spPr>
+        <p:txBody>
+          <a:bodyPr/>
+          <a:lstStyle/>
+          <a:p>
+            <a:endParaRPr/>
+          </a:p>
+        </p:txBody>
+      </p:sp>
+      <p:sp>
+        <p:nvSpPr>
+          <p:cNvPr id="929" name="Line"/>
+          <p:cNvSpPr/>
+          <p:nvPr/>
+        </p:nvSpPr>
+        <p:spPr>
+          <a:xfrm>
+            <a:off x="14282774" y="6941327"/>
+            <a:ext cx="2983622" cy="1"/>
+          </a:xfrm>
+          <a:prstGeom prst="line">
+            <a:avLst/>
+          </a:prstGeom>
+          <a:ln w="38100">
+            <a:solidFill>
+              <a:srgbClr val="FFFFFF"/>
+            </a:solidFill>
+            <a:miter/>
+          </a:ln>
+        </p:spPr>
+        <p:txBody>
+          <a:bodyPr lIns="45719" rIns="45719"/>
+          <a:lstStyle/>
+          <a:p>
+            <a:endParaRPr/>
+          </a:p>
+        </p:txBody>
+      </p:sp>
+      <p:sp>
+        <p:nvSpPr>
+          <p:cNvPr id="930" name="SCRATCH"/>
+          <p:cNvSpPr txBox="1"/>
+          <p:nvPr/>
+        </p:nvSpPr>
+        <p:spPr>
+          <a:xfrm>
+            <a:off x="18189576" y="2610546"/>
+            <a:ext cx="3803135" cy="891010"/>
+          </a:xfrm>
+          <a:prstGeom prst="rect">
+            <a:avLst/>
+          </a:prstGeom>
+          <a:ln w="12700">
+            <a:miter lim="400000"/>
+          </a:ln>
+          <a:extLst>
+            <a:ext uri="{C572A759-6A51-4108-AA02-DFA0A04FC94B}">
+              <ma14:wrappingTextBoxFlag xmlns="" xmlns:m="http://schemas.openxmlformats.org/officeDocument/2006/math" xmlns:a14="http://schemas.microsoft.com/office/drawing/2010/main" xmlns:ma14="http://schemas.microsoft.com/office/mac/drawingml/2011/main" val="1"/>
+            </a:ext>
+          </a:extLst>
+        </p:spPr>
+        <p:txBody>
+          <a:bodyPr lIns="50800" tIns="50800" rIns="50800" bIns="50800" anchor="ctr"/>
+          <a:lstStyle>
+            <a:lvl1pPr defTabSz="1828431">
+              <a:defRPr sz="2800">
+                <a:latin typeface="Montserrat Bold"/>
+                <a:ea typeface="Montserrat Bold"/>
+                <a:cs typeface="Montserrat Bold"/>
+                <a:sym typeface="Montserrat Bold"/>
+              </a:defRPr>
+            </a:lvl1pPr>
+          </a:lstStyle>
+          <a:p>
+            <a:r>
+              <a:t>EXTERNAL BACKUP</a:t>
+            </a:r>
+          </a:p>
+        </p:txBody>
+      </p:sp>
+      <p:sp>
+        <p:nvSpPr>
+          <p:cNvPr id="931" name="SCRATCH"/>
+          <p:cNvSpPr txBox="1"/>
+          <p:nvPr/>
+        </p:nvSpPr>
+        <p:spPr>
+          <a:xfrm>
+            <a:off x="538303" y="2610546"/>
+            <a:ext cx="3803135" cy="891010"/>
+          </a:xfrm>
+          <a:prstGeom prst="rect">
+            <a:avLst/>
+          </a:prstGeom>
+          <a:ln w="12700">
+            <a:miter lim="400000"/>
+          </a:ln>
+          <a:extLst>
+            <a:ext uri="{C572A759-6A51-4108-AA02-DFA0A04FC94B}">
+              <ma14:wrappingTextBoxFlag xmlns="" xmlns:m="http://schemas.openxmlformats.org/officeDocument/2006/math" xmlns:a14="http://schemas.microsoft.com/office/drawing/2010/main" xmlns:ma14="http://schemas.microsoft.com/office/mac/drawingml/2011/main" val="1"/>
+            </a:ext>
+          </a:extLst>
+        </p:spPr>
+        <p:txBody>
+          <a:bodyPr lIns="50800" tIns="50800" rIns="50800" bIns="50800" anchor="ctr"/>
+          <a:lstStyle>
+            <a:lvl1pPr defTabSz="1828431">
+              <a:defRPr sz="2800">
+                <a:latin typeface="Montserrat Bold"/>
+                <a:ea typeface="Montserrat Bold"/>
+                <a:cs typeface="Montserrat Bold"/>
+                <a:sym typeface="Montserrat Bold"/>
+              </a:defRPr>
+            </a:lvl1pPr>
+          </a:lstStyle>
+          <a:p>
+            <a:r>
+              <a:t>LOCAL COMPUTER</a:t>
+            </a:r>
+          </a:p>
+        </p:txBody>
+      </p:sp>
+      <p:grpSp>
+        <p:nvGrpSpPr>
+          <p:cNvPr id="934" name="Group"/>
+          <p:cNvGrpSpPr/>
+          <p:nvPr/>
+        </p:nvGrpSpPr>
+        <p:grpSpPr>
+          <a:xfrm>
+            <a:off x="18606637" y="5353547"/>
+            <a:ext cx="3033881" cy="1223884"/>
+            <a:chOff x="0" y="0"/>
+            <a:chExt cx="3033879" cy="1223883"/>
+          </a:xfrm>
+        </p:grpSpPr>
+        <p:sp>
+          <p:nvSpPr>
+            <p:cNvPr id="932" name="Freeform 15"/>
+            <p:cNvSpPr/>
+            <p:nvPr/>
+          </p:nvSpPr>
+          <p:spPr>
+            <a:xfrm>
+              <a:off x="-1" y="0"/>
+              <a:ext cx="3033881" cy="1223884"/>
+            </a:xfrm>
+            <a:custGeom>
+              <a:avLst/>
+              <a:gdLst/>
+              <a:ahLst/>
+              <a:cxnLst>
+                <a:cxn ang="0">
+                  <a:pos x="wd2" y="hd2"/>
+                </a:cxn>
+                <a:cxn ang="5400000">
+                  <a:pos x="wd2" y="hd2"/>
+                </a:cxn>
+                <a:cxn ang="10800000">
+                  <a:pos x="wd2" y="hd2"/>
+                </a:cxn>
+                <a:cxn ang="16200000">
+                  <a:pos x="wd2" y="hd2"/>
+                </a:cxn>
+              </a:cxnLst>
+              <a:rect l="0" t="0" r="r" b="b"/>
+              <a:pathLst>
+                <a:path w="21600" h="21600" extrusionOk="0">
+                  <a:moveTo>
+                    <a:pt x="4704" y="21600"/>
+                  </a:moveTo>
+                  <a:cubicBezTo>
+                    <a:pt x="2109" y="21600"/>
+                    <a:pt x="0" y="16757"/>
+                    <a:pt x="0" y="10800"/>
+                  </a:cubicBezTo>
+                  <a:cubicBezTo>
+                    <a:pt x="0" y="4843"/>
+                    <a:pt x="2109" y="0"/>
+                    <a:pt x="4704" y="0"/>
+                  </a:cubicBezTo>
+                  <a:cubicBezTo>
+                    <a:pt x="16896" y="0"/>
+                    <a:pt x="16896" y="0"/>
+                    <a:pt x="16896" y="0"/>
+                  </a:cubicBezTo>
+                  <a:cubicBezTo>
+                    <a:pt x="19491" y="0"/>
+                    <a:pt x="21600" y="4843"/>
+                    <a:pt x="21600" y="10800"/>
+                  </a:cubicBezTo>
+                  <a:cubicBezTo>
+                    <a:pt x="21600" y="16757"/>
+                    <a:pt x="19491" y="21600"/>
+                    <a:pt x="16896" y="21600"/>
+                  </a:cubicBezTo>
+                  <a:lnTo>
+                    <a:pt x="4704" y="21600"/>
+                  </a:lnTo>
+                  <a:close/>
+                </a:path>
+              </a:pathLst>
+            </a:custGeom>
+            <a:noFill/>
+            <a:ln w="25400" cap="rnd">
+              <a:solidFill>
+                <a:srgbClr val="FFFFFF"/>
+              </a:solidFill>
+              <a:prstDash val="solid"/>
+              <a:round/>
+            </a:ln>
+            <a:effectLst/>
+          </p:spPr>
+          <p:txBody>
+            <a:bodyPr wrap="square" lIns="45718" tIns="45718" rIns="45718" bIns="45718" numCol="1" anchor="t">
+              <a:noAutofit/>
+            </a:bodyPr>
+            <a:lstStyle/>
+            <a:p>
+              <a:pPr defTabSz="914400">
+                <a:defRPr sz="1800">
+                  <a:solidFill>
+                    <a:srgbClr val="414042"/>
+                  </a:solidFill>
+                  <a:latin typeface="Calibri"/>
+                  <a:ea typeface="Calibri"/>
+                  <a:cs typeface="Calibri"/>
+                  <a:sym typeface="Calibri"/>
+                </a:defRPr>
+              </a:pPr>
+              <a:endParaRPr/>
+            </a:p>
+          </p:txBody>
+        </p:sp>
+        <p:sp>
+          <p:nvSpPr>
+            <p:cNvPr id="933" name="Freeform 25"/>
             <p:cNvSpPr/>
             <p:nvPr/>
           </p:nvSpPr>
@@ -32849,14 +34091,14 @@
       </p:grpSp>
       <p:sp>
         <p:nvSpPr>
-          <p:cNvPr id="912" name="SCRATCH"/>
+          <p:cNvPr id="935" name="SCRATCH"/>
           <p:cNvSpPr txBox="1"/>
           <p:nvPr/>
         </p:nvSpPr>
         <p:spPr>
           <a:xfrm>
-            <a:off x="19210790" y="6683974"/>
-            <a:ext cx="1836907" cy="529412"/>
+            <a:off x="19172690" y="5708136"/>
+            <a:ext cx="1836907" cy="529411"/>
           </a:xfrm>
           <a:prstGeom prst="rect">
             <a:avLst/>
@@ -32866,7 +34108,7 @@
           </a:ln>
           <a:extLst>
             <a:ext uri="{C572A759-6A51-4108-AA02-DFA0A04FC94B}">
-              <ma14:wrappingTextBoxFlag xmlns:ma14="http://schemas.microsoft.com/office/mac/drawingml/2011/main" xmlns:a14="http://schemas.microsoft.com/office/drawing/2010/main" xmlns:m="http://schemas.openxmlformats.org/officeDocument/2006/math" xmlns="" val="1"/>
+              <ma14:wrappingTextBoxFlag xmlns="" xmlns:m="http://schemas.openxmlformats.org/officeDocument/2006/math" xmlns:a14="http://schemas.microsoft.com/office/drawing/2010/main" xmlns:ma14="http://schemas.microsoft.com/office/mac/drawingml/2011/main" val="1"/>
             </a:ext>
           </a:extLst>
         </p:spPr>
@@ -32896,134 +34138,228 @@
           </a:p>
         </p:txBody>
       </p:sp>
+      <p:grpSp>
+        <p:nvGrpSpPr>
+          <p:cNvPr id="938" name="Group"/>
+          <p:cNvGrpSpPr/>
+          <p:nvPr/>
+        </p:nvGrpSpPr>
+        <p:grpSpPr>
+          <a:xfrm>
+            <a:off x="18606637" y="3893103"/>
+            <a:ext cx="3033881" cy="1223884"/>
+            <a:chOff x="0" y="0"/>
+            <a:chExt cx="3033879" cy="1223883"/>
+          </a:xfrm>
+        </p:grpSpPr>
+        <p:sp>
+          <p:nvSpPr>
+            <p:cNvPr id="936" name="Freeform 15"/>
+            <p:cNvSpPr/>
+            <p:nvPr/>
+          </p:nvSpPr>
+          <p:spPr>
+            <a:xfrm>
+              <a:off x="-1" y="0"/>
+              <a:ext cx="3033881" cy="1223884"/>
+            </a:xfrm>
+            <a:custGeom>
+              <a:avLst/>
+              <a:gdLst/>
+              <a:ahLst/>
+              <a:cxnLst>
+                <a:cxn ang="0">
+                  <a:pos x="wd2" y="hd2"/>
+                </a:cxn>
+                <a:cxn ang="5400000">
+                  <a:pos x="wd2" y="hd2"/>
+                </a:cxn>
+                <a:cxn ang="10800000">
+                  <a:pos x="wd2" y="hd2"/>
+                </a:cxn>
+                <a:cxn ang="16200000">
+                  <a:pos x="wd2" y="hd2"/>
+                </a:cxn>
+              </a:cxnLst>
+              <a:rect l="0" t="0" r="r" b="b"/>
+              <a:pathLst>
+                <a:path w="21600" h="21600" extrusionOk="0">
+                  <a:moveTo>
+                    <a:pt x="4704" y="21600"/>
+                  </a:moveTo>
+                  <a:cubicBezTo>
+                    <a:pt x="2109" y="21600"/>
+                    <a:pt x="0" y="16757"/>
+                    <a:pt x="0" y="10800"/>
+                  </a:cubicBezTo>
+                  <a:cubicBezTo>
+                    <a:pt x="0" y="4843"/>
+                    <a:pt x="2109" y="0"/>
+                    <a:pt x="4704" y="0"/>
+                  </a:cubicBezTo>
+                  <a:cubicBezTo>
+                    <a:pt x="16896" y="0"/>
+                    <a:pt x="16896" y="0"/>
+                    <a:pt x="16896" y="0"/>
+                  </a:cubicBezTo>
+                  <a:cubicBezTo>
+                    <a:pt x="19491" y="0"/>
+                    <a:pt x="21600" y="4843"/>
+                    <a:pt x="21600" y="10800"/>
+                  </a:cubicBezTo>
+                  <a:cubicBezTo>
+                    <a:pt x="21600" y="16757"/>
+                    <a:pt x="19491" y="21600"/>
+                    <a:pt x="16896" y="21600"/>
+                  </a:cubicBezTo>
+                  <a:lnTo>
+                    <a:pt x="4704" y="21600"/>
+                  </a:lnTo>
+                  <a:close/>
+                </a:path>
+              </a:pathLst>
+            </a:custGeom>
+            <a:noFill/>
+            <a:ln w="25400" cap="rnd">
+              <a:solidFill>
+                <a:srgbClr val="FFFFFF"/>
+              </a:solidFill>
+              <a:prstDash val="solid"/>
+              <a:round/>
+            </a:ln>
+            <a:effectLst/>
+          </p:spPr>
+          <p:txBody>
+            <a:bodyPr wrap="square" lIns="45718" tIns="45718" rIns="45718" bIns="45718" numCol="1" anchor="t">
+              <a:noAutofit/>
+            </a:bodyPr>
+            <a:lstStyle/>
+            <a:p>
+              <a:pPr defTabSz="914400">
+                <a:defRPr sz="1800">
+                  <a:solidFill>
+                    <a:srgbClr val="414042"/>
+                  </a:solidFill>
+                  <a:latin typeface="Calibri"/>
+                  <a:ea typeface="Calibri"/>
+                  <a:cs typeface="Calibri"/>
+                  <a:sym typeface="Calibri"/>
+                </a:defRPr>
+              </a:pPr>
+              <a:endParaRPr/>
+            </a:p>
+          </p:txBody>
+        </p:sp>
+        <p:sp>
+          <p:nvSpPr>
+            <p:cNvPr id="937" name="Freeform 25"/>
+            <p:cNvSpPr/>
+            <p:nvPr/>
+          </p:nvSpPr>
+          <p:spPr>
+            <a:xfrm>
+              <a:off x="99419" y="98275"/>
+              <a:ext cx="2848477" cy="1026191"/>
+            </a:xfrm>
+            <a:custGeom>
+              <a:avLst/>
+              <a:gdLst/>
+              <a:ahLst/>
+              <a:cxnLst>
+                <a:cxn ang="0">
+                  <a:pos x="wd2" y="hd2"/>
+                </a:cxn>
+                <a:cxn ang="5400000">
+                  <a:pos x="wd2" y="hd2"/>
+                </a:cxn>
+                <a:cxn ang="10800000">
+                  <a:pos x="wd2" y="hd2"/>
+                </a:cxn>
+                <a:cxn ang="16200000">
+                  <a:pos x="wd2" y="hd2"/>
+                </a:cxn>
+              </a:cxnLst>
+              <a:rect l="0" t="0" r="r" b="b"/>
+              <a:pathLst>
+                <a:path w="21600" h="21600" extrusionOk="0">
+                  <a:moveTo>
+                    <a:pt x="4243" y="21600"/>
+                  </a:moveTo>
+                  <a:cubicBezTo>
+                    <a:pt x="1906" y="21600"/>
+                    <a:pt x="0" y="16749"/>
+                    <a:pt x="0" y="10800"/>
+                  </a:cubicBezTo>
+                  <a:cubicBezTo>
+                    <a:pt x="0" y="4851"/>
+                    <a:pt x="1906" y="0"/>
+                    <a:pt x="4243" y="0"/>
+                  </a:cubicBezTo>
+                  <a:cubicBezTo>
+                    <a:pt x="17357" y="0"/>
+                    <a:pt x="17357" y="0"/>
+                    <a:pt x="17357" y="0"/>
+                  </a:cubicBezTo>
+                  <a:cubicBezTo>
+                    <a:pt x="19694" y="0"/>
+                    <a:pt x="21600" y="4851"/>
+                    <a:pt x="21600" y="10800"/>
+                  </a:cubicBezTo>
+                  <a:cubicBezTo>
+                    <a:pt x="21600" y="16749"/>
+                    <a:pt x="19694" y="21600"/>
+                    <a:pt x="17357" y="21600"/>
+                  </a:cubicBezTo>
+                  <a:lnTo>
+                    <a:pt x="4243" y="21600"/>
+                  </a:lnTo>
+                  <a:close/>
+                </a:path>
+              </a:pathLst>
+            </a:custGeom>
+            <a:solidFill>
+              <a:srgbClr val="FFFFFF">
+                <a:alpha val="69930"/>
+              </a:srgbClr>
+            </a:solidFill>
+            <a:ln w="12700" cap="flat">
+              <a:noFill/>
+              <a:miter lim="400000"/>
+            </a:ln>
+            <a:effectLst/>
+          </p:spPr>
+          <p:txBody>
+            <a:bodyPr wrap="square" lIns="45718" tIns="45718" rIns="45718" bIns="45718" numCol="1" anchor="t">
+              <a:noAutofit/>
+            </a:bodyPr>
+            <a:lstStyle/>
+            <a:p>
+              <a:pPr defTabSz="914400">
+                <a:defRPr sz="1800">
+                  <a:solidFill>
+                    <a:srgbClr val="414042"/>
+                  </a:solidFill>
+                  <a:latin typeface="Calibri"/>
+                  <a:ea typeface="Calibri"/>
+                  <a:cs typeface="Calibri"/>
+                  <a:sym typeface="Calibri"/>
+                </a:defRPr>
+              </a:pPr>
+              <a:endParaRPr/>
+            </a:p>
+          </p:txBody>
+        </p:sp>
+      </p:grpSp>
       <p:sp>
         <p:nvSpPr>
-          <p:cNvPr id="913" name="Rounded Rectangle"/>
-          <p:cNvSpPr/>
-          <p:nvPr/>
-        </p:nvSpPr>
-        <p:spPr>
-          <a:xfrm>
-            <a:off x="17717130" y="3338158"/>
-            <a:ext cx="4812897" cy="4512863"/>
-          </a:xfrm>
-          <a:prstGeom prst="roundRect">
-            <a:avLst>
-              <a:gd name="adj" fmla="val 15728"/>
-            </a:avLst>
-          </a:prstGeom>
-          <a:ln w="38100">
-            <a:solidFill>
-              <a:srgbClr val="FFFFFF"/>
-            </a:solidFill>
-            <a:miter/>
-          </a:ln>
-        </p:spPr>
-        <p:txBody>
-          <a:bodyPr lIns="45719" rIns="45719" anchor="ctr"/>
-          <a:lstStyle/>
-          <a:p>
-            <a:endParaRPr/>
-          </a:p>
-        </p:txBody>
-      </p:sp>
-      <p:sp>
-        <p:nvSpPr>
-          <p:cNvPr id="941" name="Connection Line"/>
-          <p:cNvSpPr/>
-          <p:nvPr/>
-        </p:nvSpPr>
-        <p:spPr>
-          <a:xfrm>
-            <a:off x="17109839" y="6855531"/>
-            <a:ext cx="195027" cy="198265"/>
-          </a:xfrm>
-          <a:custGeom>
-            <a:avLst/>
-            <a:gdLst/>
-            <a:ahLst/>
-            <a:cxnLst>
-              <a:cxn ang="0">
-                <a:pos x="wd2" y="hd2"/>
-              </a:cxn>
-              <a:cxn ang="5400000">
-                <a:pos x="wd2" y="hd2"/>
-              </a:cxn>
-              <a:cxn ang="10800000">
-                <a:pos x="wd2" y="hd2"/>
-              </a:cxn>
-              <a:cxn ang="16200000">
-                <a:pos x="wd2" y="hd2"/>
-              </a:cxn>
-            </a:cxnLst>
-            <a:rect l="0" t="0" r="r" b="b"/>
-            <a:pathLst>
-              <a:path w="16222" h="21600" extrusionOk="0">
-                <a:moveTo>
-                  <a:pt x="0" y="0"/>
-                </a:moveTo>
-                <a:cubicBezTo>
-                  <a:pt x="20841" y="3876"/>
-                  <a:pt x="21600" y="11076"/>
-                  <a:pt x="2278" y="21600"/>
-                </a:cubicBezTo>
-              </a:path>
-            </a:pathLst>
-          </a:custGeom>
-          <a:ln w="38100">
-            <a:solidFill>
-              <a:srgbClr val="FFFFFF"/>
-            </a:solidFill>
-            <a:miter/>
-          </a:ln>
-        </p:spPr>
-        <p:txBody>
-          <a:bodyPr/>
-          <a:lstStyle/>
-          <a:p>
-            <a:endParaRPr/>
-          </a:p>
-        </p:txBody>
-      </p:sp>
-      <p:sp>
-        <p:nvSpPr>
-          <p:cNvPr id="915" name="Line"/>
-          <p:cNvSpPr/>
-          <p:nvPr/>
-        </p:nvSpPr>
-        <p:spPr>
-          <a:xfrm>
-            <a:off x="14282774" y="6941327"/>
-            <a:ext cx="2983622" cy="1"/>
-          </a:xfrm>
-          <a:prstGeom prst="line">
-            <a:avLst/>
-          </a:prstGeom>
-          <a:ln w="38100">
-            <a:solidFill>
-              <a:srgbClr val="FFFFFF"/>
-            </a:solidFill>
-            <a:miter/>
-          </a:ln>
-        </p:spPr>
-        <p:txBody>
-          <a:bodyPr lIns="45719" rIns="45719"/>
-          <a:lstStyle/>
-          <a:p>
-            <a:endParaRPr/>
-          </a:p>
-        </p:txBody>
-      </p:sp>
-      <p:sp>
-        <p:nvSpPr>
-          <p:cNvPr id="916" name="SCRATCH"/>
+          <p:cNvPr id="939" name="SCRATCH"/>
           <p:cNvSpPr txBox="1"/>
           <p:nvPr/>
         </p:nvSpPr>
         <p:spPr>
           <a:xfrm>
-            <a:off x="18222010" y="3493921"/>
-            <a:ext cx="3803135" cy="891009"/>
+            <a:off x="19210790" y="4247692"/>
+            <a:ext cx="1836907" cy="529411"/>
           </a:xfrm>
           <a:prstGeom prst="rect">
             <a:avLst/>
@@ -33033,7 +34369,7 @@
           </a:ln>
           <a:extLst>
             <a:ext uri="{C572A759-6A51-4108-AA02-DFA0A04FC94B}">
-              <ma14:wrappingTextBoxFlag xmlns:ma14="http://schemas.microsoft.com/office/mac/drawingml/2011/main" xmlns:a14="http://schemas.microsoft.com/office/drawing/2010/main" xmlns:m="http://schemas.openxmlformats.org/officeDocument/2006/math" xmlns="" val="1"/>
+              <ma14:wrappingTextBoxFlag xmlns="" xmlns:m="http://schemas.openxmlformats.org/officeDocument/2006/math" xmlns:a14="http://schemas.microsoft.com/office/drawing/2010/main" xmlns:ma14="http://schemas.microsoft.com/office/mac/drawingml/2011/main" val="1"/>
             </a:ext>
           </a:extLst>
         </p:spPr>
@@ -33051,49 +34387,7 @@
           </a:lstStyle>
           <a:p>
             <a:r>
-              <a:t>EXTERNAL BACKUP</a:t>
-            </a:r>
-          </a:p>
-        </p:txBody>
-      </p:sp>
-      <p:sp>
-        <p:nvSpPr>
-          <p:cNvPr id="917" name="SCRATCH"/>
-          <p:cNvSpPr txBox="1"/>
-          <p:nvPr/>
-        </p:nvSpPr>
-        <p:spPr>
-          <a:xfrm>
-            <a:off x="1177783" y="3488105"/>
-            <a:ext cx="3803135" cy="891010"/>
-          </a:xfrm>
-          <a:prstGeom prst="rect">
-            <a:avLst/>
-          </a:prstGeom>
-          <a:ln w="12700">
-            <a:miter lim="400000"/>
-          </a:ln>
-          <a:extLst>
-            <a:ext uri="{C572A759-6A51-4108-AA02-DFA0A04FC94B}">
-              <ma14:wrappingTextBoxFlag xmlns:ma14="http://schemas.microsoft.com/office/mac/drawingml/2011/main" xmlns:a14="http://schemas.microsoft.com/office/drawing/2010/main" xmlns:m="http://schemas.openxmlformats.org/officeDocument/2006/math" xmlns="" val="1"/>
-            </a:ext>
-          </a:extLst>
-        </p:spPr>
-        <p:txBody>
-          <a:bodyPr lIns="50800" tIns="50800" rIns="50800" bIns="50800" anchor="ctr"/>
-          <a:lstStyle>
-            <a:lvl1pPr defTabSz="1828431">
-              <a:defRPr sz="2800">
-                <a:latin typeface="Montserrat Bold"/>
-                <a:ea typeface="Montserrat Bold"/>
-                <a:cs typeface="Montserrat Bold"/>
-                <a:sym typeface="Montserrat Bold"/>
-              </a:defRPr>
-            </a:lvl1pPr>
-          </a:lstStyle>
-          <a:p>
-            <a:r>
-              <a:t>LOCAL COMPUTER</a:t>
+              <a:t>  CLOUD</a:t>
             </a:r>
           </a:p>
         </p:txBody>
@@ -33126,7 +34420,7 @@
       </p:grpSpPr>
       <p:sp>
         <p:nvSpPr>
-          <p:cNvPr id="943" name="TextBox 6"/>
+          <p:cNvPr id="965" name="TextBox 6"/>
           <p:cNvSpPr txBox="1">
             <a:spLocks noGrp="1"/>
           </p:cNvSpPr>
@@ -33144,7 +34438,7 @@
           </a:prstGeom>
           <a:extLst>
             <a:ext uri="{C572A759-6A51-4108-AA02-DFA0A04FC94B}">
-              <ma14:wrappingTextBoxFlag xmlns:ma14="http://schemas.microsoft.com/office/mac/drawingml/2011/main" xmlns:a14="http://schemas.microsoft.com/office/drawing/2010/main" xmlns:m="http://schemas.openxmlformats.org/officeDocument/2006/math" xmlns="" val="1"/>
+              <ma14:wrappingTextBoxFlag xmlns="" xmlns:m="http://schemas.openxmlformats.org/officeDocument/2006/math" xmlns:a14="http://schemas.microsoft.com/office/drawing/2010/main" xmlns:ma14="http://schemas.microsoft.com/office/mac/drawingml/2011/main" val="1"/>
             </a:ext>
           </a:extLst>
         </p:spPr>
@@ -33170,357 +34464,7 @@
       </p:sp>
       <p:pic>
         <p:nvPicPr>
-          <p:cNvPr id="944" name="Picture Placeholder 1" descr="Picture Placeholder 1"/>
-          <p:cNvPicPr>
-            <a:picLocks noGrp="1" noChangeAspect="1"/>
-          </p:cNvPicPr>
-          <p:nvPr>
-            <p:ph type="pic" idx="21"/>
-          </p:nvPr>
-        </p:nvPicPr>
-        <p:blipFill>
-          <a:blip r:embed="rId2"/>
-          <a:stretch>
-            <a:fillRect/>
-          </a:stretch>
-        </p:blipFill>
-        <p:spPr>
-          <a:prstGeom prst="rect">
-            <a:avLst/>
-          </a:prstGeom>
-        </p:spPr>
-      </p:pic>
-      <p:pic>
-        <p:nvPicPr>
-          <p:cNvPr id="945" name="Picture Placeholder 2" descr="Picture Placeholder 2"/>
-          <p:cNvPicPr>
-            <a:picLocks noGrp="1" noChangeAspect="1"/>
-          </p:cNvPicPr>
-          <p:nvPr>
-            <p:ph type="pic" idx="22"/>
-          </p:nvPr>
-        </p:nvPicPr>
-        <p:blipFill>
-          <a:blip r:embed="rId2"/>
-          <a:stretch>
-            <a:fillRect/>
-          </a:stretch>
-        </p:blipFill>
-        <p:spPr>
-          <a:prstGeom prst="rect">
-            <a:avLst/>
-          </a:prstGeom>
-        </p:spPr>
-      </p:pic>
-      <p:sp>
-        <p:nvSpPr>
-          <p:cNvPr id="946" name="Rectangle 42"/>
-          <p:cNvSpPr/>
-          <p:nvPr/>
-        </p:nvSpPr>
-        <p:spPr>
-          <a:xfrm>
-            <a:off x="1865376" y="8449056"/>
-            <a:ext cx="10323449" cy="3678031"/>
-          </a:xfrm>
-          <a:prstGeom prst="rect">
-            <a:avLst/>
-          </a:prstGeom>
-          <a:solidFill>
-            <a:schemeClr val="accent1">
-              <a:alpha val="80000"/>
-            </a:schemeClr>
-          </a:solidFill>
-          <a:ln w="12700">
-            <a:miter lim="400000"/>
-          </a:ln>
-        </p:spPr>
-        <p:txBody>
-          <a:bodyPr lIns="45719" rIns="45719" anchor="ctr"/>
-          <a:lstStyle/>
-          <a:p>
-            <a:pPr algn="ctr"/>
-            <a:endParaRPr/>
-          </a:p>
-        </p:txBody>
-      </p:sp>
-      <p:grpSp>
-        <p:nvGrpSpPr>
-          <p:cNvPr id="950" name="Group 3"/>
-          <p:cNvGrpSpPr/>
-          <p:nvPr/>
-        </p:nvGrpSpPr>
-        <p:grpSpPr>
-          <a:xfrm>
-            <a:off x="2844206" y="9262385"/>
-            <a:ext cx="8365788" cy="1906709"/>
-            <a:chOff x="0" y="0"/>
-            <a:chExt cx="8365787" cy="1906707"/>
-          </a:xfrm>
-        </p:grpSpPr>
-        <p:sp>
-          <p:nvSpPr>
-            <p:cNvPr id="947" name="TextBox 25"/>
-            <p:cNvSpPr txBox="1"/>
-            <p:nvPr/>
-          </p:nvSpPr>
-          <p:spPr>
-            <a:xfrm>
-              <a:off x="0" y="460138"/>
-              <a:ext cx="6472023" cy="929641"/>
-            </a:xfrm>
-            <a:prstGeom prst="rect">
-              <a:avLst/>
-            </a:prstGeom>
-            <a:noFill/>
-            <a:ln w="12700" cap="flat">
-              <a:noFill/>
-              <a:miter lim="400000"/>
-            </a:ln>
-            <a:effectLst/>
-            <a:extLst>
-              <a:ext uri="{C572A759-6A51-4108-AA02-DFA0A04FC94B}">
-                <ma14:wrappingTextBoxFlag xmlns:ma14="http://schemas.microsoft.com/office/mac/drawingml/2011/main" xmlns:a14="http://schemas.microsoft.com/office/drawing/2010/main" xmlns:m="http://schemas.openxmlformats.org/officeDocument/2006/math" xmlns="" val="1"/>
-              </a:ext>
-            </a:extLst>
-          </p:spPr>
-          <p:txBody>
-            <a:bodyPr wrap="none" lIns="45719" tIns="45719" rIns="45719" bIns="45719" numCol="1" anchor="t">
-              <a:spAutoFit/>
-            </a:bodyPr>
-            <a:lstStyle>
-              <a:lvl1pPr>
-                <a:defRPr sz="5400" spc="600">
-                  <a:latin typeface="+mn-lt"/>
-                  <a:ea typeface="+mn-ea"/>
-                  <a:cs typeface="+mn-cs"/>
-                  <a:sym typeface="Montserrat Regular"/>
-                </a:defRPr>
-              </a:lvl1pPr>
-            </a:lstStyle>
-            <a:p>
-              <a:r>
-                <a:t>OUR SOLUTION</a:t>
-              </a:r>
-            </a:p>
-          </p:txBody>
-        </p:sp>
-        <p:sp>
-          <p:nvSpPr>
-            <p:cNvPr id="948" name="TextBox 26"/>
-            <p:cNvSpPr txBox="1"/>
-            <p:nvPr/>
-          </p:nvSpPr>
-          <p:spPr>
-            <a:xfrm>
-              <a:off x="36576" y="0"/>
-              <a:ext cx="5182313" cy="332740"/>
-            </a:xfrm>
-            <a:prstGeom prst="rect">
-              <a:avLst/>
-            </a:prstGeom>
-            <a:noFill/>
-            <a:ln w="12700" cap="flat">
-              <a:noFill/>
-              <a:miter lim="400000"/>
-            </a:ln>
-            <a:effectLst/>
-            <a:extLst>
-              <a:ext uri="{C572A759-6A51-4108-AA02-DFA0A04FC94B}">
-                <ma14:wrappingTextBoxFlag xmlns:ma14="http://schemas.microsoft.com/office/mac/drawingml/2011/main" xmlns:a14="http://schemas.microsoft.com/office/drawing/2010/main" xmlns:m="http://schemas.openxmlformats.org/officeDocument/2006/math" xmlns="" val="1"/>
-              </a:ext>
-            </a:extLst>
-          </p:spPr>
-          <p:txBody>
-            <a:bodyPr wrap="none" lIns="45719" tIns="45719" rIns="45719" bIns="45719" numCol="1" anchor="t">
-              <a:spAutoFit/>
-            </a:bodyPr>
-            <a:lstStyle>
-              <a:lvl1pPr>
-                <a:defRPr sz="1600" spc="1200">
-                  <a:latin typeface="+mn-lt"/>
-                  <a:ea typeface="+mn-ea"/>
-                  <a:cs typeface="+mn-cs"/>
-                  <a:sym typeface="Montserrat Regular"/>
-                </a:defRPr>
-              </a:lvl1pPr>
-            </a:lstStyle>
-            <a:p>
-              <a:r>
-                <a:t>YOU CAN WRITE HERE</a:t>
-              </a:r>
-            </a:p>
-          </p:txBody>
-        </p:sp>
-        <p:sp>
-          <p:nvSpPr>
-            <p:cNvPr id="949" name="TextBox 27"/>
-            <p:cNvSpPr txBox="1"/>
-            <p:nvPr/>
-          </p:nvSpPr>
-          <p:spPr>
-            <a:xfrm>
-              <a:off x="0" y="1383467"/>
-              <a:ext cx="8365788" cy="523241"/>
-            </a:xfrm>
-            <a:prstGeom prst="rect">
-              <a:avLst/>
-            </a:prstGeom>
-            <a:noFill/>
-            <a:ln w="12700" cap="flat">
-              <a:noFill/>
-              <a:miter lim="400000"/>
-            </a:ln>
-            <a:effectLst/>
-            <a:extLst>
-              <a:ext uri="{C572A759-6A51-4108-AA02-DFA0A04FC94B}">
-                <ma14:wrappingTextBoxFlag xmlns:ma14="http://schemas.microsoft.com/office/mac/drawingml/2011/main" xmlns:a14="http://schemas.microsoft.com/office/drawing/2010/main" xmlns:m="http://schemas.openxmlformats.org/officeDocument/2006/math" xmlns="" val="1"/>
-              </a:ext>
-            </a:extLst>
-          </p:spPr>
-          <p:txBody>
-            <a:bodyPr wrap="square" lIns="45719" tIns="45719" rIns="45719" bIns="45719" numCol="1" anchor="t">
-              <a:spAutoFit/>
-            </a:bodyPr>
-            <a:lstStyle>
-              <a:lvl1pPr>
-                <a:lnSpc>
-                  <a:spcPct val="150000"/>
-                </a:lnSpc>
-                <a:defRPr sz="2800" spc="300">
-                  <a:latin typeface="+mn-lt"/>
-                  <a:ea typeface="+mn-ea"/>
-                  <a:cs typeface="+mn-cs"/>
-                  <a:sym typeface="Montserrat Regular"/>
-                </a:defRPr>
-              </a:lvl1pPr>
-            </a:lstStyle>
-            <a:p>
-              <a:r>
-                <a:t>We offer small businesses a complete</a:t>
-              </a:r>
-            </a:p>
-          </p:txBody>
-        </p:sp>
-      </p:grpSp>
-      <p:sp>
-        <p:nvSpPr>
-          <p:cNvPr id="951" name="Subtitle 2"/>
-          <p:cNvSpPr txBox="1"/>
-          <p:nvPr/>
-        </p:nvSpPr>
-        <p:spPr>
-          <a:xfrm>
-            <a:off x="17553362" y="1695603"/>
-            <a:ext cx="5857126" cy="3392938"/>
-          </a:xfrm>
-          <a:prstGeom prst="rect">
-            <a:avLst/>
-          </a:prstGeom>
-          <a:ln w="12700">
-            <a:miter lim="400000"/>
-          </a:ln>
-          <a:extLst>
-            <a:ext uri="{C572A759-6A51-4108-AA02-DFA0A04FC94B}">
-              <ma14:wrappingTextBoxFlag xmlns:ma14="http://schemas.microsoft.com/office/mac/drawingml/2011/main" xmlns:a14="http://schemas.microsoft.com/office/drawing/2010/main" xmlns:m="http://schemas.openxmlformats.org/officeDocument/2006/math" xmlns="" val="1"/>
-            </a:ext>
-          </a:extLst>
-        </p:spPr>
-        <p:txBody>
-          <a:bodyPr lIns="108718" tIns="108718" rIns="108718" bIns="108718">
-            <a:spAutoFit/>
-          </a:bodyPr>
-          <a:lstStyle>
-            <a:lvl1pPr defTabSz="1087636">
-              <a:lnSpc>
-                <a:spcPts val="4200"/>
-              </a:lnSpc>
-              <a:spcBef>
-                <a:spcPts val="600"/>
-              </a:spcBef>
-              <a:defRPr sz="2800" spc="300"/>
-            </a:lvl1pPr>
-          </a:lstStyle>
-          <a:p>
-            <a:r>
-              <a:t>Business executives should have a plan for dealing with products at every stage, our technology streamlines the workflow process and produces efficiencies.</a:t>
-            </a:r>
-          </a:p>
-        </p:txBody>
-      </p:sp>
-    </p:spTree>
-  </p:cSld>
-  <p:clrMapOvr>
-    <a:masterClrMapping/>
-  </p:clrMapOvr>
-  <p:transition spd="med"/>
-</p:sld>
-</file>
-
-<file path=ppt/slides/slide22.xml><?xml version="1.0" encoding="utf-8"?>
-<p:sld xmlns:a="http://schemas.openxmlformats.org/drawingml/2006/main" xmlns:r="http://schemas.openxmlformats.org/officeDocument/2006/relationships" xmlns:p="http://schemas.openxmlformats.org/presentationml/2006/main">
-  <p:cSld>
-    <p:spTree>
-      <p:nvGrpSpPr>
-        <p:cNvPr id="1" name=""/>
-        <p:cNvGrpSpPr/>
-        <p:nvPr/>
-      </p:nvGrpSpPr>
-      <p:grpSpPr>
-        <a:xfrm>
-          <a:off x="0" y="0"/>
-          <a:ext cx="0" cy="0"/>
-          <a:chOff x="0" y="0"/>
-          <a:chExt cx="0" cy="0"/>
-        </a:xfrm>
-      </p:grpSpPr>
-      <p:sp>
-        <p:nvSpPr>
-          <p:cNvPr id="953" name="TextBox 6"/>
-          <p:cNvSpPr txBox="1">
-            <a:spLocks noGrp="1"/>
-          </p:cNvSpPr>
-          <p:nvPr>
-            <p:ph type="sldNum" sz="quarter" idx="2"/>
-          </p:nvPr>
-        </p:nvSpPr>
-        <p:spPr>
-          <a:xfrm>
-            <a:off x="23714668" y="610540"/>
-            <a:ext cx="484089" cy="487645"/>
-          </a:xfrm>
-          <a:prstGeom prst="rect">
-            <a:avLst/>
-          </a:prstGeom>
-          <a:extLst>
-            <a:ext uri="{C572A759-6A51-4108-AA02-DFA0A04FC94B}">
-              <ma14:wrappingTextBoxFlag xmlns:ma14="http://schemas.microsoft.com/office/mac/drawingml/2011/main" xmlns:a14="http://schemas.microsoft.com/office/drawing/2010/main" xmlns:m="http://schemas.openxmlformats.org/officeDocument/2006/math" xmlns="" val="1"/>
-            </a:ext>
-          </a:extLst>
-        </p:spPr>
-        <p:txBody>
-          <a:bodyPr/>
-          <a:lstStyle>
-            <a:lvl1pPr algn="ctr">
-              <a:defRPr sz="2000">
-                <a:latin typeface="+mn-lt"/>
-                <a:ea typeface="+mn-ea"/>
-                <a:cs typeface="+mn-cs"/>
-                <a:sym typeface="Montserrat Regular"/>
-              </a:defRPr>
-            </a:lvl1pPr>
-          </a:lstStyle>
-          <a:p>
-            <a:fld id="{86CB4B4D-7CA3-9044-876B-883B54F8677D}" type="slidenum">
-              <a:t>22</a:t>
-            </a:fld>
-            <a:endParaRPr/>
-          </a:p>
-        </p:txBody>
-      </p:sp>
-      <p:pic>
-        <p:nvPicPr>
-          <p:cNvPr id="954" name="Picture Placeholder 2" descr="Picture Placeholder 2"/>
+          <p:cNvPr id="966" name="Picture Placeholder 2" descr="Picture Placeholder 2"/>
           <p:cNvPicPr>
             <a:picLocks noGrp="1" noChangeAspect="1"/>
           </p:cNvPicPr>
@@ -33542,7 +34486,7 @@
       </p:pic>
       <p:grpSp>
         <p:nvGrpSpPr>
-          <p:cNvPr id="959" name="Group 8"/>
+          <p:cNvPr id="971" name="Group 8"/>
           <p:cNvGrpSpPr/>
           <p:nvPr/>
         </p:nvGrpSpPr>
@@ -33556,7 +34500,7 @@
         </p:grpSpPr>
         <p:grpSp>
           <p:nvGrpSpPr>
-            <p:cNvPr id="957" name="Group 9"/>
+            <p:cNvPr id="969" name="Group 9"/>
             <p:cNvGrpSpPr/>
             <p:nvPr/>
           </p:nvGrpSpPr>
@@ -33570,7 +34514,7 @@
           </p:grpSpPr>
           <p:sp>
             <p:nvSpPr>
-              <p:cNvPr id="955" name="TextBox 11"/>
+              <p:cNvPr id="967" name="TextBox 11"/>
               <p:cNvSpPr/>
               <p:nvPr/>
             </p:nvSpPr>
@@ -33624,7 +34568,7 @@
               <a:effectLst/>
               <a:extLst>
                 <a:ext uri="{C572A759-6A51-4108-AA02-DFA0A04FC94B}">
-                  <ma14:wrappingTextBoxFlag xmlns:ma14="http://schemas.microsoft.com/office/mac/drawingml/2011/main" xmlns:a14="http://schemas.microsoft.com/office/drawing/2010/main" xmlns:m="http://schemas.openxmlformats.org/officeDocument/2006/math" xmlns="" val="1"/>
+                  <ma14:wrappingTextBoxFlag xmlns="" xmlns:m="http://schemas.openxmlformats.org/officeDocument/2006/math" xmlns:a14="http://schemas.microsoft.com/office/drawing/2010/main" xmlns:ma14="http://schemas.microsoft.com/office/mac/drawingml/2011/main" val="1"/>
                 </a:ext>
               </a:extLst>
             </p:spPr>
@@ -33651,7 +34595,7 @@
           </p:sp>
           <p:sp>
             <p:nvSpPr>
-              <p:cNvPr id="956" name="TextBox 12"/>
+              <p:cNvPr id="968" name="TextBox 12"/>
               <p:cNvSpPr/>
               <p:nvPr/>
             </p:nvSpPr>
@@ -33671,7 +34615,7 @@
               <a:effectLst/>
               <a:extLst>
                 <a:ext uri="{C572A759-6A51-4108-AA02-DFA0A04FC94B}">
-                  <ma14:wrappingTextBoxFlag xmlns:ma14="http://schemas.microsoft.com/office/mac/drawingml/2011/main" xmlns:a14="http://schemas.microsoft.com/office/drawing/2010/main" xmlns:m="http://schemas.openxmlformats.org/officeDocument/2006/math" xmlns="" val="1"/>
+                  <ma14:wrappingTextBoxFlag xmlns="" xmlns:m="http://schemas.openxmlformats.org/officeDocument/2006/math" xmlns:a14="http://schemas.microsoft.com/office/drawing/2010/main" xmlns:ma14="http://schemas.microsoft.com/office/mac/drawingml/2011/main" val="1"/>
                 </a:ext>
               </a:extLst>
             </p:spPr>
@@ -33699,7 +34643,7 @@
         </p:grpSp>
         <p:sp>
           <p:nvSpPr>
-            <p:cNvPr id="958" name="Subtitle 2"/>
+            <p:cNvPr id="970" name="Subtitle 2"/>
             <p:cNvSpPr txBox="1"/>
             <p:nvPr/>
           </p:nvSpPr>
@@ -33719,7 +34663,7 @@
             <a:effectLst/>
             <a:extLst>
               <a:ext uri="{C572A759-6A51-4108-AA02-DFA0A04FC94B}">
-                <ma14:wrappingTextBoxFlag xmlns:ma14="http://schemas.microsoft.com/office/mac/drawingml/2011/main" xmlns:a14="http://schemas.microsoft.com/office/drawing/2010/main" xmlns:m="http://schemas.openxmlformats.org/officeDocument/2006/math" xmlns="" val="1"/>
+                <ma14:wrappingTextBoxFlag xmlns="" xmlns:m="http://schemas.openxmlformats.org/officeDocument/2006/math" xmlns:a14="http://schemas.microsoft.com/office/drawing/2010/main" xmlns:ma14="http://schemas.microsoft.com/office/mac/drawingml/2011/main" val="1"/>
               </a:ext>
             </a:extLst>
           </p:spPr>
@@ -33748,7 +34692,7 @@
       </p:grpSp>
       <p:sp>
         <p:nvSpPr>
-          <p:cNvPr id="960" name="Oval 13"/>
+          <p:cNvPr id="972" name="Oval 13"/>
           <p:cNvSpPr/>
           <p:nvPr/>
         </p:nvSpPr>
@@ -33785,7 +34729,7 @@
       </p:sp>
       <p:sp>
         <p:nvSpPr>
-          <p:cNvPr id="961" name="Subtitle 2"/>
+          <p:cNvPr id="973" name="Subtitle 2"/>
           <p:cNvSpPr txBox="1"/>
           <p:nvPr/>
         </p:nvSpPr>
@@ -33802,7 +34746,7 @@
           </a:ln>
           <a:extLst>
             <a:ext uri="{C572A759-6A51-4108-AA02-DFA0A04FC94B}">
-              <ma14:wrappingTextBoxFlag xmlns:ma14="http://schemas.microsoft.com/office/mac/drawingml/2011/main" xmlns:a14="http://schemas.microsoft.com/office/drawing/2010/main" xmlns:m="http://schemas.openxmlformats.org/officeDocument/2006/math" xmlns="" val="1"/>
+              <ma14:wrappingTextBoxFlag xmlns="" xmlns:m="http://schemas.openxmlformats.org/officeDocument/2006/math" xmlns:a14="http://schemas.microsoft.com/office/drawing/2010/main" xmlns:ma14="http://schemas.microsoft.com/office/mac/drawingml/2011/main" val="1"/>
             </a:ext>
           </a:extLst>
         </p:spPr>
@@ -33830,7 +34774,7 @@
       </p:sp>
       <p:sp>
         <p:nvSpPr>
-          <p:cNvPr id="962" name="Rectangle 16"/>
+          <p:cNvPr id="974" name="Rectangle 16"/>
           <p:cNvSpPr txBox="1"/>
           <p:nvPr/>
         </p:nvSpPr>
@@ -33847,7 +34791,7 @@
           </a:ln>
           <a:extLst>
             <a:ext uri="{C572A759-6A51-4108-AA02-DFA0A04FC94B}">
-              <ma14:wrappingTextBoxFlag xmlns:ma14="http://schemas.microsoft.com/office/mac/drawingml/2011/main" xmlns:a14="http://schemas.microsoft.com/office/drawing/2010/main" xmlns:m="http://schemas.openxmlformats.org/officeDocument/2006/math" xmlns="" val="1"/>
+              <ma14:wrappingTextBoxFlag xmlns="" xmlns:m="http://schemas.openxmlformats.org/officeDocument/2006/math" xmlns:a14="http://schemas.microsoft.com/office/drawing/2010/main" xmlns:ma14="http://schemas.microsoft.com/office/mac/drawingml/2011/main" val="1"/>
             </a:ext>
           </a:extLst>
         </p:spPr>
@@ -33874,7 +34818,7 @@
       </p:sp>
       <p:sp>
         <p:nvSpPr>
-          <p:cNvPr id="963" name="Oval 14"/>
+          <p:cNvPr id="975" name="Oval 14"/>
           <p:cNvSpPr/>
           <p:nvPr/>
         </p:nvSpPr>
@@ -33911,7 +34855,7 @@
       </p:sp>
       <p:sp>
         <p:nvSpPr>
-          <p:cNvPr id="964" name="Subtitle 2"/>
+          <p:cNvPr id="976" name="Subtitle 2"/>
           <p:cNvSpPr txBox="1"/>
           <p:nvPr/>
         </p:nvSpPr>
@@ -33928,7 +34872,7 @@
           </a:ln>
           <a:extLst>
             <a:ext uri="{C572A759-6A51-4108-AA02-DFA0A04FC94B}">
-              <ma14:wrappingTextBoxFlag xmlns:ma14="http://schemas.microsoft.com/office/mac/drawingml/2011/main" xmlns:a14="http://schemas.microsoft.com/office/drawing/2010/main" xmlns:m="http://schemas.openxmlformats.org/officeDocument/2006/math" xmlns="" val="1"/>
+              <ma14:wrappingTextBoxFlag xmlns="" xmlns:m="http://schemas.openxmlformats.org/officeDocument/2006/math" xmlns:a14="http://schemas.microsoft.com/office/drawing/2010/main" xmlns:ma14="http://schemas.microsoft.com/office/mac/drawingml/2011/main" val="1"/>
             </a:ext>
           </a:extLst>
         </p:spPr>
@@ -33956,7 +34900,7 @@
       </p:sp>
       <p:sp>
         <p:nvSpPr>
-          <p:cNvPr id="965" name="Rectangle 18"/>
+          <p:cNvPr id="977" name="Rectangle 18"/>
           <p:cNvSpPr txBox="1"/>
           <p:nvPr/>
         </p:nvSpPr>
@@ -33973,7 +34917,7 @@
           </a:ln>
           <a:extLst>
             <a:ext uri="{C572A759-6A51-4108-AA02-DFA0A04FC94B}">
-              <ma14:wrappingTextBoxFlag xmlns:ma14="http://schemas.microsoft.com/office/mac/drawingml/2011/main" xmlns:a14="http://schemas.microsoft.com/office/drawing/2010/main" xmlns:m="http://schemas.openxmlformats.org/officeDocument/2006/math" xmlns="" val="1"/>
+              <ma14:wrappingTextBoxFlag xmlns="" xmlns:m="http://schemas.openxmlformats.org/officeDocument/2006/math" xmlns:a14="http://schemas.microsoft.com/office/drawing/2010/main" xmlns:ma14="http://schemas.microsoft.com/office/mac/drawingml/2011/main" val="1"/>
             </a:ext>
           </a:extLst>
         </p:spPr>
@@ -34000,7 +34944,7 @@
       </p:sp>
       <p:sp>
         <p:nvSpPr>
-          <p:cNvPr id="966" name="Rectangle 22"/>
+          <p:cNvPr id="978" name="Rectangle 22"/>
           <p:cNvSpPr/>
           <p:nvPr/>
         </p:nvSpPr>
@@ -34030,7 +34974,7 @@
       </p:sp>
       <p:sp>
         <p:nvSpPr>
-          <p:cNvPr id="967" name="Subtitle 2"/>
+          <p:cNvPr id="979" name="Subtitle 2"/>
           <p:cNvSpPr txBox="1"/>
           <p:nvPr/>
         </p:nvSpPr>
@@ -34047,7 +34991,7 @@
           </a:ln>
           <a:extLst>
             <a:ext uri="{C572A759-6A51-4108-AA02-DFA0A04FC94B}">
-              <ma14:wrappingTextBoxFlag xmlns:ma14="http://schemas.microsoft.com/office/mac/drawingml/2011/main" xmlns:a14="http://schemas.microsoft.com/office/drawing/2010/main" xmlns:m="http://schemas.openxmlformats.org/officeDocument/2006/math" xmlns="" val="1"/>
+              <ma14:wrappingTextBoxFlag xmlns="" xmlns:m="http://schemas.openxmlformats.org/officeDocument/2006/math" xmlns:a14="http://schemas.microsoft.com/office/drawing/2010/main" xmlns:ma14="http://schemas.microsoft.com/office/mac/drawingml/2011/main" val="1"/>
             </a:ext>
           </a:extLst>
         </p:spPr>
@@ -34086,423 +35030,7 @@
 </p:sld>
 </file>
 
-<file path=ppt/slides/slide23.xml><?xml version="1.0" encoding="utf-8"?>
-<p:sld xmlns:a="http://schemas.openxmlformats.org/drawingml/2006/main" xmlns:r="http://schemas.openxmlformats.org/officeDocument/2006/relationships" xmlns:p="http://schemas.openxmlformats.org/presentationml/2006/main">
-  <p:cSld>
-    <p:spTree>
-      <p:nvGrpSpPr>
-        <p:cNvPr id="1" name=""/>
-        <p:cNvGrpSpPr/>
-        <p:nvPr/>
-      </p:nvGrpSpPr>
-      <p:grpSpPr>
-        <a:xfrm>
-          <a:off x="0" y="0"/>
-          <a:ext cx="0" cy="0"/>
-          <a:chOff x="0" y="0"/>
-          <a:chExt cx="0" cy="0"/>
-        </a:xfrm>
-      </p:grpSpPr>
-      <p:sp>
-        <p:nvSpPr>
-          <p:cNvPr id="969" name="TextBox 6"/>
-          <p:cNvSpPr txBox="1">
-            <a:spLocks noGrp="1"/>
-          </p:cNvSpPr>
-          <p:nvPr>
-            <p:ph type="sldNum" sz="quarter" idx="2"/>
-          </p:nvPr>
-        </p:nvSpPr>
-        <p:spPr>
-          <a:xfrm>
-            <a:off x="23715176" y="610540"/>
-            <a:ext cx="483073" cy="487645"/>
-          </a:xfrm>
-          <a:prstGeom prst="rect">
-            <a:avLst/>
-          </a:prstGeom>
-          <a:extLst>
-            <a:ext uri="{C572A759-6A51-4108-AA02-DFA0A04FC94B}">
-              <ma14:wrappingTextBoxFlag xmlns:ma14="http://schemas.microsoft.com/office/mac/drawingml/2011/main" xmlns:a14="http://schemas.microsoft.com/office/drawing/2010/main" xmlns:m="http://schemas.openxmlformats.org/officeDocument/2006/math" xmlns="" val="1"/>
-            </a:ext>
-          </a:extLst>
-        </p:spPr>
-        <p:txBody>
-          <a:bodyPr/>
-          <a:lstStyle>
-            <a:lvl1pPr algn="ctr">
-              <a:defRPr sz="2000">
-                <a:latin typeface="+mn-lt"/>
-                <a:ea typeface="+mn-ea"/>
-                <a:cs typeface="+mn-cs"/>
-                <a:sym typeface="Montserrat Regular"/>
-              </a:defRPr>
-            </a:lvl1pPr>
-          </a:lstStyle>
-          <a:p>
-            <a:fld id="{86CB4B4D-7CA3-9044-876B-883B54F8677D}" type="slidenum">
-              <a:t>23</a:t>
-            </a:fld>
-            <a:endParaRPr/>
-          </a:p>
-        </p:txBody>
-      </p:sp>
-      <p:grpSp>
-        <p:nvGrpSpPr>
-          <p:cNvPr id="973" name="Group 9"/>
-          <p:cNvGrpSpPr/>
-          <p:nvPr/>
-        </p:nvGrpSpPr>
-        <p:grpSpPr>
-          <a:xfrm>
-            <a:off x="1573349" y="8388677"/>
-            <a:ext cx="9297852" cy="2972470"/>
-            <a:chOff x="0" y="0"/>
-            <a:chExt cx="9297850" cy="2972468"/>
-          </a:xfrm>
-        </p:grpSpPr>
-        <p:sp>
-          <p:nvSpPr>
-            <p:cNvPr id="970" name="Oval 10"/>
-            <p:cNvSpPr/>
-            <p:nvPr/>
-          </p:nvSpPr>
-          <p:spPr>
-            <a:xfrm>
-              <a:off x="0" y="136294"/>
-              <a:ext cx="350835" cy="350835"/>
-            </a:xfrm>
-            <a:prstGeom prst="ellipse">
-              <a:avLst/>
-            </a:prstGeom>
-            <a:solidFill>
-              <a:schemeClr val="accent1"/>
-            </a:solidFill>
-            <a:ln w="12700" cap="flat">
-              <a:noFill/>
-              <a:miter lim="400000"/>
-            </a:ln>
-            <a:effectLst/>
-          </p:spPr>
-          <p:txBody>
-            <a:bodyPr wrap="square" lIns="45719" tIns="45719" rIns="45719" bIns="45719" numCol="1" anchor="ctr">
-              <a:noAutofit/>
-            </a:bodyPr>
-            <a:lstStyle/>
-            <a:p>
-              <a:pPr algn="ctr">
-                <a:defRPr>
-                  <a:latin typeface="Montserrat Light"/>
-                  <a:ea typeface="Montserrat Light"/>
-                  <a:cs typeface="Montserrat Light"/>
-                  <a:sym typeface="Montserrat Light"/>
-                </a:defRPr>
-              </a:pPr>
-              <a:endParaRPr/>
-            </a:p>
-          </p:txBody>
-        </p:sp>
-        <p:sp>
-          <p:nvSpPr>
-            <p:cNvPr id="971" name="Subtitle 2"/>
-            <p:cNvSpPr txBox="1"/>
-            <p:nvPr/>
-          </p:nvSpPr>
-          <p:spPr>
-            <a:xfrm>
-              <a:off x="812978" y="646331"/>
-              <a:ext cx="8484873" cy="2326138"/>
-            </a:xfrm>
-            <a:prstGeom prst="rect">
-              <a:avLst/>
-            </a:prstGeom>
-            <a:noFill/>
-            <a:ln w="12700" cap="flat">
-              <a:noFill/>
-              <a:miter lim="400000"/>
-            </a:ln>
-            <a:effectLst/>
-            <a:extLst>
-              <a:ext uri="{C572A759-6A51-4108-AA02-DFA0A04FC94B}">
-                <ma14:wrappingTextBoxFlag xmlns:ma14="http://schemas.microsoft.com/office/mac/drawingml/2011/main" xmlns:a14="http://schemas.microsoft.com/office/drawing/2010/main" xmlns:m="http://schemas.openxmlformats.org/officeDocument/2006/math" xmlns="" val="1"/>
-              </a:ext>
-            </a:extLst>
-          </p:spPr>
-          <p:txBody>
-            <a:bodyPr wrap="square" lIns="108718" tIns="108718" rIns="108718" bIns="108718" numCol="1" anchor="t">
-              <a:spAutoFit/>
-            </a:bodyPr>
-            <a:lstStyle>
-              <a:lvl1pPr defTabSz="1087636">
-                <a:lnSpc>
-                  <a:spcPts val="4200"/>
-                </a:lnSpc>
-                <a:spcBef>
-                  <a:spcPts val="600"/>
-                </a:spcBef>
-                <a:defRPr sz="2800" spc="300"/>
-              </a:lvl1pPr>
-            </a:lstStyle>
-            <a:p>
-              <a:r>
-                <a:t>Business executives should have a plan for dealing with products at every stage. Our technology streamlines the workflow process and produces efficiencies.</a:t>
-              </a:r>
-            </a:p>
-          </p:txBody>
-        </p:sp>
-        <p:sp>
-          <p:nvSpPr>
-            <p:cNvPr id="972" name="Rectangle 12"/>
-            <p:cNvSpPr txBox="1"/>
-            <p:nvPr/>
-          </p:nvSpPr>
-          <p:spPr>
-            <a:xfrm>
-              <a:off x="928225" y="0"/>
-              <a:ext cx="6399712" cy="650240"/>
-            </a:xfrm>
-            <a:prstGeom prst="rect">
-              <a:avLst/>
-            </a:prstGeom>
-            <a:noFill/>
-            <a:ln w="12700" cap="flat">
-              <a:noFill/>
-              <a:miter lim="400000"/>
-            </a:ln>
-            <a:effectLst/>
-            <a:extLst>
-              <a:ext uri="{C572A759-6A51-4108-AA02-DFA0A04FC94B}">
-                <ma14:wrappingTextBoxFlag xmlns:ma14="http://schemas.microsoft.com/office/mac/drawingml/2011/main" xmlns:a14="http://schemas.microsoft.com/office/drawing/2010/main" xmlns:m="http://schemas.openxmlformats.org/officeDocument/2006/math" xmlns="" val="1"/>
-              </a:ext>
-            </a:extLst>
-          </p:spPr>
-          <p:txBody>
-            <a:bodyPr wrap="square" lIns="45719" tIns="45719" rIns="45719" bIns="45719" numCol="1" anchor="t">
-              <a:spAutoFit/>
-            </a:bodyPr>
-            <a:lstStyle>
-              <a:lvl1pPr>
-                <a:defRPr spc="600">
-                  <a:latin typeface="Montserrat Bold"/>
-                  <a:ea typeface="Montserrat Bold"/>
-                  <a:cs typeface="Montserrat Bold"/>
-                  <a:sym typeface="Montserrat Bold"/>
-                </a:defRPr>
-              </a:lvl1pPr>
-            </a:lstStyle>
-            <a:p>
-              <a:r>
-                <a:t>YOUR TITLE ONE</a:t>
-              </a:r>
-            </a:p>
-          </p:txBody>
-        </p:sp>
-      </p:grpSp>
-      <p:grpSp>
-        <p:nvGrpSpPr>
-          <p:cNvPr id="977" name="Group 13"/>
-          <p:cNvGrpSpPr/>
-          <p:nvPr/>
-        </p:nvGrpSpPr>
-        <p:grpSpPr>
-          <a:xfrm>
-            <a:off x="13818421" y="2317062"/>
-            <a:ext cx="9297851" cy="2972469"/>
-            <a:chOff x="0" y="0"/>
-            <a:chExt cx="9297850" cy="2972468"/>
-          </a:xfrm>
-        </p:grpSpPr>
-        <p:sp>
-          <p:nvSpPr>
-            <p:cNvPr id="974" name="Oval 14"/>
-            <p:cNvSpPr/>
-            <p:nvPr/>
-          </p:nvSpPr>
-          <p:spPr>
-            <a:xfrm>
-              <a:off x="0" y="136294"/>
-              <a:ext cx="350835" cy="350835"/>
-            </a:xfrm>
-            <a:prstGeom prst="ellipse">
-              <a:avLst/>
-            </a:prstGeom>
-            <a:solidFill>
-              <a:schemeClr val="accent1"/>
-            </a:solidFill>
-            <a:ln w="12700" cap="flat">
-              <a:noFill/>
-              <a:miter lim="400000"/>
-            </a:ln>
-            <a:effectLst/>
-          </p:spPr>
-          <p:txBody>
-            <a:bodyPr wrap="square" lIns="45719" tIns="45719" rIns="45719" bIns="45719" numCol="1" anchor="ctr">
-              <a:noAutofit/>
-            </a:bodyPr>
-            <a:lstStyle/>
-            <a:p>
-              <a:pPr algn="ctr">
-                <a:defRPr>
-                  <a:latin typeface="Montserrat Light"/>
-                  <a:ea typeface="Montserrat Light"/>
-                  <a:cs typeface="Montserrat Light"/>
-                  <a:sym typeface="Montserrat Light"/>
-                </a:defRPr>
-              </a:pPr>
-              <a:endParaRPr/>
-            </a:p>
-          </p:txBody>
-        </p:sp>
-        <p:sp>
-          <p:nvSpPr>
-            <p:cNvPr id="975" name="Subtitle 2"/>
-            <p:cNvSpPr txBox="1"/>
-            <p:nvPr/>
-          </p:nvSpPr>
-          <p:spPr>
-            <a:xfrm>
-              <a:off x="812978" y="646331"/>
-              <a:ext cx="8484873" cy="2326138"/>
-            </a:xfrm>
-            <a:prstGeom prst="rect">
-              <a:avLst/>
-            </a:prstGeom>
-            <a:noFill/>
-            <a:ln w="12700" cap="flat">
-              <a:noFill/>
-              <a:miter lim="400000"/>
-            </a:ln>
-            <a:effectLst/>
-            <a:extLst>
-              <a:ext uri="{C572A759-6A51-4108-AA02-DFA0A04FC94B}">
-                <ma14:wrappingTextBoxFlag xmlns:ma14="http://schemas.microsoft.com/office/mac/drawingml/2011/main" xmlns:a14="http://schemas.microsoft.com/office/drawing/2010/main" xmlns:m="http://schemas.openxmlformats.org/officeDocument/2006/math" xmlns="" val="1"/>
-              </a:ext>
-            </a:extLst>
-          </p:spPr>
-          <p:txBody>
-            <a:bodyPr wrap="square" lIns="108718" tIns="108718" rIns="108718" bIns="108718" numCol="1" anchor="t">
-              <a:spAutoFit/>
-            </a:bodyPr>
-            <a:lstStyle>
-              <a:lvl1pPr defTabSz="1087636">
-                <a:lnSpc>
-                  <a:spcPts val="4200"/>
-                </a:lnSpc>
-                <a:spcBef>
-                  <a:spcPts val="600"/>
-                </a:spcBef>
-                <a:defRPr sz="2800" spc="300"/>
-              </a:lvl1pPr>
-            </a:lstStyle>
-            <a:p>
-              <a:r>
-                <a:t>Business executives should have a plan for dealing with products at every stage. Our technology streamlines the workflow process and produces efficiencies.</a:t>
-              </a:r>
-            </a:p>
-          </p:txBody>
-        </p:sp>
-        <p:sp>
-          <p:nvSpPr>
-            <p:cNvPr id="976" name="Rectangle 16"/>
-            <p:cNvSpPr txBox="1"/>
-            <p:nvPr/>
-          </p:nvSpPr>
-          <p:spPr>
-            <a:xfrm>
-              <a:off x="928225" y="0"/>
-              <a:ext cx="6399712" cy="650240"/>
-            </a:xfrm>
-            <a:prstGeom prst="rect">
-              <a:avLst/>
-            </a:prstGeom>
-            <a:noFill/>
-            <a:ln w="12700" cap="flat">
-              <a:noFill/>
-              <a:miter lim="400000"/>
-            </a:ln>
-            <a:effectLst/>
-            <a:extLst>
-              <a:ext uri="{C572A759-6A51-4108-AA02-DFA0A04FC94B}">
-                <ma14:wrappingTextBoxFlag xmlns:ma14="http://schemas.microsoft.com/office/mac/drawingml/2011/main" xmlns:a14="http://schemas.microsoft.com/office/drawing/2010/main" xmlns:m="http://schemas.openxmlformats.org/officeDocument/2006/math" xmlns="" val="1"/>
-              </a:ext>
-            </a:extLst>
-          </p:spPr>
-          <p:txBody>
-            <a:bodyPr wrap="square" lIns="45719" tIns="45719" rIns="45719" bIns="45719" numCol="1" anchor="t">
-              <a:spAutoFit/>
-            </a:bodyPr>
-            <a:lstStyle>
-              <a:lvl1pPr>
-                <a:defRPr spc="600">
-                  <a:latin typeface="Montserrat Bold"/>
-                  <a:ea typeface="Montserrat Bold"/>
-                  <a:cs typeface="Montserrat Bold"/>
-                  <a:sym typeface="Montserrat Bold"/>
-                </a:defRPr>
-              </a:lvl1pPr>
-            </a:lstStyle>
-            <a:p>
-              <a:r>
-                <a:t>YOUR TITLE ONE</a:t>
-              </a:r>
-            </a:p>
-          </p:txBody>
-        </p:sp>
-      </p:grpSp>
-      <p:pic>
-        <p:nvPicPr>
-          <p:cNvPr id="978" name="Picture Placeholder 1" descr="Picture Placeholder 1"/>
-          <p:cNvPicPr>
-            <a:picLocks noGrp="1" noChangeAspect="1"/>
-          </p:cNvPicPr>
-          <p:nvPr>
-            <p:ph type="pic" idx="21"/>
-          </p:nvPr>
-        </p:nvPicPr>
-        <p:blipFill>
-          <a:blip r:embed="rId2"/>
-          <a:stretch>
-            <a:fillRect/>
-          </a:stretch>
-        </p:blipFill>
-        <p:spPr>
-          <a:prstGeom prst="rect">
-            <a:avLst/>
-          </a:prstGeom>
-        </p:spPr>
-      </p:pic>
-      <p:pic>
-        <p:nvPicPr>
-          <p:cNvPr id="979" name="Picture Placeholder 2" descr="Picture Placeholder 2"/>
-          <p:cNvPicPr>
-            <a:picLocks noGrp="1" noChangeAspect="1"/>
-          </p:cNvPicPr>
-          <p:nvPr>
-            <p:ph type="pic" idx="22"/>
-          </p:nvPr>
-        </p:nvPicPr>
-        <p:blipFill>
-          <a:blip r:embed="rId2"/>
-          <a:stretch>
-            <a:fillRect/>
-          </a:stretch>
-        </p:blipFill>
-        <p:spPr>
-          <a:prstGeom prst="rect">
-            <a:avLst/>
-          </a:prstGeom>
-        </p:spPr>
-      </p:pic>
-    </p:spTree>
-  </p:cSld>
-  <p:clrMapOvr>
-    <a:masterClrMapping/>
-  </p:clrMapOvr>
-  <p:transition spd="med"/>
-</p:sld>
-</file>
-
-<file path=ppt/slides/slide24.xml><?xml version="1.0" encoding="utf-8"?>
+<file path=ppt/slides/slide22.xml><?xml version="1.0" encoding="utf-8"?>
 <p:sld xmlns:a="http://schemas.openxmlformats.org/drawingml/2006/main" xmlns:r="http://schemas.openxmlformats.org/officeDocument/2006/relationships" xmlns:p="http://schemas.openxmlformats.org/presentationml/2006/main">
   <p:cSld>
     <p:spTree>
@@ -34531,15 +35059,15 @@
         </p:nvSpPr>
         <p:spPr>
           <a:xfrm>
-            <a:off x="23705778" y="610540"/>
-            <a:ext cx="501869" cy="487645"/>
+            <a:off x="23714668" y="610540"/>
+            <a:ext cx="484089" cy="487645"/>
           </a:xfrm>
           <a:prstGeom prst="rect">
             <a:avLst/>
           </a:prstGeom>
           <a:extLst>
             <a:ext uri="{C572A759-6A51-4108-AA02-DFA0A04FC94B}">
-              <ma14:wrappingTextBoxFlag xmlns:ma14="http://schemas.microsoft.com/office/mac/drawingml/2011/main" xmlns:a14="http://schemas.microsoft.com/office/drawing/2010/main" xmlns:m="http://schemas.openxmlformats.org/officeDocument/2006/math" xmlns="" val="1"/>
+              <ma14:wrappingTextBoxFlag xmlns="" xmlns:m="http://schemas.openxmlformats.org/officeDocument/2006/math" xmlns:a14="http://schemas.microsoft.com/office/drawing/2010/main" xmlns:ma14="http://schemas.microsoft.com/office/mac/drawingml/2011/main" val="1"/>
             </a:ext>
           </a:extLst>
         </p:spPr>
@@ -34557,7 +35085,7 @@
           </a:lstStyle>
           <a:p>
             <a:fld id="{86CB4B4D-7CA3-9044-876B-883B54F8677D}" type="slidenum">
-              <a:t>24</a:t>
+              <a:t>22</a:t>
             </a:fld>
             <a:endParaRPr/>
           </a:p>
@@ -34565,21 +35093,21 @@
       </p:sp>
       <p:grpSp>
         <p:nvGrpSpPr>
-          <p:cNvPr id="985" name="Group 1"/>
+          <p:cNvPr id="985" name="Group 9"/>
           <p:cNvGrpSpPr/>
           <p:nvPr/>
         </p:nvGrpSpPr>
         <p:grpSpPr>
           <a:xfrm>
-            <a:off x="1573349" y="2081722"/>
-            <a:ext cx="9297852" cy="1905669"/>
+            <a:off x="1573349" y="8388677"/>
+            <a:ext cx="9297852" cy="2972470"/>
             <a:chOff x="0" y="0"/>
-            <a:chExt cx="9297850" cy="1905668"/>
+            <a:chExt cx="9297850" cy="2972468"/>
           </a:xfrm>
         </p:grpSpPr>
         <p:sp>
           <p:nvSpPr>
-            <p:cNvPr id="982" name="Oval 28"/>
+            <p:cNvPr id="982" name="Oval 10"/>
             <p:cNvSpPr/>
             <p:nvPr/>
           </p:nvSpPr>
@@ -34626,8 +35154,8 @@
           </p:nvSpPr>
           <p:spPr>
             <a:xfrm>
-              <a:off x="812978" y="646330"/>
-              <a:ext cx="8484873" cy="1259339"/>
+              <a:off x="812978" y="646331"/>
+              <a:ext cx="8484873" cy="2326138"/>
             </a:xfrm>
             <a:prstGeom prst="rect">
               <a:avLst/>
@@ -34640,7 +35168,7 @@
             <a:effectLst/>
             <a:extLst>
               <a:ext uri="{C572A759-6A51-4108-AA02-DFA0A04FC94B}">
-                <ma14:wrappingTextBoxFlag xmlns:ma14="http://schemas.microsoft.com/office/mac/drawingml/2011/main" xmlns:a14="http://schemas.microsoft.com/office/drawing/2010/main" xmlns:m="http://schemas.openxmlformats.org/officeDocument/2006/math" xmlns="" val="1"/>
+                <ma14:wrappingTextBoxFlag xmlns="" xmlns:m="http://schemas.openxmlformats.org/officeDocument/2006/math" xmlns:a14="http://schemas.microsoft.com/office/drawing/2010/main" xmlns:ma14="http://schemas.microsoft.com/office/mac/drawingml/2011/main" val="1"/>
               </a:ext>
             </a:extLst>
           </p:spPr>
@@ -34661,14 +35189,14 @@
             </a:lstStyle>
             <a:p>
               <a:r>
-                <a:t>Business executives should have a plan for dealing with products at every stage.</a:t>
+                <a:t>Business executives should have a plan for dealing with products at every stage. Our technology streamlines the workflow process and produces efficiencies.</a:t>
               </a:r>
             </a:p>
           </p:txBody>
         </p:sp>
         <p:sp>
           <p:nvSpPr>
-            <p:cNvPr id="984" name="Rectangle 30"/>
+            <p:cNvPr id="984" name="Rectangle 12"/>
             <p:cNvSpPr txBox="1"/>
             <p:nvPr/>
           </p:nvSpPr>
@@ -34688,7 +35216,7 @@
             <a:effectLst/>
             <a:extLst>
               <a:ext uri="{C572A759-6A51-4108-AA02-DFA0A04FC94B}">
-                <ma14:wrappingTextBoxFlag xmlns:ma14="http://schemas.microsoft.com/office/mac/drawingml/2011/main" xmlns:a14="http://schemas.microsoft.com/office/drawing/2010/main" xmlns:m="http://schemas.openxmlformats.org/officeDocument/2006/math" xmlns="" val="1"/>
+                <ma14:wrappingTextBoxFlag xmlns="" xmlns:m="http://schemas.openxmlformats.org/officeDocument/2006/math" xmlns:a14="http://schemas.microsoft.com/office/drawing/2010/main" xmlns:ma14="http://schemas.microsoft.com/office/mac/drawingml/2011/main" val="1"/>
               </a:ext>
             </a:extLst>
           </p:spPr>
@@ -34716,28 +35244,28 @@
       </p:grpSp>
       <p:grpSp>
         <p:nvGrpSpPr>
-          <p:cNvPr id="989" name="Group 31"/>
+          <p:cNvPr id="989" name="Group 13"/>
           <p:cNvGrpSpPr/>
           <p:nvPr/>
         </p:nvGrpSpPr>
         <p:grpSpPr>
           <a:xfrm>
-            <a:off x="14206632" y="2081722"/>
-            <a:ext cx="9048748" cy="1905669"/>
+            <a:off x="13818421" y="2317062"/>
+            <a:ext cx="9297851" cy="2972469"/>
             <a:chOff x="0" y="0"/>
-            <a:chExt cx="9048747" cy="1905668"/>
+            <a:chExt cx="9297850" cy="2972468"/>
           </a:xfrm>
         </p:grpSpPr>
         <p:sp>
           <p:nvSpPr>
-            <p:cNvPr id="986" name="Oval 32"/>
+            <p:cNvPr id="986" name="Oval 14"/>
             <p:cNvSpPr/>
             <p:nvPr/>
           </p:nvSpPr>
           <p:spPr>
             <a:xfrm>
               <a:off x="0" y="136294"/>
-              <a:ext cx="350833" cy="350835"/>
+              <a:ext cx="350835" cy="350835"/>
             </a:xfrm>
             <a:prstGeom prst="ellipse">
               <a:avLst/>
@@ -34777,8 +35305,8 @@
           </p:nvSpPr>
           <p:spPr>
             <a:xfrm>
-              <a:off x="812977" y="646330"/>
-              <a:ext cx="8235771" cy="1259339"/>
+              <a:off x="812978" y="646331"/>
+              <a:ext cx="8484873" cy="2326138"/>
             </a:xfrm>
             <a:prstGeom prst="rect">
               <a:avLst/>
@@ -34791,7 +35319,7 @@
             <a:effectLst/>
             <a:extLst>
               <a:ext uri="{C572A759-6A51-4108-AA02-DFA0A04FC94B}">
-                <ma14:wrappingTextBoxFlag xmlns:ma14="http://schemas.microsoft.com/office/mac/drawingml/2011/main" xmlns:a14="http://schemas.microsoft.com/office/drawing/2010/main" xmlns:m="http://schemas.openxmlformats.org/officeDocument/2006/math" xmlns="" val="1"/>
+                <ma14:wrappingTextBoxFlag xmlns="" xmlns:m="http://schemas.openxmlformats.org/officeDocument/2006/math" xmlns:a14="http://schemas.microsoft.com/office/drawing/2010/main" xmlns:ma14="http://schemas.microsoft.com/office/mac/drawingml/2011/main" val="1"/>
               </a:ext>
             </a:extLst>
           </p:spPr>
@@ -34812,21 +35340,21 @@
             </a:lstStyle>
             <a:p>
               <a:r>
-                <a:t>Business executives should have a plan for dealing with products at every stage.</a:t>
+                <a:t>Business executives should have a plan for dealing with products at every stage. Our technology streamlines the workflow process and produces efficiencies.</a:t>
               </a:r>
             </a:p>
           </p:txBody>
         </p:sp>
         <p:sp>
           <p:nvSpPr>
-            <p:cNvPr id="988" name="Rectangle 34"/>
+            <p:cNvPr id="988" name="Rectangle 16"/>
             <p:cNvSpPr txBox="1"/>
             <p:nvPr/>
           </p:nvSpPr>
           <p:spPr>
             <a:xfrm>
               <a:off x="928225" y="0"/>
-              <a:ext cx="6399710" cy="650240"/>
+              <a:ext cx="6399712" cy="650240"/>
             </a:xfrm>
             <a:prstGeom prst="rect">
               <a:avLst/>
@@ -34839,7 +35367,7 @@
             <a:effectLst/>
             <a:extLst>
               <a:ext uri="{C572A759-6A51-4108-AA02-DFA0A04FC94B}">
-                <ma14:wrappingTextBoxFlag xmlns:ma14="http://schemas.microsoft.com/office/mac/drawingml/2011/main" xmlns:a14="http://schemas.microsoft.com/office/drawing/2010/main" xmlns:m="http://schemas.openxmlformats.org/officeDocument/2006/math" xmlns="" val="1"/>
+                <ma14:wrappingTextBoxFlag xmlns="" xmlns:m="http://schemas.openxmlformats.org/officeDocument/2006/math" xmlns:a14="http://schemas.microsoft.com/office/drawing/2010/main" xmlns:ma14="http://schemas.microsoft.com/office/mac/drawingml/2011/main" val="1"/>
               </a:ext>
             </a:extLst>
           </p:spPr>
@@ -34865,220 +35393,36 @@
           </p:txBody>
         </p:sp>
       </p:grpSp>
-      <p:grpSp>
-        <p:nvGrpSpPr>
-          <p:cNvPr id="994" name="Group 20"/>
-          <p:cNvGrpSpPr/>
-          <p:nvPr/>
-        </p:nvGrpSpPr>
-        <p:grpSpPr>
-          <a:xfrm>
-            <a:off x="14106385" y="6898760"/>
-            <a:ext cx="8739980" cy="4540602"/>
-            <a:chOff x="0" y="0"/>
-            <a:chExt cx="8739978" cy="4540601"/>
-          </a:xfrm>
-        </p:grpSpPr>
-        <p:grpSp>
-          <p:nvGrpSpPr>
-            <p:cNvPr id="992" name="Group 21"/>
-            <p:cNvGrpSpPr/>
-            <p:nvPr/>
-          </p:nvGrpSpPr>
-          <p:grpSpPr>
-            <a:xfrm>
-              <a:off x="100246" y="0"/>
-              <a:ext cx="7828974" cy="1270000"/>
-              <a:chOff x="0" y="0"/>
-              <a:chExt cx="7828973" cy="1270000"/>
-            </a:xfrm>
-          </p:grpSpPr>
-          <p:sp>
-            <p:nvSpPr>
-              <p:cNvPr id="990" name="TextBox 23"/>
-              <p:cNvSpPr/>
-              <p:nvPr/>
-            </p:nvSpPr>
-            <p:spPr>
-              <a:xfrm>
-                <a:off x="0" y="460137"/>
-                <a:ext cx="7828974" cy="1"/>
-              </a:xfrm>
-              <a:custGeom>
-                <a:avLst/>
-                <a:gdLst/>
-                <a:ahLst/>
-                <a:cxnLst>
-                  <a:cxn ang="0">
-                    <a:pos x="wd2" y="hd2"/>
-                  </a:cxn>
-                  <a:cxn ang="5400000">
-                    <a:pos x="wd2" y="hd2"/>
-                  </a:cxn>
-                  <a:cxn ang="10800000">
-                    <a:pos x="wd2" y="hd2"/>
-                  </a:cxn>
-                  <a:cxn ang="16200000">
-                    <a:pos x="wd2" y="hd2"/>
-                  </a:cxn>
-                </a:cxnLst>
-                <a:rect l="0" t="0" r="r" b="b"/>
-                <a:pathLst>
-                  <a:path w="21600" extrusionOk="0">
-                    <a:moveTo>
-                      <a:pt x="0" y="0"/>
-                    </a:moveTo>
-                    <a:lnTo>
-                      <a:pt x="21600" y="0"/>
-                    </a:lnTo>
-                    <a:lnTo>
-                      <a:pt x="21600" y="0"/>
-                    </a:lnTo>
-                    <a:lnTo>
-                      <a:pt x="0" y="0"/>
-                    </a:lnTo>
-                    <a:close/>
-                  </a:path>
-                </a:pathLst>
-              </a:custGeom>
-              <a:noFill/>
-              <a:ln w="12700" cap="flat">
-                <a:noFill/>
-                <a:miter lim="400000"/>
-              </a:ln>
-              <a:effectLst/>
-              <a:extLst>
-                <a:ext uri="{C572A759-6A51-4108-AA02-DFA0A04FC94B}">
-                  <ma14:wrappingTextBoxFlag xmlns:ma14="http://schemas.microsoft.com/office/mac/drawingml/2011/main" xmlns:a14="http://schemas.microsoft.com/office/drawing/2010/main" xmlns:m="http://schemas.openxmlformats.org/officeDocument/2006/math" xmlns="" val="1"/>
-                </a:ext>
-              </a:extLst>
-            </p:spPr>
-            <p:txBody>
-              <a:bodyPr wrap="square" lIns="45719" tIns="45719" rIns="45719" bIns="45719" numCol="1" anchor="t">
-                <a:spAutoFit/>
-              </a:bodyPr>
-              <a:lstStyle>
-                <a:lvl1pPr>
-                  <a:defRPr sz="5400" spc="600">
-                    <a:latin typeface="+mn-lt"/>
-                    <a:ea typeface="+mn-ea"/>
-                    <a:cs typeface="+mn-cs"/>
-                    <a:sym typeface="Montserrat Regular"/>
-                  </a:defRPr>
-                </a:lvl1pPr>
-              </a:lstStyle>
-              <a:p>
-                <a:r>
-                  <a:t>PORTFOLIO SHOWCASE</a:t>
-                </a:r>
-              </a:p>
-            </p:txBody>
-          </p:sp>
-          <p:sp>
-            <p:nvSpPr>
-              <p:cNvPr id="991" name="TextBox 24"/>
-              <p:cNvSpPr/>
-              <p:nvPr/>
-            </p:nvSpPr>
-            <p:spPr>
-              <a:xfrm>
-                <a:off x="56678" y="0"/>
-                <a:ext cx="1270001" cy="1270000"/>
-              </a:xfrm>
-              <a:prstGeom prst="line">
-                <a:avLst/>
-              </a:prstGeom>
-              <a:noFill/>
-              <a:ln w="12700" cap="flat">
-                <a:noFill/>
-                <a:miter lim="400000"/>
-              </a:ln>
-              <a:effectLst/>
-              <a:extLst>
-                <a:ext uri="{C572A759-6A51-4108-AA02-DFA0A04FC94B}">
-                  <ma14:wrappingTextBoxFlag xmlns:ma14="http://schemas.microsoft.com/office/mac/drawingml/2011/main" xmlns:a14="http://schemas.microsoft.com/office/drawing/2010/main" xmlns:m="http://schemas.openxmlformats.org/officeDocument/2006/math" xmlns="" val="1"/>
-                </a:ext>
-              </a:extLst>
-            </p:spPr>
-            <p:txBody>
-              <a:bodyPr wrap="none" lIns="45719" tIns="45719" rIns="45719" bIns="45719" numCol="1" anchor="t">
-                <a:spAutoFit/>
-              </a:bodyPr>
-              <a:lstStyle>
-                <a:lvl1pPr>
-                  <a:defRPr sz="1600" spc="1200">
-                    <a:latin typeface="+mn-lt"/>
-                    <a:ea typeface="+mn-ea"/>
-                    <a:cs typeface="+mn-cs"/>
-                    <a:sym typeface="Montserrat Regular"/>
-                  </a:defRPr>
-                </a:lvl1pPr>
-              </a:lstStyle>
-              <a:p>
-                <a:r>
-                  <a:t>YOU CAN WRITE HERE</a:t>
-                </a:r>
-              </a:p>
-            </p:txBody>
-          </p:sp>
-        </p:grpSp>
-        <p:sp>
-          <p:nvSpPr>
-            <p:cNvPr id="993" name="Subtitle 2"/>
-            <p:cNvSpPr txBox="1"/>
-            <p:nvPr/>
-          </p:nvSpPr>
-          <p:spPr>
-            <a:xfrm>
-              <a:off x="0" y="2214464"/>
-              <a:ext cx="8739979" cy="2326138"/>
-            </a:xfrm>
-            <a:prstGeom prst="rect">
-              <a:avLst/>
-            </a:prstGeom>
-            <a:noFill/>
-            <a:ln w="12700" cap="flat">
-              <a:noFill/>
-              <a:miter lim="400000"/>
-            </a:ln>
-            <a:effectLst/>
-            <a:extLst>
-              <a:ext uri="{C572A759-6A51-4108-AA02-DFA0A04FC94B}">
-                <ma14:wrappingTextBoxFlag xmlns:ma14="http://schemas.microsoft.com/office/mac/drawingml/2011/main" xmlns:a14="http://schemas.microsoft.com/office/drawing/2010/main" xmlns:m="http://schemas.openxmlformats.org/officeDocument/2006/math" xmlns="" val="1"/>
-              </a:ext>
-            </a:extLst>
-          </p:spPr>
-          <p:txBody>
-            <a:bodyPr wrap="square" lIns="108718" tIns="108718" rIns="108718" bIns="108718" numCol="1" anchor="t">
-              <a:spAutoFit/>
-            </a:bodyPr>
-            <a:lstStyle>
-              <a:lvl1pPr defTabSz="1087636">
-                <a:lnSpc>
-                  <a:spcPts val="4200"/>
-                </a:lnSpc>
-                <a:spcBef>
-                  <a:spcPts val="600"/>
-                </a:spcBef>
-                <a:defRPr sz="2800" spc="300"/>
-              </a:lvl1pPr>
-            </a:lstStyle>
-            <a:p>
-              <a:r>
-                <a:t>Business executives should have a plan for dealing with products at every stage, our technology streamlines the workflow process and produces efficiencies.</a:t>
-              </a:r>
-            </a:p>
-          </p:txBody>
-        </p:sp>
-      </p:grpSp>
       <p:pic>
         <p:nvPicPr>
-          <p:cNvPr id="995" name="Picture Placeholder 2" descr="Picture Placeholder 2"/>
+          <p:cNvPr id="990" name="Picture Placeholder 1" descr="Picture Placeholder 1"/>
           <p:cNvPicPr>
             <a:picLocks noGrp="1" noChangeAspect="1"/>
           </p:cNvPicPr>
           <p:nvPr>
             <p:ph type="pic" idx="21"/>
+          </p:nvPr>
+        </p:nvPicPr>
+        <p:blipFill>
+          <a:blip r:embed="rId2"/>
+          <a:stretch>
+            <a:fillRect/>
+          </a:stretch>
+        </p:blipFill>
+        <p:spPr>
+          <a:prstGeom prst="rect">
+            <a:avLst/>
+          </a:prstGeom>
+        </p:spPr>
+      </p:pic>
+      <p:pic>
+        <p:nvPicPr>
+          <p:cNvPr id="991" name="Picture Placeholder 2" descr="Picture Placeholder 2"/>
+          <p:cNvPicPr>
+            <a:picLocks noGrp="1" noChangeAspect="1"/>
+          </p:cNvPicPr>
+          <p:nvPr>
+            <p:ph type="pic" idx="22"/>
           </p:nvPr>
         </p:nvPicPr>
         <p:blipFill>
@@ -35102,7 +35446,7 @@
 </p:sld>
 </file>
 
-<file path=ppt/slides/slide25.xml><?xml version="1.0" encoding="utf-8"?>
+<file path=ppt/slides/slide23.xml><?xml version="1.0" encoding="utf-8"?>
 <p:sld xmlns:a="http://schemas.openxmlformats.org/drawingml/2006/main" xmlns:r="http://schemas.openxmlformats.org/officeDocument/2006/relationships" xmlns:p="http://schemas.openxmlformats.org/presentationml/2006/main">
   <p:cSld>
     <p:spTree>
@@ -35121,7 +35465,7 @@
       </p:grpSpPr>
       <p:sp>
         <p:nvSpPr>
-          <p:cNvPr id="997" name="TextBox 6"/>
+          <p:cNvPr id="993" name="TextBox 6"/>
           <p:cNvSpPr txBox="1">
             <a:spLocks noGrp="1"/>
           </p:cNvSpPr>
@@ -35131,15 +35475,15 @@
         </p:nvSpPr>
         <p:spPr>
           <a:xfrm>
-            <a:off x="23714922" y="610540"/>
-            <a:ext cx="483581" cy="487645"/>
+            <a:off x="23715176" y="610540"/>
+            <a:ext cx="483073" cy="487645"/>
           </a:xfrm>
           <a:prstGeom prst="rect">
             <a:avLst/>
           </a:prstGeom>
           <a:extLst>
             <a:ext uri="{C572A759-6A51-4108-AA02-DFA0A04FC94B}">
-              <ma14:wrappingTextBoxFlag xmlns:ma14="http://schemas.microsoft.com/office/mac/drawingml/2011/main" xmlns:a14="http://schemas.microsoft.com/office/drawing/2010/main" xmlns:m="http://schemas.openxmlformats.org/officeDocument/2006/math" xmlns="" val="1"/>
+              <ma14:wrappingTextBoxFlag xmlns="" xmlns:m="http://schemas.openxmlformats.org/officeDocument/2006/math" xmlns:a14="http://schemas.microsoft.com/office/drawing/2010/main" xmlns:ma14="http://schemas.microsoft.com/office/mac/drawingml/2011/main" val="1"/>
             </a:ext>
           </a:extLst>
         </p:spPr>
@@ -35157,7 +35501,7 @@
           </a:lstStyle>
           <a:p>
             <a:fld id="{86CB4B4D-7CA3-9044-876B-883B54F8677D}" type="slidenum">
-              <a:t>25</a:t>
+              <a:t>23</a:t>
             </a:fld>
             <a:endParaRPr/>
           </a:p>
@@ -35165,7 +35509,7 @@
       </p:sp>
       <p:pic>
         <p:nvPicPr>
-          <p:cNvPr id="998" name="Picture Placeholder 2" descr="Picture Placeholder 2"/>
+          <p:cNvPr id="994" name="Picture Placeholder 2" descr="Picture Placeholder 2"/>
           <p:cNvPicPr>
             <a:picLocks noGrp="1" noChangeAspect="1"/>
           </p:cNvPicPr>
@@ -35187,7 +35531,7 @@
       </p:pic>
       <p:sp>
         <p:nvSpPr>
-          <p:cNvPr id="999" name="Rectangle 5"/>
+          <p:cNvPr id="995" name="Rectangle 5"/>
           <p:cNvSpPr/>
           <p:nvPr/>
         </p:nvSpPr>
@@ -35217,7 +35561,7 @@
       </p:sp>
       <p:sp>
         <p:nvSpPr>
-          <p:cNvPr id="1000" name="Rectangle 1"/>
+          <p:cNvPr id="996" name="Rectangle 1"/>
           <p:cNvSpPr/>
           <p:nvPr/>
         </p:nvSpPr>
@@ -35247,7 +35591,7 @@
       </p:sp>
       <p:sp>
         <p:nvSpPr>
-          <p:cNvPr id="1001" name="Rectangle 9"/>
+          <p:cNvPr id="997" name="Rectangle 9"/>
           <p:cNvSpPr/>
           <p:nvPr/>
         </p:nvSpPr>
@@ -35277,7 +35621,7 @@
       </p:sp>
       <p:sp>
         <p:nvSpPr>
-          <p:cNvPr id="1002" name="TextBox 12"/>
+          <p:cNvPr id="998" name="TextBox 12"/>
           <p:cNvSpPr txBox="1"/>
           <p:nvPr/>
         </p:nvSpPr>
@@ -35294,7 +35638,7 @@
           </a:ln>
           <a:extLst>
             <a:ext uri="{C572A759-6A51-4108-AA02-DFA0A04FC94B}">
-              <ma14:wrappingTextBoxFlag xmlns:ma14="http://schemas.microsoft.com/office/mac/drawingml/2011/main" xmlns:a14="http://schemas.microsoft.com/office/drawing/2010/main" xmlns:m="http://schemas.openxmlformats.org/officeDocument/2006/math" xmlns="" val="1"/>
+              <ma14:wrappingTextBoxFlag xmlns="" xmlns:m="http://schemas.openxmlformats.org/officeDocument/2006/math" xmlns:a14="http://schemas.microsoft.com/office/drawing/2010/main" xmlns:ma14="http://schemas.microsoft.com/office/mac/drawingml/2011/main" val="1"/>
             </a:ext>
           </a:extLst>
         </p:spPr>
@@ -35321,7 +35665,7 @@
       </p:sp>
       <p:sp>
         <p:nvSpPr>
-          <p:cNvPr id="1003" name="TextBox 13"/>
+          <p:cNvPr id="999" name="TextBox 13"/>
           <p:cNvSpPr txBox="1"/>
           <p:nvPr/>
         </p:nvSpPr>
@@ -35338,7 +35682,7 @@
           </a:ln>
           <a:extLst>
             <a:ext uri="{C572A759-6A51-4108-AA02-DFA0A04FC94B}">
-              <ma14:wrappingTextBoxFlag xmlns:ma14="http://schemas.microsoft.com/office/mac/drawingml/2011/main" xmlns:a14="http://schemas.microsoft.com/office/drawing/2010/main" xmlns:m="http://schemas.openxmlformats.org/officeDocument/2006/math" xmlns="" val="1"/>
+              <ma14:wrappingTextBoxFlag xmlns="" xmlns:m="http://schemas.openxmlformats.org/officeDocument/2006/math" xmlns:a14="http://schemas.microsoft.com/office/drawing/2010/main" xmlns:ma14="http://schemas.microsoft.com/office/mac/drawingml/2011/main" val="1"/>
             </a:ext>
           </a:extLst>
         </p:spPr>
@@ -35365,7 +35709,7 @@
       </p:sp>
       <p:sp>
         <p:nvSpPr>
-          <p:cNvPr id="1004" name="TextBox 14"/>
+          <p:cNvPr id="1000" name="TextBox 14"/>
           <p:cNvSpPr txBox="1"/>
           <p:nvPr/>
         </p:nvSpPr>
@@ -35382,7 +35726,7 @@
           </a:ln>
           <a:extLst>
             <a:ext uri="{C572A759-6A51-4108-AA02-DFA0A04FC94B}">
-              <ma14:wrappingTextBoxFlag xmlns:ma14="http://schemas.microsoft.com/office/mac/drawingml/2011/main" xmlns:a14="http://schemas.microsoft.com/office/drawing/2010/main" xmlns:m="http://schemas.openxmlformats.org/officeDocument/2006/math" xmlns="" val="1"/>
+              <ma14:wrappingTextBoxFlag xmlns="" xmlns:m="http://schemas.openxmlformats.org/officeDocument/2006/math" xmlns:a14="http://schemas.microsoft.com/office/drawing/2010/main" xmlns:ma14="http://schemas.microsoft.com/office/mac/drawingml/2011/main" val="1"/>
             </a:ext>
           </a:extLst>
         </p:spPr>
@@ -35492,7 +35836,7 @@
           </a:prstGeom>
           <a:extLst>
             <a:ext uri="{C572A759-6A51-4108-AA02-DFA0A04FC94B}">
-              <ma14:wrappingTextBoxFlag xmlns:ma14="http://schemas.microsoft.com/office/mac/drawingml/2011/main" xmlns:a14="http://schemas.microsoft.com/office/drawing/2010/main" xmlns:m="http://schemas.openxmlformats.org/officeDocument/2006/math" xmlns="" val="1"/>
+              <ma14:wrappingTextBoxFlag xmlns="" xmlns:m="http://schemas.openxmlformats.org/officeDocument/2006/math" xmlns:a14="http://schemas.microsoft.com/office/drawing/2010/main" xmlns:ma14="http://schemas.microsoft.com/office/mac/drawingml/2011/main" val="1"/>
             </a:ext>
           </a:extLst>
         </p:spPr>
@@ -35588,7 +35932,7 @@
             <a:effectLst/>
             <a:extLst>
               <a:ext uri="{C572A759-6A51-4108-AA02-DFA0A04FC94B}">
-                <ma14:wrappingTextBoxFlag xmlns:ma14="http://schemas.microsoft.com/office/mac/drawingml/2011/main" xmlns:a14="http://schemas.microsoft.com/office/drawing/2010/main" xmlns:m="http://schemas.openxmlformats.org/officeDocument/2006/math" xmlns="" val="1"/>
+                <ma14:wrappingTextBoxFlag xmlns="" xmlns:m="http://schemas.openxmlformats.org/officeDocument/2006/math" xmlns:a14="http://schemas.microsoft.com/office/drawing/2010/main" xmlns:ma14="http://schemas.microsoft.com/office/mac/drawingml/2011/main" val="1"/>
               </a:ext>
             </a:extLst>
           </p:spPr>
@@ -35638,7 +35982,7 @@
             <a:effectLst/>
             <a:extLst>
               <a:ext uri="{C572A759-6A51-4108-AA02-DFA0A04FC94B}">
-                <ma14:wrappingTextBoxFlag xmlns:ma14="http://schemas.microsoft.com/office/mac/drawingml/2011/main" xmlns:a14="http://schemas.microsoft.com/office/drawing/2010/main" xmlns:m="http://schemas.openxmlformats.org/officeDocument/2006/math" xmlns="" val="1"/>
+                <ma14:wrappingTextBoxFlag xmlns="" xmlns:m="http://schemas.openxmlformats.org/officeDocument/2006/math" xmlns:a14="http://schemas.microsoft.com/office/drawing/2010/main" xmlns:ma14="http://schemas.microsoft.com/office/mac/drawingml/2011/main" val="1"/>
               </a:ext>
             </a:extLst>
           </p:spPr>
@@ -35689,7 +36033,7 @@
           </a:ln>
           <a:extLst>
             <a:ext uri="{C572A759-6A51-4108-AA02-DFA0A04FC94B}">
-              <ma14:wrappingTextBoxFlag xmlns:ma14="http://schemas.microsoft.com/office/mac/drawingml/2011/main" xmlns:a14="http://schemas.microsoft.com/office/drawing/2010/main" xmlns:m="http://schemas.openxmlformats.org/officeDocument/2006/math" xmlns="" val="1"/>
+              <ma14:wrappingTextBoxFlag xmlns="" xmlns:m="http://schemas.openxmlformats.org/officeDocument/2006/math" xmlns:a14="http://schemas.microsoft.com/office/drawing/2010/main" xmlns:ma14="http://schemas.microsoft.com/office/mac/drawingml/2011/main" val="1"/>
             </a:ext>
           </a:extLst>
         </p:spPr>
@@ -35730,7 +36074,7 @@
           </a:ln>
           <a:extLst>
             <a:ext uri="{C572A759-6A51-4108-AA02-DFA0A04FC94B}">
-              <ma14:wrappingTextBoxFlag xmlns:ma14="http://schemas.microsoft.com/office/mac/drawingml/2011/main" xmlns:a14="http://schemas.microsoft.com/office/drawing/2010/main" xmlns:m="http://schemas.openxmlformats.org/officeDocument/2006/math" xmlns="" val="1"/>
+              <ma14:wrappingTextBoxFlag xmlns="" xmlns:m="http://schemas.openxmlformats.org/officeDocument/2006/math" xmlns:a14="http://schemas.microsoft.com/office/drawing/2010/main" xmlns:ma14="http://schemas.microsoft.com/office/mac/drawingml/2011/main" val="1"/>
             </a:ext>
           </a:extLst>
         </p:spPr>
@@ -35750,7 +36094,7 @@
               </a:defRPr>
             </a:pPr>
             <a:r>
-              <a:rPr sz="2600" spc="288">
+              <a:rPr sz="2600" spc="288" dirty="0">
                 <a:latin typeface="Montserrat Bold"/>
                 <a:ea typeface="Montserrat Bold"/>
                 <a:cs typeface="Montserrat Bold"/>
@@ -35772,13 +36116,25 @@
               </a:defRPr>
             </a:pPr>
             <a:r>
-              <a:rPr u="sng">
-                <a:hlinkClick r:id="rId2"/>
+              <a:rPr u="sng" dirty="0">
+                <a:solidFill>
+                  <a:schemeClr val="tx1"/>
+                </a:solidFill>
+                <a:hlinkClick r:id="rId2">
+                  <a:extLst>
+                    <a:ext uri="{A12FA001-AC4F-418D-AE19-62706E023703}">
+                      <ahyp:hlinkClr xmlns:ahyp="http://schemas.microsoft.com/office/drawing/2018/hyperlinkcolor" val="tx"/>
+                    </a:ext>
+                  </a:extLst>
+                </a:hlinkClick>
               </a:rPr>
               <a:t>https://github.com/Center-for-Health-Data-Science/Just-Bash-It</a:t>
             </a:r>
             <a:r>
-              <a:rPr>
+              <a:rPr dirty="0">
+                <a:solidFill>
+                  <a:schemeClr val="tx1"/>
+                </a:solidFill>
                 <a:latin typeface="Montserrat Bold"/>
                 <a:ea typeface="Montserrat Bold"/>
                 <a:cs typeface="Montserrat Bold"/>
@@ -35835,7 +36191,7 @@
           </a:prstGeom>
           <a:extLst>
             <a:ext uri="{C572A759-6A51-4108-AA02-DFA0A04FC94B}">
-              <ma14:wrappingTextBoxFlag xmlns:ma14="http://schemas.microsoft.com/office/mac/drawingml/2011/main" xmlns:a14="http://schemas.microsoft.com/office/drawing/2010/main" xmlns:m="http://schemas.openxmlformats.org/officeDocument/2006/math" xmlns="" val="1"/>
+              <ma14:wrappingTextBoxFlag xmlns="" xmlns:m="http://schemas.openxmlformats.org/officeDocument/2006/math" xmlns:a14="http://schemas.microsoft.com/office/drawing/2010/main" xmlns:ma14="http://schemas.microsoft.com/office/mac/drawingml/2011/main" val="1"/>
             </a:ext>
           </a:extLst>
         </p:spPr>
@@ -35957,7 +36313,7 @@
           </a:ln>
           <a:extLst>
             <a:ext uri="{C572A759-6A51-4108-AA02-DFA0A04FC94B}">
-              <ma14:wrappingTextBoxFlag xmlns:ma14="http://schemas.microsoft.com/office/mac/drawingml/2011/main" xmlns:a14="http://schemas.microsoft.com/office/drawing/2010/main" xmlns:m="http://schemas.openxmlformats.org/officeDocument/2006/math" xmlns="" val="1"/>
+              <ma14:wrappingTextBoxFlag xmlns="" xmlns:m="http://schemas.openxmlformats.org/officeDocument/2006/math" xmlns:a14="http://schemas.microsoft.com/office/drawing/2010/main" xmlns:ma14="http://schemas.microsoft.com/office/mac/drawingml/2011/main" val="1"/>
             </a:ext>
           </a:extLst>
         </p:spPr>
@@ -36004,7 +36360,7 @@
           </a:ln>
           <a:extLst>
             <a:ext uri="{C572A759-6A51-4108-AA02-DFA0A04FC94B}">
-              <ma14:wrappingTextBoxFlag xmlns:ma14="http://schemas.microsoft.com/office/mac/drawingml/2011/main" xmlns:a14="http://schemas.microsoft.com/office/drawing/2010/main" xmlns:m="http://schemas.openxmlformats.org/officeDocument/2006/math" xmlns="" val="1"/>
+              <ma14:wrappingTextBoxFlag xmlns="" xmlns:m="http://schemas.openxmlformats.org/officeDocument/2006/math" xmlns:a14="http://schemas.microsoft.com/office/drawing/2010/main" xmlns:ma14="http://schemas.microsoft.com/office/mac/drawingml/2011/main" val="1"/>
             </a:ext>
           </a:extLst>
         </p:spPr>
@@ -36148,7 +36504,7 @@
           </a:prstGeom>
           <a:extLst>
             <a:ext uri="{C572A759-6A51-4108-AA02-DFA0A04FC94B}">
-              <ma14:wrappingTextBoxFlag xmlns:ma14="http://schemas.microsoft.com/office/mac/drawingml/2011/main" xmlns:a14="http://schemas.microsoft.com/office/drawing/2010/main" xmlns:m="http://schemas.openxmlformats.org/officeDocument/2006/math" xmlns="" val="1"/>
+              <ma14:wrappingTextBoxFlag xmlns="" xmlns:m="http://schemas.openxmlformats.org/officeDocument/2006/math" xmlns:a14="http://schemas.microsoft.com/office/drawing/2010/main" xmlns:ma14="http://schemas.microsoft.com/office/mac/drawingml/2011/main" val="1"/>
             </a:ext>
           </a:extLst>
         </p:spPr>
@@ -36191,7 +36547,7 @@
           </a:ln>
           <a:extLst>
             <a:ext uri="{C572A759-6A51-4108-AA02-DFA0A04FC94B}">
-              <ma14:wrappingTextBoxFlag xmlns:ma14="http://schemas.microsoft.com/office/mac/drawingml/2011/main" xmlns:a14="http://schemas.microsoft.com/office/drawing/2010/main" xmlns:m="http://schemas.openxmlformats.org/officeDocument/2006/math" xmlns="" val="1"/>
+              <ma14:wrappingTextBoxFlag xmlns="" xmlns:m="http://schemas.openxmlformats.org/officeDocument/2006/math" xmlns:a14="http://schemas.microsoft.com/office/drawing/2010/main" xmlns:ma14="http://schemas.microsoft.com/office/mac/drawingml/2011/main" val="1"/>
             </a:ext>
           </a:extLst>
         </p:spPr>
@@ -36238,7 +36594,7 @@
           </a:ln>
           <a:extLst>
             <a:ext uri="{C572A759-6A51-4108-AA02-DFA0A04FC94B}">
-              <ma14:wrappingTextBoxFlag xmlns:ma14="http://schemas.microsoft.com/office/mac/drawingml/2011/main" xmlns:a14="http://schemas.microsoft.com/office/drawing/2010/main" xmlns:m="http://schemas.openxmlformats.org/officeDocument/2006/math" xmlns="" val="1"/>
+              <ma14:wrappingTextBoxFlag xmlns="" xmlns:m="http://schemas.openxmlformats.org/officeDocument/2006/math" xmlns:a14="http://schemas.microsoft.com/office/drawing/2010/main" xmlns:ma14="http://schemas.microsoft.com/office/mac/drawingml/2011/main" val="1"/>
             </a:ext>
           </a:extLst>
         </p:spPr>
@@ -36282,7 +36638,7 @@
           </a:ln>
           <a:extLst>
             <a:ext uri="{C572A759-6A51-4108-AA02-DFA0A04FC94B}">
-              <ma14:wrappingTextBoxFlag xmlns:ma14="http://schemas.microsoft.com/office/mac/drawingml/2011/main" xmlns:a14="http://schemas.microsoft.com/office/drawing/2010/main" xmlns:m="http://schemas.openxmlformats.org/officeDocument/2006/math" xmlns="" val="1"/>
+              <ma14:wrappingTextBoxFlag xmlns="" xmlns:m="http://schemas.openxmlformats.org/officeDocument/2006/math" xmlns:a14="http://schemas.microsoft.com/office/drawing/2010/main" xmlns:ma14="http://schemas.microsoft.com/office/mac/drawingml/2011/main" val="1"/>
             </a:ext>
           </a:extLst>
         </p:spPr>
@@ -36326,7 +36682,7 @@
           </a:ln>
           <a:extLst>
             <a:ext uri="{C572A759-6A51-4108-AA02-DFA0A04FC94B}">
-              <ma14:wrappingTextBoxFlag xmlns:ma14="http://schemas.microsoft.com/office/mac/drawingml/2011/main" xmlns:a14="http://schemas.microsoft.com/office/drawing/2010/main" xmlns:m="http://schemas.openxmlformats.org/officeDocument/2006/math" xmlns="" val="1"/>
+              <ma14:wrappingTextBoxFlag xmlns="" xmlns:m="http://schemas.openxmlformats.org/officeDocument/2006/math" xmlns:a14="http://schemas.microsoft.com/office/drawing/2010/main" xmlns:ma14="http://schemas.microsoft.com/office/mac/drawingml/2011/main" val="1"/>
             </a:ext>
           </a:extLst>
         </p:spPr>
@@ -36382,7 +36738,7 @@
           </a:ln>
           <a:extLst>
             <a:ext uri="{C572A759-6A51-4108-AA02-DFA0A04FC94B}">
-              <ma14:wrappingTextBoxFlag xmlns:ma14="http://schemas.microsoft.com/office/mac/drawingml/2011/main" xmlns:a14="http://schemas.microsoft.com/office/drawing/2010/main" xmlns:m="http://schemas.openxmlformats.org/officeDocument/2006/math" xmlns="" val="1"/>
+              <ma14:wrappingTextBoxFlag xmlns="" xmlns:m="http://schemas.openxmlformats.org/officeDocument/2006/math" xmlns:a14="http://schemas.microsoft.com/office/drawing/2010/main" xmlns:ma14="http://schemas.microsoft.com/office/mac/drawingml/2011/main" val="1"/>
             </a:ext>
           </a:extLst>
         </p:spPr>
@@ -36429,7 +36785,7 @@
           </a:ln>
           <a:extLst>
             <a:ext uri="{C572A759-6A51-4108-AA02-DFA0A04FC94B}">
-              <ma14:wrappingTextBoxFlag xmlns:ma14="http://schemas.microsoft.com/office/mac/drawingml/2011/main" xmlns:a14="http://schemas.microsoft.com/office/drawing/2010/main" xmlns:m="http://schemas.openxmlformats.org/officeDocument/2006/math" xmlns="" val="1"/>
+              <ma14:wrappingTextBoxFlag xmlns="" xmlns:m="http://schemas.openxmlformats.org/officeDocument/2006/math" xmlns:a14="http://schemas.microsoft.com/office/drawing/2010/main" xmlns:ma14="http://schemas.microsoft.com/office/mac/drawingml/2011/main" val="1"/>
             </a:ext>
           </a:extLst>
         </p:spPr>
@@ -36485,7 +36841,7 @@
           </a:ln>
           <a:extLst>
             <a:ext uri="{C572A759-6A51-4108-AA02-DFA0A04FC94B}">
-              <ma14:wrappingTextBoxFlag xmlns:ma14="http://schemas.microsoft.com/office/mac/drawingml/2011/main" xmlns:a14="http://schemas.microsoft.com/office/drawing/2010/main" xmlns:m="http://schemas.openxmlformats.org/officeDocument/2006/math" xmlns="" val="1"/>
+              <ma14:wrappingTextBoxFlag xmlns="" xmlns:m="http://schemas.openxmlformats.org/officeDocument/2006/math" xmlns:a14="http://schemas.microsoft.com/office/drawing/2010/main" xmlns:ma14="http://schemas.microsoft.com/office/mac/drawingml/2011/main" val="1"/>
             </a:ext>
           </a:extLst>
         </p:spPr>
@@ -38114,7 +38470,7 @@
           </a:ln>
           <a:extLst>
             <a:ext uri="{C572A759-6A51-4108-AA02-DFA0A04FC94B}">
-              <ma14:wrappingTextBoxFlag xmlns:ma14="http://schemas.microsoft.com/office/mac/drawingml/2011/main" xmlns:a14="http://schemas.microsoft.com/office/drawing/2010/main" xmlns:m="http://schemas.openxmlformats.org/officeDocument/2006/math" xmlns="" val="1"/>
+              <ma14:wrappingTextBoxFlag xmlns="" xmlns:m="http://schemas.openxmlformats.org/officeDocument/2006/math" xmlns:a14="http://schemas.microsoft.com/office/drawing/2010/main" xmlns:ma14="http://schemas.microsoft.com/office/mac/drawingml/2011/main" val="1"/>
             </a:ext>
           </a:extLst>
         </p:spPr>
@@ -38175,7 +38531,7 @@
           </a:ln>
           <a:extLst>
             <a:ext uri="{C572A759-6A51-4108-AA02-DFA0A04FC94B}">
-              <ma14:wrappingTextBoxFlag xmlns:ma14="http://schemas.microsoft.com/office/mac/drawingml/2011/main" xmlns:a14="http://schemas.microsoft.com/office/drawing/2010/main" xmlns:m="http://schemas.openxmlformats.org/officeDocument/2006/math" xmlns="" val="1"/>
+              <ma14:wrappingTextBoxFlag xmlns="" xmlns:m="http://schemas.openxmlformats.org/officeDocument/2006/math" xmlns:a14="http://schemas.microsoft.com/office/drawing/2010/main" xmlns:ma14="http://schemas.microsoft.com/office/mac/drawingml/2011/main" val="1"/>
             </a:ext>
           </a:extLst>
         </p:spPr>
@@ -39006,7 +39362,7 @@
           </a:ln>
           <a:extLst>
             <a:ext uri="{C572A759-6A51-4108-AA02-DFA0A04FC94B}">
-              <ma14:wrappingTextBoxFlag xmlns:ma14="http://schemas.microsoft.com/office/mac/drawingml/2011/main" xmlns:a14="http://schemas.microsoft.com/office/drawing/2010/main" xmlns:m="http://schemas.openxmlformats.org/officeDocument/2006/math" xmlns="" val="1"/>
+              <ma14:wrappingTextBoxFlag xmlns="" xmlns:m="http://schemas.openxmlformats.org/officeDocument/2006/math" xmlns:a14="http://schemas.microsoft.com/office/drawing/2010/main" xmlns:ma14="http://schemas.microsoft.com/office/mac/drawingml/2011/main" val="1"/>
             </a:ext>
           </a:extLst>
         </p:spPr>
@@ -39395,7 +39751,7 @@
           </a:ln>
           <a:extLst>
             <a:ext uri="{C572A759-6A51-4108-AA02-DFA0A04FC94B}">
-              <ma14:wrappingTextBoxFlag xmlns:ma14="http://schemas.microsoft.com/office/mac/drawingml/2011/main" xmlns:a14="http://schemas.microsoft.com/office/drawing/2010/main" xmlns:m="http://schemas.openxmlformats.org/officeDocument/2006/math" xmlns="" val="1"/>
+              <ma14:wrappingTextBoxFlag xmlns="" xmlns:m="http://schemas.openxmlformats.org/officeDocument/2006/math" xmlns:a14="http://schemas.microsoft.com/office/drawing/2010/main" xmlns:ma14="http://schemas.microsoft.com/office/mac/drawingml/2011/main" val="1"/>
             </a:ext>
           </a:extLst>
         </p:spPr>
@@ -39506,7 +39862,7 @@
           </a:prstGeom>
           <a:extLst>
             <a:ext uri="{C572A759-6A51-4108-AA02-DFA0A04FC94B}">
-              <ma14:wrappingTextBoxFlag xmlns:ma14="http://schemas.microsoft.com/office/mac/drawingml/2011/main" xmlns:a14="http://schemas.microsoft.com/office/drawing/2010/main" xmlns:m="http://schemas.openxmlformats.org/officeDocument/2006/math" xmlns="" val="1"/>
+              <ma14:wrappingTextBoxFlag xmlns="" xmlns:m="http://schemas.openxmlformats.org/officeDocument/2006/math" xmlns:a14="http://schemas.microsoft.com/office/drawing/2010/main" xmlns:ma14="http://schemas.microsoft.com/office/mac/drawingml/2011/main" val="1"/>
             </a:ext>
           </a:extLst>
         </p:spPr>
@@ -39552,7 +39908,7 @@
           </a:ln>
           <a:extLst>
             <a:ext uri="{C572A759-6A51-4108-AA02-DFA0A04FC94B}">
-              <ma14:wrappingTextBoxFlag xmlns:ma14="http://schemas.microsoft.com/office/mac/drawingml/2011/main" xmlns:a14="http://schemas.microsoft.com/office/drawing/2010/main" xmlns:m="http://schemas.openxmlformats.org/officeDocument/2006/math" xmlns="" val="1"/>
+              <ma14:wrappingTextBoxFlag xmlns="" xmlns:m="http://schemas.openxmlformats.org/officeDocument/2006/math" xmlns:a14="http://schemas.microsoft.com/office/drawing/2010/main" xmlns:ma14="http://schemas.microsoft.com/office/mac/drawingml/2011/main" val="1"/>
             </a:ext>
           </a:extLst>
         </p:spPr>
@@ -39672,7 +40028,7 @@
             <a:effectLst/>
             <a:extLst>
               <a:ext uri="{C572A759-6A51-4108-AA02-DFA0A04FC94B}">
-                <ma14:wrappingTextBoxFlag xmlns:ma14="http://schemas.microsoft.com/office/mac/drawingml/2011/main" xmlns:a14="http://schemas.microsoft.com/office/drawing/2010/main" xmlns:m="http://schemas.openxmlformats.org/officeDocument/2006/math" xmlns="" val="1"/>
+                <ma14:wrappingTextBoxFlag xmlns="" xmlns:m="http://schemas.openxmlformats.org/officeDocument/2006/math" xmlns:a14="http://schemas.microsoft.com/office/drawing/2010/main" xmlns:ma14="http://schemas.microsoft.com/office/mac/drawingml/2011/main" val="1"/>
               </a:ext>
             </a:extLst>
           </p:spPr>
@@ -40240,7 +40596,7 @@
           </a:ln>
           <a:extLst>
             <a:ext uri="{C572A759-6A51-4108-AA02-DFA0A04FC94B}">
-              <ma14:wrappingTextBoxFlag xmlns:ma14="http://schemas.microsoft.com/office/mac/drawingml/2011/main" xmlns:a14="http://schemas.microsoft.com/office/drawing/2010/main" xmlns:m="http://schemas.openxmlformats.org/officeDocument/2006/math" xmlns="" val="1"/>
+              <ma14:wrappingTextBoxFlag xmlns="" xmlns:m="http://schemas.openxmlformats.org/officeDocument/2006/math" xmlns:a14="http://schemas.microsoft.com/office/drawing/2010/main" xmlns:ma14="http://schemas.microsoft.com/office/mac/drawingml/2011/main" val="1"/>
             </a:ext>
           </a:extLst>
         </p:spPr>
@@ -40287,7 +40643,7 @@
           </a:ln>
           <a:extLst>
             <a:ext uri="{C572A759-6A51-4108-AA02-DFA0A04FC94B}">
-              <ma14:wrappingTextBoxFlag xmlns:ma14="http://schemas.microsoft.com/office/mac/drawingml/2011/main" xmlns:a14="http://schemas.microsoft.com/office/drawing/2010/main" xmlns:m="http://schemas.openxmlformats.org/officeDocument/2006/math" xmlns="" val="1"/>
+              <ma14:wrappingTextBoxFlag xmlns="" xmlns:m="http://schemas.openxmlformats.org/officeDocument/2006/math" xmlns:a14="http://schemas.microsoft.com/office/drawing/2010/main" xmlns:ma14="http://schemas.microsoft.com/office/mac/drawingml/2011/main" val="1"/>
             </a:ext>
           </a:extLst>
         </p:spPr>
@@ -40334,7 +40690,7 @@
           </a:ln>
           <a:extLst>
             <a:ext uri="{C572A759-6A51-4108-AA02-DFA0A04FC94B}">
-              <ma14:wrappingTextBoxFlag xmlns:ma14="http://schemas.microsoft.com/office/mac/drawingml/2011/main" xmlns:a14="http://schemas.microsoft.com/office/drawing/2010/main" xmlns:m="http://schemas.openxmlformats.org/officeDocument/2006/math" xmlns="" val="1"/>
+              <ma14:wrappingTextBoxFlag xmlns="" xmlns:m="http://schemas.openxmlformats.org/officeDocument/2006/math" xmlns:a14="http://schemas.microsoft.com/office/drawing/2010/main" xmlns:ma14="http://schemas.microsoft.com/office/mac/drawingml/2011/main" val="1"/>
             </a:ext>
           </a:extLst>
         </p:spPr>
@@ -40381,7 +40737,7 @@
           </a:ln>
           <a:extLst>
             <a:ext uri="{C572A759-6A51-4108-AA02-DFA0A04FC94B}">
-              <ma14:wrappingTextBoxFlag xmlns:ma14="http://schemas.microsoft.com/office/mac/drawingml/2011/main" xmlns:a14="http://schemas.microsoft.com/office/drawing/2010/main" xmlns:m="http://schemas.openxmlformats.org/officeDocument/2006/math" xmlns="" val="1"/>
+              <ma14:wrappingTextBoxFlag xmlns="" xmlns:m="http://schemas.openxmlformats.org/officeDocument/2006/math" xmlns:a14="http://schemas.microsoft.com/office/drawing/2010/main" xmlns:ma14="http://schemas.microsoft.com/office/mac/drawingml/2011/main" val="1"/>
             </a:ext>
           </a:extLst>
         </p:spPr>
@@ -40443,7 +40799,7 @@
           </a:ln>
           <a:extLst>
             <a:ext uri="{C572A759-6A51-4108-AA02-DFA0A04FC94B}">
-              <ma14:wrappingTextBoxFlag xmlns:ma14="http://schemas.microsoft.com/office/mac/drawingml/2011/main" xmlns:a14="http://schemas.microsoft.com/office/drawing/2010/main" xmlns:m="http://schemas.openxmlformats.org/officeDocument/2006/math" xmlns="" val="1"/>
+              <ma14:wrappingTextBoxFlag xmlns="" xmlns:m="http://schemas.openxmlformats.org/officeDocument/2006/math" xmlns:a14="http://schemas.microsoft.com/office/drawing/2010/main" xmlns:ma14="http://schemas.microsoft.com/office/mac/drawingml/2011/main" val="1"/>
             </a:ext>
           </a:extLst>
         </p:spPr>
@@ -43232,7 +43588,7 @@
           </a:ln>
           <a:extLst>
             <a:ext uri="{C572A759-6A51-4108-AA02-DFA0A04FC94B}">
-              <ma14:wrappingTextBoxFlag xmlns:ma14="http://schemas.microsoft.com/office/mac/drawingml/2011/main" xmlns:a14="http://schemas.microsoft.com/office/drawing/2010/main" xmlns:m="http://schemas.openxmlformats.org/officeDocument/2006/math" xmlns="" val="1"/>
+              <ma14:wrappingTextBoxFlag xmlns="" xmlns:m="http://schemas.openxmlformats.org/officeDocument/2006/math" xmlns:a14="http://schemas.microsoft.com/office/drawing/2010/main" xmlns:ma14="http://schemas.microsoft.com/office/mac/drawingml/2011/main" val="1"/>
             </a:ext>
           </a:extLst>
         </p:spPr>
@@ -43595,7 +43951,7 @@
           </a:prstGeom>
           <a:extLst>
             <a:ext uri="{C572A759-6A51-4108-AA02-DFA0A04FC94B}">
-              <ma14:wrappingTextBoxFlag xmlns:ma14="http://schemas.microsoft.com/office/mac/drawingml/2011/main" xmlns:a14="http://schemas.microsoft.com/office/drawing/2010/main" xmlns:m="http://schemas.openxmlformats.org/officeDocument/2006/math" xmlns="" val="1"/>
+              <ma14:wrappingTextBoxFlag xmlns="" xmlns:m="http://schemas.openxmlformats.org/officeDocument/2006/math" xmlns:a14="http://schemas.microsoft.com/office/drawing/2010/main" xmlns:ma14="http://schemas.microsoft.com/office/mac/drawingml/2011/main" val="1"/>
             </a:ext>
           </a:extLst>
         </p:spPr>
@@ -43638,7 +43994,7 @@
           </a:ln>
           <a:extLst>
             <a:ext uri="{C572A759-6A51-4108-AA02-DFA0A04FC94B}">
-              <ma14:wrappingTextBoxFlag xmlns:ma14="http://schemas.microsoft.com/office/mac/drawingml/2011/main" xmlns:a14="http://schemas.microsoft.com/office/drawing/2010/main" xmlns:m="http://schemas.openxmlformats.org/officeDocument/2006/math" xmlns="" val="1"/>
+              <ma14:wrappingTextBoxFlag xmlns="" xmlns:m="http://schemas.openxmlformats.org/officeDocument/2006/math" xmlns:a14="http://schemas.microsoft.com/office/drawing/2010/main" xmlns:ma14="http://schemas.microsoft.com/office/mac/drawingml/2011/main" val="1"/>
             </a:ext>
           </a:extLst>
         </p:spPr>
@@ -43713,7 +44069,7 @@
           </a:ln>
           <a:extLst>
             <a:ext uri="{C572A759-6A51-4108-AA02-DFA0A04FC94B}">
-              <ma14:wrappingTextBoxFlag xmlns:ma14="http://schemas.microsoft.com/office/mac/drawingml/2011/main" xmlns:a14="http://schemas.microsoft.com/office/drawing/2010/main" xmlns:m="http://schemas.openxmlformats.org/officeDocument/2006/math" xmlns="" val="1"/>
+              <ma14:wrappingTextBoxFlag xmlns="" xmlns:m="http://schemas.openxmlformats.org/officeDocument/2006/math" xmlns:a14="http://schemas.microsoft.com/office/drawing/2010/main" xmlns:ma14="http://schemas.microsoft.com/office/mac/drawingml/2011/main" val="1"/>
             </a:ext>
           </a:extLst>
         </p:spPr>
@@ -43760,7 +44116,7 @@
           </a:ln>
           <a:extLst>
             <a:ext uri="{C572A759-6A51-4108-AA02-DFA0A04FC94B}">
-              <ma14:wrappingTextBoxFlag xmlns:ma14="http://schemas.microsoft.com/office/mac/drawingml/2011/main" xmlns:a14="http://schemas.microsoft.com/office/drawing/2010/main" xmlns:m="http://schemas.openxmlformats.org/officeDocument/2006/math" xmlns="" val="1"/>
+              <ma14:wrappingTextBoxFlag xmlns="" xmlns:m="http://schemas.openxmlformats.org/officeDocument/2006/math" xmlns:a14="http://schemas.microsoft.com/office/drawing/2010/main" xmlns:ma14="http://schemas.microsoft.com/office/mac/drawingml/2011/main" val="1"/>
             </a:ext>
           </a:extLst>
         </p:spPr>
@@ -43807,7 +44163,7 @@
           </a:ln>
           <a:extLst>
             <a:ext uri="{C572A759-6A51-4108-AA02-DFA0A04FC94B}">
-              <ma14:wrappingTextBoxFlag xmlns:ma14="http://schemas.microsoft.com/office/mac/drawingml/2011/main" xmlns:a14="http://schemas.microsoft.com/office/drawing/2010/main" xmlns:m="http://schemas.openxmlformats.org/officeDocument/2006/math" xmlns="" val="1"/>
+              <ma14:wrappingTextBoxFlag xmlns="" xmlns:m="http://schemas.openxmlformats.org/officeDocument/2006/math" xmlns:a14="http://schemas.microsoft.com/office/drawing/2010/main" xmlns:ma14="http://schemas.microsoft.com/office/mac/drawingml/2011/main" val="1"/>
             </a:ext>
           </a:extLst>
         </p:spPr>
@@ -43972,7 +44328,7 @@
           </a:ln>
           <a:extLst>
             <a:ext uri="{C572A759-6A51-4108-AA02-DFA0A04FC94B}">
-              <ma14:wrappingTextBoxFlag xmlns:ma14="http://schemas.microsoft.com/office/mac/drawingml/2011/main" xmlns:a14="http://schemas.microsoft.com/office/drawing/2010/main" xmlns:m="http://schemas.openxmlformats.org/officeDocument/2006/math" xmlns="" val="1"/>
+              <ma14:wrappingTextBoxFlag xmlns="" xmlns:m="http://schemas.openxmlformats.org/officeDocument/2006/math" xmlns:a14="http://schemas.microsoft.com/office/drawing/2010/main" xmlns:ma14="http://schemas.microsoft.com/office/mac/drawingml/2011/main" val="1"/>
             </a:ext>
           </a:extLst>
         </p:spPr>
@@ -44477,7 +44833,7 @@
           </a:ln>
           <a:extLst>
             <a:ext uri="{C572A759-6A51-4108-AA02-DFA0A04FC94B}">
-              <ma14:wrappingTextBoxFlag xmlns:ma14="http://schemas.microsoft.com/office/mac/drawingml/2011/main" xmlns:a14="http://schemas.microsoft.com/office/drawing/2010/main" xmlns:m="http://schemas.openxmlformats.org/officeDocument/2006/math" xmlns="" val="1"/>
+              <ma14:wrappingTextBoxFlag xmlns="" xmlns:m="http://schemas.openxmlformats.org/officeDocument/2006/math" xmlns:a14="http://schemas.microsoft.com/office/drawing/2010/main" xmlns:ma14="http://schemas.microsoft.com/office/mac/drawingml/2011/main" val="1"/>
             </a:ext>
           </a:extLst>
         </p:spPr>
@@ -44524,7 +44880,7 @@
           </a:ln>
           <a:extLst>
             <a:ext uri="{C572A759-6A51-4108-AA02-DFA0A04FC94B}">
-              <ma14:wrappingTextBoxFlag xmlns:ma14="http://schemas.microsoft.com/office/mac/drawingml/2011/main" xmlns:a14="http://schemas.microsoft.com/office/drawing/2010/main" xmlns:m="http://schemas.openxmlformats.org/officeDocument/2006/math" xmlns="" val="1"/>
+              <ma14:wrappingTextBoxFlag xmlns="" xmlns:m="http://schemas.openxmlformats.org/officeDocument/2006/math" xmlns:a14="http://schemas.microsoft.com/office/drawing/2010/main" xmlns:ma14="http://schemas.microsoft.com/office/mac/drawingml/2011/main" val="1"/>
             </a:ext>
           </a:extLst>
         </p:spPr>
@@ -44571,7 +44927,7 @@
           </a:ln>
           <a:extLst>
             <a:ext uri="{C572A759-6A51-4108-AA02-DFA0A04FC94B}">
-              <ma14:wrappingTextBoxFlag xmlns:ma14="http://schemas.microsoft.com/office/mac/drawingml/2011/main" xmlns:a14="http://schemas.microsoft.com/office/drawing/2010/main" xmlns:m="http://schemas.openxmlformats.org/officeDocument/2006/math" xmlns="" val="1"/>
+              <ma14:wrappingTextBoxFlag xmlns="" xmlns:m="http://schemas.openxmlformats.org/officeDocument/2006/math" xmlns:a14="http://schemas.microsoft.com/office/drawing/2010/main" xmlns:ma14="http://schemas.microsoft.com/office/mac/drawingml/2011/main" val="1"/>
             </a:ext>
           </a:extLst>
         </p:spPr>
@@ -44618,7 +44974,7 @@
           </a:ln>
           <a:extLst>
             <a:ext uri="{C572A759-6A51-4108-AA02-DFA0A04FC94B}">
-              <ma14:wrappingTextBoxFlag xmlns:ma14="http://schemas.microsoft.com/office/mac/drawingml/2011/main" xmlns:a14="http://schemas.microsoft.com/office/drawing/2010/main" xmlns:m="http://schemas.openxmlformats.org/officeDocument/2006/math" xmlns="" val="1"/>
+              <ma14:wrappingTextBoxFlag xmlns="" xmlns:m="http://schemas.openxmlformats.org/officeDocument/2006/math" xmlns:a14="http://schemas.microsoft.com/office/drawing/2010/main" xmlns:ma14="http://schemas.microsoft.com/office/mac/drawingml/2011/main" val="1"/>
             </a:ext>
           </a:extLst>
         </p:spPr>
@@ -44754,7 +45110,7 @@
           </a:ln>
           <a:extLst>
             <a:ext uri="{C572A759-6A51-4108-AA02-DFA0A04FC94B}">
-              <ma14:wrappingTextBoxFlag xmlns:ma14="http://schemas.microsoft.com/office/mac/drawingml/2011/main" xmlns:a14="http://schemas.microsoft.com/office/drawing/2010/main" xmlns:m="http://schemas.openxmlformats.org/officeDocument/2006/math" xmlns="" val="1"/>
+              <ma14:wrappingTextBoxFlag xmlns="" xmlns:m="http://schemas.openxmlformats.org/officeDocument/2006/math" xmlns:a14="http://schemas.microsoft.com/office/drawing/2010/main" xmlns:ma14="http://schemas.microsoft.com/office/mac/drawingml/2011/main" val="1"/>
             </a:ext>
           </a:extLst>
         </p:spPr>
@@ -46188,7 +46544,7 @@
           </a:prstGeom>
           <a:extLst>
             <a:ext uri="{C572A759-6A51-4108-AA02-DFA0A04FC94B}">
-              <ma14:wrappingTextBoxFlag xmlns:ma14="http://schemas.microsoft.com/office/mac/drawingml/2011/main" xmlns:a14="http://schemas.microsoft.com/office/drawing/2010/main" xmlns:m="http://schemas.openxmlformats.org/officeDocument/2006/math" xmlns="" val="1"/>
+              <ma14:wrappingTextBoxFlag xmlns="" xmlns:m="http://schemas.openxmlformats.org/officeDocument/2006/math" xmlns:a14="http://schemas.microsoft.com/office/drawing/2010/main" xmlns:ma14="http://schemas.microsoft.com/office/mac/drawingml/2011/main" val="1"/>
             </a:ext>
           </a:extLst>
         </p:spPr>
@@ -46231,7 +46587,7 @@
           </a:ln>
           <a:extLst>
             <a:ext uri="{C572A759-6A51-4108-AA02-DFA0A04FC94B}">
-              <ma14:wrappingTextBoxFlag xmlns:ma14="http://schemas.microsoft.com/office/mac/drawingml/2011/main" xmlns:a14="http://schemas.microsoft.com/office/drawing/2010/main" xmlns:m="http://schemas.openxmlformats.org/officeDocument/2006/math" xmlns="" val="1"/>
+              <ma14:wrappingTextBoxFlag xmlns="" xmlns:m="http://schemas.openxmlformats.org/officeDocument/2006/math" xmlns:a14="http://schemas.microsoft.com/office/drawing/2010/main" xmlns:ma14="http://schemas.microsoft.com/office/mac/drawingml/2011/main" val="1"/>
             </a:ext>
           </a:extLst>
         </p:spPr>
@@ -46341,7 +46697,7 @@
           </a:ln>
           <a:extLst>
             <a:ext uri="{C572A759-6A51-4108-AA02-DFA0A04FC94B}">
-              <ma14:wrappingTextBoxFlag xmlns:ma14="http://schemas.microsoft.com/office/mac/drawingml/2011/main" xmlns:a14="http://schemas.microsoft.com/office/drawing/2010/main" xmlns:m="http://schemas.openxmlformats.org/officeDocument/2006/math" xmlns="" val="1"/>
+              <ma14:wrappingTextBoxFlag xmlns="" xmlns:m="http://schemas.openxmlformats.org/officeDocument/2006/math" xmlns:a14="http://schemas.microsoft.com/office/drawing/2010/main" xmlns:ma14="http://schemas.microsoft.com/office/mac/drawingml/2011/main" val="1"/>
             </a:ext>
           </a:extLst>
         </p:spPr>
@@ -46419,7 +46775,7 @@
           </a:ln>
           <a:extLst>
             <a:ext uri="{C572A759-6A51-4108-AA02-DFA0A04FC94B}">
-              <ma14:wrappingTextBoxFlag xmlns:ma14="http://schemas.microsoft.com/office/mac/drawingml/2011/main" xmlns:a14="http://schemas.microsoft.com/office/drawing/2010/main" xmlns:m="http://schemas.openxmlformats.org/officeDocument/2006/math" xmlns="" val="1"/>
+              <ma14:wrappingTextBoxFlag xmlns="" xmlns:m="http://schemas.openxmlformats.org/officeDocument/2006/math" xmlns:a14="http://schemas.microsoft.com/office/drawing/2010/main" xmlns:ma14="http://schemas.microsoft.com/office/mac/drawingml/2011/main" val="1"/>
             </a:ext>
           </a:extLst>
         </p:spPr>
@@ -46472,7 +46828,7 @@
           <a:lstStyle/>
           <a:p>
             <a:pPr algn="ctr"/>
-            <a:endParaRPr/>
+            <a:endParaRPr dirty="0"/>
           </a:p>
         </p:txBody>
       </p:sp>
@@ -47149,7 +47505,7 @@
         <p:spPr>
           <a:xfrm>
             <a:off x="9751055" y="4870203"/>
-            <a:ext cx="14752730" cy="5064623"/>
+            <a:ext cx="14752730" cy="4405514"/>
           </a:xfrm>
           <a:prstGeom prst="rect">
             <a:avLst/>
@@ -47159,7 +47515,7 @@
           </a:ln>
           <a:extLst>
             <a:ext uri="{C572A759-6A51-4108-AA02-DFA0A04FC94B}">
-              <ma14:wrappingTextBoxFlag xmlns:ma14="http://schemas.microsoft.com/office/mac/drawingml/2011/main" xmlns:a14="http://schemas.microsoft.com/office/drawing/2010/main" xmlns:m="http://schemas.openxmlformats.org/officeDocument/2006/math" xmlns="" val="1"/>
+              <ma14:wrappingTextBoxFlag xmlns="" xmlns:m="http://schemas.openxmlformats.org/officeDocument/2006/math" xmlns:a14="http://schemas.microsoft.com/office/drawing/2010/main" xmlns:ma14="http://schemas.microsoft.com/office/mac/drawingml/2011/main" val="1"/>
             </a:ext>
           </a:extLst>
         </p:spPr>
@@ -47187,6 +47543,7 @@
               </a:defRPr>
             </a:pPr>
             <a:r>
+              <a:rPr dirty="0"/>
               <a:t>YOU NEED TO INSTALL A BASH SHELL/TERMINAL:</a:t>
             </a:r>
           </a:p>
@@ -47208,7 +47565,7 @@
                 <a:sym typeface="Montserrat Bold"/>
               </a:defRPr>
             </a:pPr>
-            <a:endParaRPr/>
+            <a:endParaRPr dirty="0"/>
           </a:p>
           <a:p>
             <a:pPr marL="280736" indent="-280736" defTabSz="1087636">
@@ -47231,10 +47588,15 @@
               </a:defRPr>
             </a:pPr>
             <a:r>
-              <a:t>MobaXterm:</a:t>
+              <a:rPr dirty="0" err="1"/>
+              <a:t>MobaXterm</a:t>
             </a:r>
             <a:r>
-              <a:rPr u="sng">
+              <a:rPr dirty="0"/>
+              <a:t>:</a:t>
+            </a:r>
+            <a:r>
+              <a:rPr u="sng" dirty="0">
                 <a:latin typeface="Montserrat Thin Regular"/>
                 <a:ea typeface="Montserrat Thin Regular"/>
                 <a:cs typeface="Montserrat Thin Regular"/>
@@ -47243,12 +47605,21 @@
               <a:t> </a:t>
             </a:r>
             <a:r>
-              <a:rPr sz="2600" u="sng" spc="278">
+              <a:rPr sz="2600" u="sng" spc="278" dirty="0">
+                <a:solidFill>
+                  <a:schemeClr val="bg1"/>
+                </a:solidFill>
                 <a:latin typeface="Montserrat Thin Regular"/>
                 <a:ea typeface="Montserrat Thin Regular"/>
                 <a:cs typeface="Montserrat Thin Regular"/>
                 <a:sym typeface="Montserrat Thin Regular"/>
-                <a:hlinkClick r:id="rId2"/>
+                <a:hlinkClick r:id="rId2">
+                  <a:extLst>
+                    <a:ext uri="{A12FA001-AC4F-418D-AE19-62706E023703}">
+                      <ahyp:hlinkClr xmlns:ahyp="http://schemas.microsoft.com/office/drawing/2018/hyperlinkcolor" val="tx"/>
+                    </a:ext>
+                  </a:extLst>
+                </a:hlinkClick>
               </a:rPr>
               <a:t>https://mobaxterm.mobatek.net/download.html</a:t>
             </a:r>
@@ -47274,20 +47645,37 @@
               </a:defRPr>
             </a:pPr>
             <a:r>
-              <a:t>Cmder: </a:t>
+              <a:rPr dirty="0" err="1"/>
+              <a:t>Cmder</a:t>
             </a:r>
             <a:r>
-              <a:rPr u="sng">
+              <a:rPr dirty="0"/>
+              <a:t>: </a:t>
+            </a:r>
+            <a:r>
+              <a:rPr u="sng" dirty="0">
+                <a:solidFill>
+                  <a:schemeClr val="bg1"/>
+                </a:solidFill>
                 <a:latin typeface="Montserrat Thin Regular"/>
                 <a:ea typeface="Montserrat Thin Regular"/>
                 <a:cs typeface="Montserrat Thin Regular"/>
                 <a:sym typeface="Montserrat Thin Regular"/>
-                <a:hlinkClick r:id="rId3"/>
+                <a:hlinkClick r:id="rId3">
+                  <a:extLst>
+                    <a:ext uri="{A12FA001-AC4F-418D-AE19-62706E023703}">
+                      <ahyp:hlinkClr xmlns:ahyp="http://schemas.microsoft.com/office/drawing/2018/hyperlinkcolor" val="tx"/>
+                    </a:ext>
+                  </a:extLst>
+                </a:hlinkClick>
               </a:rPr>
               <a:t>https://cmder.net/</a:t>
             </a:r>
             <a:r>
-              <a:rPr u="sng">
+              <a:rPr u="sng" dirty="0">
+                <a:solidFill>
+                  <a:schemeClr val="bg1"/>
+                </a:solidFill>
                 <a:latin typeface="Montserrat Thin Regular"/>
                 <a:ea typeface="Montserrat Thin Regular"/>
                 <a:cs typeface="Montserrat Thin Regular"/>
@@ -47317,19 +47705,32 @@
               </a:defRPr>
             </a:pPr>
             <a:r>
+              <a:rPr dirty="0"/>
               <a:t>GOW (Cygwin): </a:t>
             </a:r>
             <a:r>
-              <a:rPr u="sng">
+              <a:rPr u="sng" dirty="0">
+                <a:solidFill>
+                  <a:schemeClr val="bg1"/>
+                </a:solidFill>
                 <a:latin typeface="Montserrat Thin Regular"/>
                 <a:ea typeface="Montserrat Thin Regular"/>
                 <a:cs typeface="Montserrat Thin Regular"/>
                 <a:sym typeface="Montserrat Thin Regular"/>
-                <a:hlinkClick r:id="rId4"/>
+                <a:hlinkClick r:id="rId4">
+                  <a:extLst>
+                    <a:ext uri="{A12FA001-AC4F-418D-AE19-62706E023703}">
+                      <ahyp:hlinkClr xmlns:ahyp="http://schemas.microsoft.com/office/drawing/2018/hyperlinkcolor" val="tx"/>
+                    </a:ext>
+                  </a:extLst>
+                </a:hlinkClick>
               </a:rPr>
               <a:t>https://github.com/bmatzelle/gow</a:t>
             </a:r>
-            <a:endParaRPr u="sng">
+            <a:endParaRPr u="sng" dirty="0">
+              <a:solidFill>
+                <a:schemeClr val="bg1"/>
+              </a:solidFill>
               <a:latin typeface="Montserrat Thin Regular"/>
               <a:ea typeface="Montserrat Thin Regular"/>
               <a:cs typeface="Montserrat Thin Regular"/>
@@ -47357,16 +47758,35 @@
               </a:defRPr>
             </a:pPr>
             <a:r>
+              <a:rPr dirty="0"/>
               <a:t>PuTTY: </a:t>
             </a:r>
             <a:r>
-              <a:rPr u="sng">
+              <a:rPr u="sng" dirty="0">
                 <a:latin typeface="Montserrat Thin Regular"/>
                 <a:ea typeface="Montserrat Thin Regular"/>
                 <a:cs typeface="Montserrat Thin Regular"/>
                 <a:sym typeface="Montserrat Thin Regular"/>
               </a:rPr>
-              <a:t>https://www.putty.org/</a:t>
+              <a:t>https://</a:t>
+            </a:r>
+            <a:r>
+              <a:rPr u="sng" dirty="0" err="1">
+                <a:latin typeface="Montserrat Thin Regular"/>
+                <a:ea typeface="Montserrat Thin Regular"/>
+                <a:cs typeface="Montserrat Thin Regular"/>
+                <a:sym typeface="Montserrat Thin Regular"/>
+              </a:rPr>
+              <a:t>www.putty.org</a:t>
+            </a:r>
+            <a:r>
+              <a:rPr u="sng" dirty="0">
+                <a:latin typeface="Montserrat Thin Regular"/>
+                <a:ea typeface="Montserrat Thin Regular"/>
+                <a:cs typeface="Montserrat Thin Regular"/>
+                <a:sym typeface="Montserrat Thin Regular"/>
+              </a:rPr>
+              <a:t>/</a:t>
             </a:r>
           </a:p>
           <a:p>
@@ -47389,7 +47809,7 @@
                 <a:sym typeface="Montserrat Bold"/>
               </a:defRPr>
             </a:pPr>
-            <a:endParaRPr u="sng">
+            <a:endParaRPr u="sng" dirty="0">
               <a:latin typeface="Montserrat Thin Regular"/>
               <a:ea typeface="Montserrat Thin Regular"/>
               <a:cs typeface="Montserrat Thin Regular"/>
@@ -47712,7 +48132,7 @@
           </a:ln>
           <a:extLst>
             <a:ext uri="{C572A759-6A51-4108-AA02-DFA0A04FC94B}">
-              <ma14:wrappingTextBoxFlag xmlns:ma14="http://schemas.microsoft.com/office/mac/drawingml/2011/main" xmlns:a14="http://schemas.microsoft.com/office/drawing/2010/main" xmlns:m="http://schemas.openxmlformats.org/officeDocument/2006/math" xmlns="" val="1"/>
+              <ma14:wrappingTextBoxFlag xmlns="" xmlns:m="http://schemas.openxmlformats.org/officeDocument/2006/math" xmlns:a14="http://schemas.microsoft.com/office/drawing/2010/main" xmlns:ma14="http://schemas.microsoft.com/office/mac/drawingml/2011/main" val="1"/>
             </a:ext>
           </a:extLst>
         </p:spPr>
@@ -47786,7 +48206,7 @@
           </a:ln>
           <a:extLst>
             <a:ext uri="{C572A759-6A51-4108-AA02-DFA0A04FC94B}">
-              <ma14:wrappingTextBoxFlag xmlns:ma14="http://schemas.microsoft.com/office/mac/drawingml/2011/main" xmlns:a14="http://schemas.microsoft.com/office/drawing/2010/main" xmlns:m="http://schemas.openxmlformats.org/officeDocument/2006/math" xmlns="" val="1"/>
+              <ma14:wrappingTextBoxFlag xmlns="" xmlns:m="http://schemas.openxmlformats.org/officeDocument/2006/math" xmlns:a14="http://schemas.microsoft.com/office/drawing/2010/main" xmlns:ma14="http://schemas.microsoft.com/office/mac/drawingml/2011/main" val="1"/>
             </a:ext>
           </a:extLst>
         </p:spPr>
@@ -47891,7 +48311,7 @@
           </a:prstGeom>
           <a:extLst>
             <a:ext uri="{C572A759-6A51-4108-AA02-DFA0A04FC94B}">
-              <ma14:wrappingTextBoxFlag xmlns:ma14="http://schemas.microsoft.com/office/mac/drawingml/2011/main" xmlns:a14="http://schemas.microsoft.com/office/drawing/2010/main" xmlns:m="http://schemas.openxmlformats.org/officeDocument/2006/math" xmlns="" val="1"/>
+              <ma14:wrappingTextBoxFlag xmlns="" xmlns:m="http://schemas.openxmlformats.org/officeDocument/2006/math" xmlns:a14="http://schemas.microsoft.com/office/drawing/2010/main" xmlns:ma14="http://schemas.microsoft.com/office/mac/drawingml/2011/main" val="1"/>
             </a:ext>
           </a:extLst>
         </p:spPr>
@@ -47934,7 +48354,7 @@
           </a:ln>
           <a:extLst>
             <a:ext uri="{C572A759-6A51-4108-AA02-DFA0A04FC94B}">
-              <ma14:wrappingTextBoxFlag xmlns:ma14="http://schemas.microsoft.com/office/mac/drawingml/2011/main" xmlns:a14="http://schemas.microsoft.com/office/drawing/2010/main" xmlns:m="http://schemas.openxmlformats.org/officeDocument/2006/math" xmlns="" val="1"/>
+              <ma14:wrappingTextBoxFlag xmlns="" xmlns:m="http://schemas.openxmlformats.org/officeDocument/2006/math" xmlns:a14="http://schemas.microsoft.com/office/drawing/2010/main" xmlns:ma14="http://schemas.microsoft.com/office/mac/drawingml/2011/main" val="1"/>
             </a:ext>
           </a:extLst>
         </p:spPr>
@@ -48213,7 +48633,7 @@
           </a:ln>
           <a:extLst>
             <a:ext uri="{C572A759-6A51-4108-AA02-DFA0A04FC94B}">
-              <ma14:wrappingTextBoxFlag xmlns:ma14="http://schemas.microsoft.com/office/mac/drawingml/2011/main" xmlns:a14="http://schemas.microsoft.com/office/drawing/2010/main" xmlns:m="http://schemas.openxmlformats.org/officeDocument/2006/math" xmlns="" val="1"/>
+              <ma14:wrappingTextBoxFlag xmlns="" xmlns:m="http://schemas.openxmlformats.org/officeDocument/2006/math" xmlns:a14="http://schemas.microsoft.com/office/drawing/2010/main" xmlns:ma14="http://schemas.microsoft.com/office/mac/drawingml/2011/main" val="1"/>
             </a:ext>
           </a:extLst>
         </p:spPr>
@@ -48267,7 +48687,7 @@
           </a:ln>
           <a:extLst>
             <a:ext uri="{C572A759-6A51-4108-AA02-DFA0A04FC94B}">
-              <ma14:wrappingTextBoxFlag xmlns:ma14="http://schemas.microsoft.com/office/mac/drawingml/2011/main" xmlns:a14="http://schemas.microsoft.com/office/drawing/2010/main" xmlns:m="http://schemas.openxmlformats.org/officeDocument/2006/math" xmlns="" val="1"/>
+              <ma14:wrappingTextBoxFlag xmlns="" xmlns:m="http://schemas.openxmlformats.org/officeDocument/2006/math" xmlns:a14="http://schemas.microsoft.com/office/drawing/2010/main" xmlns:ma14="http://schemas.microsoft.com/office/mac/drawingml/2011/main" val="1"/>
             </a:ext>
           </a:extLst>
         </p:spPr>
@@ -48323,7 +48743,7 @@
           </a:ln>
           <a:extLst>
             <a:ext uri="{C572A759-6A51-4108-AA02-DFA0A04FC94B}">
-              <ma14:wrappingTextBoxFlag xmlns:ma14="http://schemas.microsoft.com/office/mac/drawingml/2011/main" xmlns:a14="http://schemas.microsoft.com/office/drawing/2010/main" xmlns:m="http://schemas.openxmlformats.org/officeDocument/2006/math" xmlns="" val="1"/>
+              <ma14:wrappingTextBoxFlag xmlns="" xmlns:m="http://schemas.openxmlformats.org/officeDocument/2006/math" xmlns:a14="http://schemas.microsoft.com/office/drawing/2010/main" xmlns:ma14="http://schemas.microsoft.com/office/mac/drawingml/2011/main" val="1"/>
             </a:ext>
           </a:extLst>
         </p:spPr>
@@ -48379,7 +48799,7 @@
           </a:ln>
           <a:extLst>
             <a:ext uri="{C572A759-6A51-4108-AA02-DFA0A04FC94B}">
-              <ma14:wrappingTextBoxFlag xmlns:ma14="http://schemas.microsoft.com/office/mac/drawingml/2011/main" xmlns:a14="http://schemas.microsoft.com/office/drawing/2010/main" xmlns:m="http://schemas.openxmlformats.org/officeDocument/2006/math" xmlns="" val="1"/>
+              <ma14:wrappingTextBoxFlag xmlns="" xmlns:m="http://schemas.openxmlformats.org/officeDocument/2006/math" xmlns:a14="http://schemas.microsoft.com/office/drawing/2010/main" xmlns:ma14="http://schemas.microsoft.com/office/mac/drawingml/2011/main" val="1"/>
             </a:ext>
           </a:extLst>
         </p:spPr>
@@ -48435,7 +48855,7 @@
           </a:ln>
           <a:extLst>
             <a:ext uri="{C572A759-6A51-4108-AA02-DFA0A04FC94B}">
-              <ma14:wrappingTextBoxFlag xmlns:ma14="http://schemas.microsoft.com/office/mac/drawingml/2011/main" xmlns:a14="http://schemas.microsoft.com/office/drawing/2010/main" xmlns:m="http://schemas.openxmlformats.org/officeDocument/2006/math" xmlns="" val="1"/>
+              <ma14:wrappingTextBoxFlag xmlns="" xmlns:m="http://schemas.openxmlformats.org/officeDocument/2006/math" xmlns:a14="http://schemas.microsoft.com/office/drawing/2010/main" xmlns:ma14="http://schemas.microsoft.com/office/mac/drawingml/2011/main" val="1"/>
             </a:ext>
           </a:extLst>
         </p:spPr>
@@ -48491,7 +48911,7 @@
           </a:ln>
           <a:extLst>
             <a:ext uri="{C572A759-6A51-4108-AA02-DFA0A04FC94B}">
-              <ma14:wrappingTextBoxFlag xmlns:ma14="http://schemas.microsoft.com/office/mac/drawingml/2011/main" xmlns:a14="http://schemas.microsoft.com/office/drawing/2010/main" xmlns:m="http://schemas.openxmlformats.org/officeDocument/2006/math" xmlns="" val="1"/>
+              <ma14:wrappingTextBoxFlag xmlns="" xmlns:m="http://schemas.openxmlformats.org/officeDocument/2006/math" xmlns:a14="http://schemas.microsoft.com/office/drawing/2010/main" xmlns:ma14="http://schemas.microsoft.com/office/mac/drawingml/2011/main" val="1"/>
             </a:ext>
           </a:extLst>
         </p:spPr>
@@ -48584,7 +49004,7 @@
           </a:ln>
           <a:extLst>
             <a:ext uri="{C572A759-6A51-4108-AA02-DFA0A04FC94B}">
-              <ma14:wrappingTextBoxFlag xmlns:ma14="http://schemas.microsoft.com/office/mac/drawingml/2011/main" xmlns:a14="http://schemas.microsoft.com/office/drawing/2010/main" xmlns:m="http://schemas.openxmlformats.org/officeDocument/2006/math" xmlns="" val="1"/>
+              <ma14:wrappingTextBoxFlag xmlns="" xmlns:m="http://schemas.openxmlformats.org/officeDocument/2006/math" xmlns:a14="http://schemas.microsoft.com/office/drawing/2010/main" xmlns:ma14="http://schemas.microsoft.com/office/mac/drawingml/2011/main" val="1"/>
             </a:ext>
           </a:extLst>
         </p:spPr>
@@ -48677,7 +49097,7 @@
           </a:ln>
           <a:extLst>
             <a:ext uri="{C572A759-6A51-4108-AA02-DFA0A04FC94B}">
-              <ma14:wrappingTextBoxFlag xmlns:ma14="http://schemas.microsoft.com/office/mac/drawingml/2011/main" xmlns:a14="http://schemas.microsoft.com/office/drawing/2010/main" xmlns:m="http://schemas.openxmlformats.org/officeDocument/2006/math" xmlns="" val="1"/>
+              <ma14:wrappingTextBoxFlag xmlns="" xmlns:m="http://schemas.openxmlformats.org/officeDocument/2006/math" xmlns:a14="http://schemas.microsoft.com/office/drawing/2010/main" xmlns:ma14="http://schemas.microsoft.com/office/mac/drawingml/2011/main" val="1"/>
             </a:ext>
           </a:extLst>
         </p:spPr>
@@ -48770,7 +49190,7 @@
           </a:ln>
           <a:extLst>
             <a:ext uri="{C572A759-6A51-4108-AA02-DFA0A04FC94B}">
-              <ma14:wrappingTextBoxFlag xmlns:ma14="http://schemas.microsoft.com/office/mac/drawingml/2011/main" xmlns:a14="http://schemas.microsoft.com/office/drawing/2010/main" xmlns:m="http://schemas.openxmlformats.org/officeDocument/2006/math" xmlns="" val="1"/>
+              <ma14:wrappingTextBoxFlag xmlns="" xmlns:m="http://schemas.openxmlformats.org/officeDocument/2006/math" xmlns:a14="http://schemas.microsoft.com/office/drawing/2010/main" xmlns:ma14="http://schemas.microsoft.com/office/mac/drawingml/2011/main" val="1"/>
             </a:ext>
           </a:extLst>
         </p:spPr>
@@ -48863,7 +49283,7 @@
           </a:ln>
           <a:extLst>
             <a:ext uri="{C572A759-6A51-4108-AA02-DFA0A04FC94B}">
-              <ma14:wrappingTextBoxFlag xmlns:ma14="http://schemas.microsoft.com/office/mac/drawingml/2011/main" xmlns:a14="http://schemas.microsoft.com/office/drawing/2010/main" xmlns:m="http://schemas.openxmlformats.org/officeDocument/2006/math" xmlns="" val="1"/>
+              <ma14:wrappingTextBoxFlag xmlns="" xmlns:m="http://schemas.openxmlformats.org/officeDocument/2006/math" xmlns:a14="http://schemas.microsoft.com/office/drawing/2010/main" xmlns:ma14="http://schemas.microsoft.com/office/mac/drawingml/2011/main" val="1"/>
             </a:ext>
           </a:extLst>
         </p:spPr>
@@ -49003,7 +49423,7 @@
             <a:effectLst/>
             <a:extLst>
               <a:ext uri="{C572A759-6A51-4108-AA02-DFA0A04FC94B}">
-                <ma14:wrappingTextBoxFlag xmlns:ma14="http://schemas.microsoft.com/office/mac/drawingml/2011/main" xmlns:a14="http://schemas.microsoft.com/office/drawing/2010/main" xmlns:m="http://schemas.openxmlformats.org/officeDocument/2006/math" xmlns="" val="1"/>
+                <ma14:wrappingTextBoxFlag xmlns="" xmlns:m="http://schemas.openxmlformats.org/officeDocument/2006/math" xmlns:a14="http://schemas.microsoft.com/office/drawing/2010/main" xmlns:ma14="http://schemas.microsoft.com/office/mac/drawingml/2011/main" val="1"/>
               </a:ext>
             </a:extLst>
           </p:spPr>
@@ -49102,7 +49522,7 @@
             <a:effectLst/>
             <a:extLst>
               <a:ext uri="{C572A759-6A51-4108-AA02-DFA0A04FC94B}">
-                <ma14:wrappingTextBoxFlag xmlns:ma14="http://schemas.microsoft.com/office/mac/drawingml/2011/main" xmlns:a14="http://schemas.microsoft.com/office/drawing/2010/main" xmlns:m="http://schemas.openxmlformats.org/officeDocument/2006/math" xmlns="" val="1"/>
+                <ma14:wrappingTextBoxFlag xmlns="" xmlns:m="http://schemas.openxmlformats.org/officeDocument/2006/math" xmlns:a14="http://schemas.microsoft.com/office/drawing/2010/main" xmlns:ma14="http://schemas.microsoft.com/office/mac/drawingml/2011/main" val="1"/>
               </a:ext>
             </a:extLst>
           </p:spPr>
@@ -49201,7 +49621,7 @@
             <a:effectLst/>
             <a:extLst>
               <a:ext uri="{C572A759-6A51-4108-AA02-DFA0A04FC94B}">
-                <ma14:wrappingTextBoxFlag xmlns:ma14="http://schemas.microsoft.com/office/mac/drawingml/2011/main" xmlns:a14="http://schemas.microsoft.com/office/drawing/2010/main" xmlns:m="http://schemas.openxmlformats.org/officeDocument/2006/math" xmlns="" val="1"/>
+                <ma14:wrappingTextBoxFlag xmlns="" xmlns:m="http://schemas.openxmlformats.org/officeDocument/2006/math" xmlns:a14="http://schemas.microsoft.com/office/drawing/2010/main" xmlns:ma14="http://schemas.microsoft.com/office/mac/drawingml/2011/main" val="1"/>
               </a:ext>
             </a:extLst>
           </p:spPr>
@@ -49300,7 +49720,7 @@
             <a:effectLst/>
             <a:extLst>
               <a:ext uri="{C572A759-6A51-4108-AA02-DFA0A04FC94B}">
-                <ma14:wrappingTextBoxFlag xmlns:ma14="http://schemas.microsoft.com/office/mac/drawingml/2011/main" xmlns:a14="http://schemas.microsoft.com/office/drawing/2010/main" xmlns:m="http://schemas.openxmlformats.org/officeDocument/2006/math" xmlns="" val="1"/>
+                <ma14:wrappingTextBoxFlag xmlns="" xmlns:m="http://schemas.openxmlformats.org/officeDocument/2006/math" xmlns:a14="http://schemas.microsoft.com/office/drawing/2010/main" xmlns:ma14="http://schemas.microsoft.com/office/mac/drawingml/2011/main" val="1"/>
               </a:ext>
             </a:extLst>
           </p:spPr>
@@ -49399,7 +49819,7 @@
             <a:effectLst/>
             <a:extLst>
               <a:ext uri="{C572A759-6A51-4108-AA02-DFA0A04FC94B}">
-                <ma14:wrappingTextBoxFlag xmlns:ma14="http://schemas.microsoft.com/office/mac/drawingml/2011/main" xmlns:a14="http://schemas.microsoft.com/office/drawing/2010/main" xmlns:m="http://schemas.openxmlformats.org/officeDocument/2006/math" xmlns="" val="1"/>
+                <ma14:wrappingTextBoxFlag xmlns="" xmlns:m="http://schemas.openxmlformats.org/officeDocument/2006/math" xmlns:a14="http://schemas.microsoft.com/office/drawing/2010/main" xmlns:ma14="http://schemas.microsoft.com/office/mac/drawingml/2011/main" val="1"/>
               </a:ext>
             </a:extLst>
           </p:spPr>
